--- a/teaching/cs699-fm-for-robotics-spring-2021/verification-intro.pptx
+++ b/teaching/cs699-fm-for-robotics-spring-2021/verification-intro.pptx
@@ -5,7 +5,7 @@
     <p:sldMasterId id="2147483648" r:id="rId1"/>
   </p:sldMasterIdLst>
   <p:notesMasterIdLst>
-    <p:notesMasterId r:id="rId27"/>
+    <p:notesMasterId r:id="rId21"/>
   </p:notesMasterIdLst>
   <p:sldIdLst>
     <p:sldId id="256" r:id="rId2"/>
@@ -27,12 +27,6 @@
     <p:sldId id="291" r:id="rId18"/>
     <p:sldId id="297" r:id="rId19"/>
     <p:sldId id="298" r:id="rId20"/>
-    <p:sldId id="290" r:id="rId21"/>
-    <p:sldId id="299" r:id="rId22"/>
-    <p:sldId id="300" r:id="rId23"/>
-    <p:sldId id="287" r:id="rId24"/>
-    <p:sldId id="301" r:id="rId25"/>
-    <p:sldId id="296" r:id="rId26"/>
   </p:sldIdLst>
   <p:sldSz cx="12192000" cy="6858000"/>
   <p:notesSz cx="6858000" cy="9144000"/>
@@ -221,7 +215,7 @@
           <a:p>
             <a:fld id="{6580C23F-98B7-41D4-A9FA-15A275A51486}" type="datetimeFigureOut">
               <a:rPr lang="en-US" smtClean="0"/>
-              <a:t>8/26/2018</a:t>
+              <a:t>1/25/2021</a:t>
             </a:fld>
             <a:endParaRPr lang="en-US"/>
           </a:p>
@@ -1111,7 +1105,7 @@
           <p:nvPr userDrawn="1"/>
         </p:nvPicPr>
         <mc:AlternateContent xmlns:mc="http://schemas.openxmlformats.org/markup-compatibility/2006">
-          <mc:Choice xmlns:ma="http://schemas.microsoft.com/office/mac/drawingml/2008/main" xmlns:mv="urn:schemas-microsoft-com:mac:vml" xmlns="" Requires="ma">
+          <mc:Choice xmlns="" xmlns:mv="urn:schemas-microsoft-com:mac:vml" xmlns:ma="http://schemas.microsoft.com/office/mac/drawingml/2008/main" Requires="ma">
             <p:blipFill>
               <a:blip r:embed="rId3"/>
               <a:stretch>
@@ -4259,8 +4253,8 @@
             </a:p>
           </p:txBody>
         </p:sp>
-        <mc:AlternateContent xmlns:mc="http://schemas.openxmlformats.org/markup-compatibility/2006">
-          <mc:Choice xmlns:a14="http://schemas.microsoft.com/office/drawing/2010/main" Requires="a14">
+        <mc:AlternateContent xmlns:mc="http://schemas.openxmlformats.org/markup-compatibility/2006" xmlns:a14="http://schemas.microsoft.com/office/drawing/2010/main">
+          <mc:Choice Requires="a14">
             <p:sp>
               <p:nvSpPr>
                 <p:cNvPr id="13" name="TextBox 12">
@@ -4318,7 +4312,7 @@
               </p:txBody>
             </p:sp>
           </mc:Choice>
-          <mc:Fallback>
+          <mc:Fallback xmlns="">
             <p:sp>
               <p:nvSpPr>
                 <p:cNvPr id="13" name="TextBox 12">
@@ -4363,8 +4357,8 @@
             </p:sp>
           </mc:Fallback>
         </mc:AlternateContent>
-        <mc:AlternateContent xmlns:mc="http://schemas.openxmlformats.org/markup-compatibility/2006">
-          <mc:Choice xmlns:a14="http://schemas.microsoft.com/office/drawing/2010/main" Requires="a14">
+        <mc:AlternateContent xmlns:mc="http://schemas.openxmlformats.org/markup-compatibility/2006" xmlns:a14="http://schemas.microsoft.com/office/drawing/2010/main">
+          <mc:Choice Requires="a14">
             <p:sp>
               <p:nvSpPr>
                 <p:cNvPr id="14" name="TextBox 13">
@@ -4422,7 +4416,7 @@
               </p:txBody>
             </p:sp>
           </mc:Choice>
-          <mc:Fallback>
+          <mc:Fallback xmlns="">
             <p:sp>
               <p:nvSpPr>
                 <p:cNvPr id="14" name="TextBox 13">
@@ -5206,8 +5200,8 @@
           </p:txBody>
         </p:sp>
       </p:grpSp>
-      <mc:AlternateContent xmlns:mc="http://schemas.openxmlformats.org/markup-compatibility/2006">
-        <mc:Choice xmlns:a14="http://schemas.microsoft.com/office/drawing/2010/main" Requires="a14">
+      <mc:AlternateContent xmlns:mc="http://schemas.openxmlformats.org/markup-compatibility/2006" xmlns:a14="http://schemas.microsoft.com/office/drawing/2010/main">
+        <mc:Choice Requires="a14">
           <p:sp>
             <p:nvSpPr>
               <p:cNvPr id="37" name="TextBox 36">
@@ -5392,7 +5386,7 @@
             </p:txBody>
           </p:sp>
         </mc:Choice>
-        <mc:Fallback>
+        <mc:Fallback xmlns="">
           <p:sp>
             <p:nvSpPr>
               <p:cNvPr id="37" name="TextBox 36">
@@ -7338,8 +7332,8 @@
           </a:p>
         </p:txBody>
       </p:sp>
-      <mc:AlternateContent xmlns:mc="http://schemas.openxmlformats.org/markup-compatibility/2006">
-        <mc:Choice xmlns:a14="http://schemas.microsoft.com/office/drawing/2010/main" Requires="a14">
+      <mc:AlternateContent xmlns:mc="http://schemas.openxmlformats.org/markup-compatibility/2006" xmlns:a14="http://schemas.microsoft.com/office/drawing/2010/main">
+        <mc:Choice Requires="a14">
           <p:sp>
             <p:nvSpPr>
               <p:cNvPr id="63" name="TextBox 62">
@@ -7397,7 +7391,7 @@
             </p:txBody>
           </p:sp>
         </mc:Choice>
-        <mc:Fallback>
+        <mc:Fallback xmlns="">
           <p:sp>
             <p:nvSpPr>
               <p:cNvPr id="63" name="TextBox 62">
@@ -7442,8 +7436,8 @@
           </p:sp>
         </mc:Fallback>
       </mc:AlternateContent>
-      <mc:AlternateContent xmlns:mc="http://schemas.openxmlformats.org/markup-compatibility/2006">
-        <mc:Choice xmlns:a14="http://schemas.microsoft.com/office/drawing/2010/main" Requires="a14">
+      <mc:AlternateContent xmlns:mc="http://schemas.openxmlformats.org/markup-compatibility/2006" xmlns:a14="http://schemas.microsoft.com/office/drawing/2010/main">
+        <mc:Choice Requires="a14">
           <p:sp>
             <p:nvSpPr>
               <p:cNvPr id="64" name="TextBox 63">
@@ -7501,7 +7495,7 @@
             </p:txBody>
           </p:sp>
         </mc:Choice>
-        <mc:Fallback>
+        <mc:Fallback xmlns="">
           <p:sp>
             <p:nvSpPr>
               <p:cNvPr id="64" name="TextBox 63">
@@ -13705,5772 +13699,6 @@
     <p:extLst>
       <p:ext uri="{BB962C8B-B14F-4D97-AF65-F5344CB8AC3E}">
         <p14:creationId xmlns:p14="http://schemas.microsoft.com/office/powerpoint/2010/main" val="961498082"/>
-      </p:ext>
-    </p:extLst>
-  </p:cSld>
-  <p:clrMapOvr>
-    <a:masterClrMapping/>
-  </p:clrMapOvr>
-</p:sld>
-</file>
-
-<file path=ppt/slides/slide20.xml><?xml version="1.0" encoding="utf-8"?>
-<p:sld xmlns:a="http://schemas.openxmlformats.org/drawingml/2006/main" xmlns:r="http://schemas.openxmlformats.org/officeDocument/2006/relationships" xmlns:p="http://schemas.openxmlformats.org/presentationml/2006/main">
-  <p:cSld>
-    <p:spTree>
-      <p:nvGrpSpPr>
-        <p:cNvPr id="1" name=""/>
-        <p:cNvGrpSpPr/>
-        <p:nvPr/>
-      </p:nvGrpSpPr>
-      <p:grpSpPr>
-        <a:xfrm>
-          <a:off x="0" y="0"/>
-          <a:ext cx="0" cy="0"/>
-          <a:chOff x="0" y="0"/>
-          <a:chExt cx="0" cy="0"/>
-        </a:xfrm>
-      </p:grpSpPr>
-      <p:sp>
-        <p:nvSpPr>
-          <p:cNvPr id="3" name="Title 2">
-            <a:extLst>
-              <a:ext uri="{FF2B5EF4-FFF2-40B4-BE49-F238E27FC236}">
-                <a16:creationId xmlns:a16="http://schemas.microsoft.com/office/drawing/2014/main" id="{EBD2F35D-1C58-4D16-BEC6-362C40BC6A40}"/>
-              </a:ext>
-            </a:extLst>
-          </p:cNvPr>
-          <p:cNvSpPr>
-            <a:spLocks noGrp="1"/>
-          </p:cNvSpPr>
-          <p:nvPr>
-            <p:ph type="title"/>
-          </p:nvPr>
-        </p:nvSpPr>
-        <p:spPr/>
-        <p:txBody>
-          <a:bodyPr/>
-          <a:lstStyle/>
-          <a:p>
-            <a:r>
-              <a:rPr lang="en-US" dirty="0"/>
-              <a:t>Case studies for verification</a:t>
-            </a:r>
-          </a:p>
-        </p:txBody>
-      </p:sp>
-      <p:sp>
-        <p:nvSpPr>
-          <p:cNvPr id="4" name="Slide Number Placeholder 3">
-            <a:extLst>
-              <a:ext uri="{FF2B5EF4-FFF2-40B4-BE49-F238E27FC236}">
-                <a16:creationId xmlns:a16="http://schemas.microsoft.com/office/drawing/2014/main" id="{DF06618A-0E99-45D1-9B4C-5E6289A22FA5}"/>
-              </a:ext>
-            </a:extLst>
-          </p:cNvPr>
-          <p:cNvSpPr>
-            <a:spLocks noGrp="1"/>
-          </p:cNvSpPr>
-          <p:nvPr>
-            <p:ph type="sldNum" sz="quarter" idx="12"/>
-          </p:nvPr>
-        </p:nvSpPr>
-        <p:spPr/>
-        <p:txBody>
-          <a:bodyPr/>
-          <a:lstStyle/>
-          <a:p>
-            <a:fld id="{29AAD378-655A-49C6-813C-9FD132EF7440}" type="slidenum">
-              <a:rPr lang="en-US" smtClean="0"/>
-              <a:pPr/>
-              <a:t>20</a:t>
-            </a:fld>
-            <a:endParaRPr lang="en-US"/>
-          </a:p>
-        </p:txBody>
-      </p:sp>
-      <p:sp>
-        <p:nvSpPr>
-          <p:cNvPr id="5" name="Content Placeholder 2">
-            <a:extLst>
-              <a:ext uri="{FF2B5EF4-FFF2-40B4-BE49-F238E27FC236}">
-                <a16:creationId xmlns:a16="http://schemas.microsoft.com/office/drawing/2014/main" id="{90FDC4D9-E3EE-4179-9FDD-CE04CA55B1AC}"/>
-              </a:ext>
-            </a:extLst>
-          </p:cNvPr>
-          <p:cNvSpPr>
-            <a:spLocks noGrp="1"/>
-          </p:cNvSpPr>
-          <p:nvPr>
-            <p:ph idx="1"/>
-          </p:nvPr>
-        </p:nvSpPr>
-        <p:spPr>
-          <a:xfrm>
-            <a:off x="373380" y="1564640"/>
-            <a:ext cx="6017260" cy="3901439"/>
-          </a:xfrm>
-        </p:spPr>
-        <p:txBody>
-          <a:bodyPr vert="horz" lIns="91440" tIns="45720" rIns="91440" bIns="45720" rtlCol="0">
-            <a:noAutofit/>
-          </a:bodyPr>
-          <a:lstStyle/>
-          <a:p>
-            <a:pPr marL="274320" indent="-274320">
-              <a:spcBef>
-                <a:spcPts val="600"/>
-              </a:spcBef>
-              <a:buFont typeface="Wingdings 3"/>
-              <a:buChar char=""/>
-            </a:pPr>
-            <a:r>
-              <a:rPr lang="en-US" sz="2400" b="0" dirty="0"/>
-              <a:t>Catalytic converters reduce HC, CO2, and NOx emissions efficiency optimally when A/F ratio is at stoichiometric value</a:t>
-            </a:r>
-          </a:p>
-          <a:p>
-            <a:pPr marL="274320" indent="-274320">
-              <a:spcBef>
-                <a:spcPts val="600"/>
-              </a:spcBef>
-              <a:buFont typeface="Wingdings 3"/>
-              <a:buChar char=""/>
-            </a:pPr>
-            <a:r>
-              <a:rPr lang="en-US" sz="2400" dirty="0"/>
-              <a:t>Objective: Control A/F</a:t>
-            </a:r>
-            <a:r>
-              <a:rPr lang="en-US" sz="2400" b="0" dirty="0"/>
-              <a:t> to within 5% of nominal value</a:t>
-            </a:r>
-          </a:p>
-          <a:p>
-            <a:pPr marL="274320" indent="-274320">
-              <a:spcBef>
-                <a:spcPts val="600"/>
-              </a:spcBef>
-              <a:buFont typeface="Wingdings 3"/>
-              <a:buChar char=""/>
-            </a:pPr>
-            <a:r>
-              <a:rPr lang="en-US" sz="2400" b="0" dirty="0"/>
-              <a:t>How do we model?</a:t>
-            </a:r>
-          </a:p>
-          <a:p>
-            <a:pPr marL="502920" lvl="1">
-              <a:spcBef>
-                <a:spcPts val="600"/>
-              </a:spcBef>
-              <a:buFont typeface="Wingdings 3"/>
-              <a:buChar char=""/>
-            </a:pPr>
-            <a:r>
-              <a:rPr lang="en-US" sz="2000" dirty="0"/>
-              <a:t>Plant: models internal air and fuel delivery dynamics</a:t>
-            </a:r>
-          </a:p>
-          <a:p>
-            <a:pPr marL="502920" lvl="1">
-              <a:spcBef>
-                <a:spcPts val="600"/>
-              </a:spcBef>
-              <a:buFont typeface="Wingdings 3"/>
-              <a:buChar char=""/>
-            </a:pPr>
-            <a:r>
-              <a:rPr lang="en-US" sz="2000" b="0" dirty="0"/>
-              <a:t>Contr</a:t>
-            </a:r>
-            <a:r>
-              <a:rPr lang="en-US" sz="2000" dirty="0"/>
-              <a:t>oller: Proportional + Integral controller to regulate A/F ratio</a:t>
-            </a:r>
-          </a:p>
-          <a:p>
-            <a:pPr marL="502920" lvl="1">
-              <a:spcBef>
-                <a:spcPts val="600"/>
-              </a:spcBef>
-              <a:buFont typeface="Wingdings 3"/>
-              <a:buChar char=""/>
-            </a:pPr>
-            <a:r>
-              <a:rPr lang="en-US" sz="2000" b="0" dirty="0"/>
-              <a:t>Environment: Driver requests for torque</a:t>
-            </a:r>
-          </a:p>
-          <a:p>
-            <a:pPr marL="274320" indent="-274320">
-              <a:spcBef>
-                <a:spcPts val="600"/>
-              </a:spcBef>
-              <a:buClr>
-                <a:schemeClr val="accent1"/>
-              </a:buClr>
-              <a:buSzPct val="76000"/>
-              <a:buFont typeface="Wingdings 3"/>
-              <a:buChar char=""/>
-            </a:pPr>
-            <a:endParaRPr lang="en-US" sz="2400" b="0" dirty="0"/>
-          </a:p>
-        </p:txBody>
-      </p:sp>
-      <p:pic>
-        <p:nvPicPr>
-          <p:cNvPr id="6" name="Picture 6" descr="http://www.toyota-global.com/company/history_of_toyota/75years/data/automotive_business/products_technology/technology_development/materials/images/supplement_img06.jpg">
-            <a:extLst>
-              <a:ext uri="{FF2B5EF4-FFF2-40B4-BE49-F238E27FC236}">
-                <a16:creationId xmlns:a16="http://schemas.microsoft.com/office/drawing/2014/main" id="{4E8F382B-05FB-43A3-A572-2D7FD12ADA42}"/>
-              </a:ext>
-            </a:extLst>
-          </p:cNvPr>
-          <p:cNvPicPr>
-            <a:picLocks noChangeAspect="1" noChangeArrowheads="1"/>
-          </p:cNvPicPr>
-          <p:nvPr/>
-        </p:nvPicPr>
-        <p:blipFill>
-          <a:blip r:embed="rId2">
-            <a:extLst>
-              <a:ext uri="{28A0092B-C50C-407E-A947-70E740481C1C}">
-                <a14:useLocalDpi xmlns:a14="http://schemas.microsoft.com/office/drawing/2010/main" val="0"/>
-              </a:ext>
-            </a:extLst>
-          </a:blip>
-          <a:srcRect/>
-          <a:stretch>
-            <a:fillRect/>
-          </a:stretch>
-        </p:blipFill>
-        <p:spPr bwMode="auto">
-          <a:xfrm>
-            <a:off x="6729420" y="1306869"/>
-            <a:ext cx="4886960" cy="3468168"/>
-          </a:xfrm>
-          <a:prstGeom prst="rect">
-            <a:avLst/>
-          </a:prstGeom>
-          <a:noFill/>
-          <a:extLst>
-            <a:ext uri="{909E8E84-426E-40DD-AFC4-6F175D3DCCD1}">
-              <a14:hiddenFill xmlns:a14="http://schemas.microsoft.com/office/drawing/2010/main">
-                <a:solidFill>
-                  <a:srgbClr val="FFFFFF"/>
-                </a:solidFill>
-              </a14:hiddenFill>
-            </a:ext>
-          </a:extLst>
-        </p:spPr>
-      </p:pic>
-      <p:sp>
-        <p:nvSpPr>
-          <p:cNvPr id="7" name="Oval 6">
-            <a:extLst>
-              <a:ext uri="{FF2B5EF4-FFF2-40B4-BE49-F238E27FC236}">
-                <a16:creationId xmlns:a16="http://schemas.microsoft.com/office/drawing/2014/main" id="{8EBA9A5E-AF83-4E56-AD0B-F25EB0146C89}"/>
-              </a:ext>
-            </a:extLst>
-          </p:cNvPr>
-          <p:cNvSpPr/>
-          <p:nvPr/>
-        </p:nvSpPr>
-        <p:spPr>
-          <a:xfrm>
-            <a:off x="8759481" y="1880747"/>
-            <a:ext cx="1905000" cy="685800"/>
-          </a:xfrm>
-          <a:prstGeom prst="ellipse">
-            <a:avLst/>
-          </a:prstGeom>
-          <a:noFill/>
-          <a:ln w="63500">
-            <a:solidFill>
-              <a:srgbClr val="FF0000"/>
-            </a:solidFill>
-          </a:ln>
-        </p:spPr>
-        <p:style>
-          <a:lnRef idx="2">
-            <a:schemeClr val="accent1">
-              <a:shade val="50000"/>
-            </a:schemeClr>
-          </a:lnRef>
-          <a:fillRef idx="1">
-            <a:schemeClr val="accent1"/>
-          </a:fillRef>
-          <a:effectRef idx="0">
-            <a:schemeClr val="accent1"/>
-          </a:effectRef>
-          <a:fontRef idx="minor">
-            <a:schemeClr val="lt1"/>
-          </a:fontRef>
-        </p:style>
-        <p:txBody>
-          <a:bodyPr rtlCol="0" anchor="ctr"/>
-          <a:lstStyle/>
-          <a:p>
-            <a:pPr algn="ctr"/>
-            <a:endParaRPr lang="en-US">
-              <a:latin typeface="Calibri" panose="020F0502020204030204" pitchFamily="34" charset="0"/>
-            </a:endParaRPr>
-          </a:p>
-        </p:txBody>
-      </p:sp>
-    </p:spTree>
-    <p:extLst>
-      <p:ext uri="{BB962C8B-B14F-4D97-AF65-F5344CB8AC3E}">
-        <p14:creationId xmlns:p14="http://schemas.microsoft.com/office/powerpoint/2010/main" val="1888238143"/>
-      </p:ext>
-    </p:extLst>
-  </p:cSld>
-  <p:clrMapOvr>
-    <a:masterClrMapping/>
-  </p:clrMapOvr>
-</p:sld>
-</file>
-
-<file path=ppt/slides/slide21.xml><?xml version="1.0" encoding="utf-8"?>
-<p:sld xmlns:a="http://schemas.openxmlformats.org/drawingml/2006/main" xmlns:r="http://schemas.openxmlformats.org/officeDocument/2006/relationships" xmlns:p="http://schemas.openxmlformats.org/presentationml/2006/main">
-  <p:cSld>
-    <p:spTree>
-      <p:nvGrpSpPr>
-        <p:cNvPr id="1" name=""/>
-        <p:cNvGrpSpPr/>
-        <p:nvPr/>
-      </p:nvGrpSpPr>
-      <p:grpSpPr>
-        <a:xfrm>
-          <a:off x="0" y="0"/>
-          <a:ext cx="0" cy="0"/>
-          <a:chOff x="0" y="0"/>
-          <a:chExt cx="0" cy="0"/>
-        </a:xfrm>
-      </p:grpSpPr>
-      <p:sp>
-        <p:nvSpPr>
-          <p:cNvPr id="3" name="Title 2">
-            <a:extLst>
-              <a:ext uri="{FF2B5EF4-FFF2-40B4-BE49-F238E27FC236}">
-                <a16:creationId xmlns:a16="http://schemas.microsoft.com/office/drawing/2014/main" id="{ED2FF908-5688-451C-822C-4DE77C781795}"/>
-              </a:ext>
-            </a:extLst>
-          </p:cNvPr>
-          <p:cNvSpPr>
-            <a:spLocks noGrp="1"/>
-          </p:cNvSpPr>
-          <p:nvPr>
-            <p:ph type="title"/>
-          </p:nvPr>
-        </p:nvSpPr>
-        <p:spPr/>
-        <p:txBody>
-          <a:bodyPr/>
-          <a:lstStyle/>
-          <a:p>
-            <a:r>
-              <a:rPr lang="en-US" dirty="0"/>
-              <a:t>Controller: Modeled as a Hybrid Automaton</a:t>
-            </a:r>
-          </a:p>
-        </p:txBody>
-      </p:sp>
-      <p:sp>
-        <p:nvSpPr>
-          <p:cNvPr id="4" name="Slide Number Placeholder 3">
-            <a:extLst>
-              <a:ext uri="{FF2B5EF4-FFF2-40B4-BE49-F238E27FC236}">
-                <a16:creationId xmlns:a16="http://schemas.microsoft.com/office/drawing/2014/main" id="{D016AE5B-F656-46B3-94F7-312F99B3B421}"/>
-              </a:ext>
-            </a:extLst>
-          </p:cNvPr>
-          <p:cNvSpPr>
-            <a:spLocks noGrp="1"/>
-          </p:cNvSpPr>
-          <p:nvPr>
-            <p:ph type="sldNum" sz="quarter" idx="12"/>
-          </p:nvPr>
-        </p:nvSpPr>
-        <p:spPr/>
-        <p:txBody>
-          <a:bodyPr/>
-          <a:lstStyle/>
-          <a:p>
-            <a:fld id="{29AAD378-655A-49C6-813C-9FD132EF7440}" type="slidenum">
-              <a:rPr lang="en-US" smtClean="0"/>
-              <a:pPr/>
-              <a:t>21</a:t>
-            </a:fld>
-            <a:endParaRPr lang="en-US"/>
-          </a:p>
-        </p:txBody>
-      </p:sp>
-      <p:grpSp>
-        <p:nvGrpSpPr>
-          <p:cNvPr id="26" name="Group 25">
-            <a:extLst>
-              <a:ext uri="{FF2B5EF4-FFF2-40B4-BE49-F238E27FC236}">
-                <a16:creationId xmlns:a16="http://schemas.microsoft.com/office/drawing/2014/main" id="{C718D30D-EA6A-4EDA-862E-61BEE2DFBD9D}"/>
-              </a:ext>
-            </a:extLst>
-          </p:cNvPr>
-          <p:cNvGrpSpPr/>
-          <p:nvPr/>
-        </p:nvGrpSpPr>
-        <p:grpSpPr>
-          <a:xfrm>
-            <a:off x="1686560" y="1447801"/>
-            <a:ext cx="7630160" cy="4231640"/>
-            <a:chOff x="228600" y="1295400"/>
-            <a:chExt cx="8305800" cy="4924425"/>
-          </a:xfrm>
-        </p:grpSpPr>
-        <p:sp>
-          <p:nvSpPr>
-            <p:cNvPr id="5" name="Rounded Rectangle 3">
-              <a:extLst>
-                <a:ext uri="{FF2B5EF4-FFF2-40B4-BE49-F238E27FC236}">
-                  <a16:creationId xmlns:a16="http://schemas.microsoft.com/office/drawing/2014/main" id="{D89A6B81-647B-4458-ACDB-7B57C3F4732C}"/>
-                </a:ext>
-              </a:extLst>
-            </p:cNvPr>
-            <p:cNvSpPr/>
-            <p:nvPr/>
-          </p:nvSpPr>
-          <p:spPr>
-            <a:xfrm>
-              <a:off x="3810000" y="1295400"/>
-              <a:ext cx="1524000" cy="914400"/>
-            </a:xfrm>
-            <a:prstGeom prst="roundRect">
-              <a:avLst/>
-            </a:prstGeom>
-          </p:spPr>
-          <p:style>
-            <a:lnRef idx="2">
-              <a:schemeClr val="accent3">
-                <a:shade val="50000"/>
-              </a:schemeClr>
-            </a:lnRef>
-            <a:fillRef idx="1">
-              <a:schemeClr val="accent3"/>
-            </a:fillRef>
-            <a:effectRef idx="0">
-              <a:schemeClr val="accent3"/>
-            </a:effectRef>
-            <a:fontRef idx="minor">
-              <a:schemeClr val="lt1"/>
-            </a:fontRef>
-          </p:style>
-          <p:txBody>
-            <a:bodyPr rtlCol="0" anchor="t"/>
-            <a:lstStyle/>
-            <a:p>
-              <a:pPr algn="ctr"/>
-              <a:r>
-                <a:rPr lang="en-US" sz="2400" b="1" dirty="0">
-                  <a:latin typeface="Calibri" panose="020F0502020204030204" pitchFamily="34" charset="0"/>
-                </a:rPr>
-                <a:t>startup</a:t>
-              </a:r>
-            </a:p>
-          </p:txBody>
-        </p:sp>
-        <p:sp>
-          <p:nvSpPr>
-            <p:cNvPr id="6" name="Rounded Rectangle 4">
-              <a:extLst>
-                <a:ext uri="{FF2B5EF4-FFF2-40B4-BE49-F238E27FC236}">
-                  <a16:creationId xmlns:a16="http://schemas.microsoft.com/office/drawing/2014/main" id="{DE5A9E0D-C7AD-4B95-BEAE-C9BA559AB161}"/>
-                </a:ext>
-              </a:extLst>
-            </p:cNvPr>
-            <p:cNvSpPr/>
-            <p:nvPr/>
-          </p:nvSpPr>
-          <p:spPr>
-            <a:xfrm>
-              <a:off x="2133600" y="4953000"/>
-              <a:ext cx="1772636" cy="914400"/>
-            </a:xfrm>
-            <a:prstGeom prst="roundRect">
-              <a:avLst/>
-            </a:prstGeom>
-          </p:spPr>
-          <p:style>
-            <a:lnRef idx="2">
-              <a:schemeClr val="accent3">
-                <a:shade val="50000"/>
-              </a:schemeClr>
-            </a:lnRef>
-            <a:fillRef idx="1">
-              <a:schemeClr val="accent3"/>
-            </a:fillRef>
-            <a:effectRef idx="0">
-              <a:schemeClr val="accent3"/>
-            </a:effectRef>
-            <a:fontRef idx="minor">
-              <a:schemeClr val="lt1"/>
-            </a:fontRef>
-          </p:style>
-          <p:txBody>
-            <a:bodyPr rtlCol="0" anchor="t"/>
-            <a:lstStyle/>
-            <a:p>
-              <a:pPr algn="ctr"/>
-              <a:r>
-                <a:rPr lang="en-US" b="1" dirty="0">
-                  <a:latin typeface="Calibri" panose="020F0502020204030204" pitchFamily="34" charset="0"/>
-                </a:rPr>
-                <a:t>sensor failure</a:t>
-              </a:r>
-            </a:p>
-          </p:txBody>
-        </p:sp>
-        <p:sp>
-          <p:nvSpPr>
-            <p:cNvPr id="7" name="Rounded Rectangle 5">
-              <a:extLst>
-                <a:ext uri="{FF2B5EF4-FFF2-40B4-BE49-F238E27FC236}">
-                  <a16:creationId xmlns:a16="http://schemas.microsoft.com/office/drawing/2014/main" id="{65DC4FBD-7194-470C-82C3-9F8B0BFA1376}"/>
-                </a:ext>
-              </a:extLst>
-            </p:cNvPr>
-            <p:cNvSpPr/>
-            <p:nvPr/>
-          </p:nvSpPr>
-          <p:spPr>
-            <a:xfrm>
-              <a:off x="3810000" y="3120656"/>
-              <a:ext cx="1524000" cy="914400"/>
-            </a:xfrm>
-            <a:prstGeom prst="roundRect">
-              <a:avLst/>
-            </a:prstGeom>
-            <a:solidFill>
-              <a:srgbClr val="00B050"/>
-            </a:solidFill>
-            <a:ln>
-              <a:solidFill>
-                <a:schemeClr val="bg2">
-                  <a:lumMod val="25000"/>
-                </a:schemeClr>
-              </a:solidFill>
-            </a:ln>
-          </p:spPr>
-          <p:style>
-            <a:lnRef idx="2">
-              <a:schemeClr val="accent1">
-                <a:shade val="50000"/>
-              </a:schemeClr>
-            </a:lnRef>
-            <a:fillRef idx="1">
-              <a:schemeClr val="accent1"/>
-            </a:fillRef>
-            <a:effectRef idx="0">
-              <a:schemeClr val="accent1"/>
-            </a:effectRef>
-            <a:fontRef idx="minor">
-              <a:schemeClr val="lt1"/>
-            </a:fontRef>
-          </p:style>
-          <p:txBody>
-            <a:bodyPr rtlCol="0" anchor="t"/>
-            <a:lstStyle/>
-            <a:p>
-              <a:pPr algn="ctr"/>
-              <a:r>
-                <a:rPr lang="en-US" sz="2400" b="1" dirty="0">
-                  <a:latin typeface="Calibri" panose="020F0502020204030204" pitchFamily="34" charset="0"/>
-                </a:rPr>
-                <a:t>normal</a:t>
-              </a:r>
-            </a:p>
-          </p:txBody>
-        </p:sp>
-        <p:sp>
-          <p:nvSpPr>
-            <p:cNvPr id="8" name="Rounded Rectangle 6">
-              <a:extLst>
-                <a:ext uri="{FF2B5EF4-FFF2-40B4-BE49-F238E27FC236}">
-                  <a16:creationId xmlns:a16="http://schemas.microsoft.com/office/drawing/2014/main" id="{89ABD0D1-28F4-45DC-9BA5-589172C57A12}"/>
-                </a:ext>
-              </a:extLst>
-            </p:cNvPr>
-            <p:cNvSpPr/>
-            <p:nvPr/>
-          </p:nvSpPr>
-          <p:spPr>
-            <a:xfrm>
-              <a:off x="5486400" y="4953000"/>
-              <a:ext cx="1600200" cy="914400"/>
-            </a:xfrm>
-            <a:prstGeom prst="roundRect">
-              <a:avLst/>
-            </a:prstGeom>
-          </p:spPr>
-          <p:style>
-            <a:lnRef idx="2">
-              <a:schemeClr val="accent3">
-                <a:shade val="50000"/>
-              </a:schemeClr>
-            </a:lnRef>
-            <a:fillRef idx="1">
-              <a:schemeClr val="accent3"/>
-            </a:fillRef>
-            <a:effectRef idx="0">
-              <a:schemeClr val="accent3"/>
-            </a:effectRef>
-            <a:fontRef idx="minor">
-              <a:schemeClr val="lt1"/>
-            </a:fontRef>
-          </p:style>
-          <p:txBody>
-            <a:bodyPr rtlCol="0" anchor="t"/>
-            <a:lstStyle/>
-            <a:p>
-              <a:pPr algn="ctr"/>
-              <a:r>
-                <a:rPr lang="en-US" sz="2400" b="1" dirty="0">
-                  <a:latin typeface="Calibri" panose="020F0502020204030204" pitchFamily="34" charset="0"/>
-                </a:rPr>
-                <a:t>power</a:t>
-              </a:r>
-            </a:p>
-          </p:txBody>
-        </p:sp>
-        <p:cxnSp>
-          <p:nvCxnSpPr>
-            <p:cNvPr id="9" name="Straight Arrow Connector 8">
-              <a:extLst>
-                <a:ext uri="{FF2B5EF4-FFF2-40B4-BE49-F238E27FC236}">
-                  <a16:creationId xmlns:a16="http://schemas.microsoft.com/office/drawing/2014/main" id="{FB8AE08A-8664-4597-A6DE-E3C52F6E94D6}"/>
-                </a:ext>
-              </a:extLst>
-            </p:cNvPr>
-            <p:cNvCxnSpPr>
-              <a:stCxn id="5" idx="2"/>
-              <a:endCxn id="7" idx="0"/>
-            </p:cNvCxnSpPr>
-            <p:nvPr/>
-          </p:nvCxnSpPr>
-          <p:spPr>
-            <a:xfrm>
-              <a:off x="4572000" y="2209800"/>
-              <a:ext cx="0" cy="910856"/>
-            </a:xfrm>
-            <a:prstGeom prst="straightConnector1">
-              <a:avLst/>
-            </a:prstGeom>
-            <a:ln w="41275">
-              <a:solidFill>
-                <a:srgbClr val="0070C0"/>
-              </a:solidFill>
-              <a:tailEnd type="stealth" w="lg" len="lg"/>
-            </a:ln>
-          </p:spPr>
-          <p:style>
-            <a:lnRef idx="1">
-              <a:schemeClr val="accent1"/>
-            </a:lnRef>
-            <a:fillRef idx="0">
-              <a:schemeClr val="accent1"/>
-            </a:fillRef>
-            <a:effectRef idx="0">
-              <a:schemeClr val="accent1"/>
-            </a:effectRef>
-            <a:fontRef idx="minor">
-              <a:schemeClr val="tx1"/>
-            </a:fontRef>
-          </p:style>
-        </p:cxnSp>
-        <p:cxnSp>
-          <p:nvCxnSpPr>
-            <p:cNvPr id="10" name="Straight Arrow Connector 9">
-              <a:extLst>
-                <a:ext uri="{FF2B5EF4-FFF2-40B4-BE49-F238E27FC236}">
-                  <a16:creationId xmlns:a16="http://schemas.microsoft.com/office/drawing/2014/main" id="{FEA8B3E7-9EB4-4C80-8CD7-DEEE33A5B0B2}"/>
-                </a:ext>
-              </a:extLst>
-            </p:cNvPr>
-            <p:cNvCxnSpPr>
-              <a:endCxn id="6" idx="0"/>
-            </p:cNvCxnSpPr>
-            <p:nvPr/>
-          </p:nvCxnSpPr>
-          <p:spPr>
-            <a:xfrm flipH="1">
-              <a:off x="3019918" y="3962400"/>
-              <a:ext cx="790082" cy="990600"/>
-            </a:xfrm>
-            <a:prstGeom prst="straightConnector1">
-              <a:avLst/>
-            </a:prstGeom>
-            <a:ln w="41275">
-              <a:solidFill>
-                <a:srgbClr val="0070C0"/>
-              </a:solidFill>
-              <a:tailEnd type="stealth" w="lg" len="lg"/>
-            </a:ln>
-          </p:spPr>
-          <p:style>
-            <a:lnRef idx="1">
-              <a:schemeClr val="accent1"/>
-            </a:lnRef>
-            <a:fillRef idx="0">
-              <a:schemeClr val="accent1"/>
-            </a:fillRef>
-            <a:effectRef idx="0">
-              <a:schemeClr val="accent1"/>
-            </a:effectRef>
-            <a:fontRef idx="minor">
-              <a:schemeClr val="tx1"/>
-            </a:fontRef>
-          </p:style>
-        </p:cxnSp>
-        <p:cxnSp>
-          <p:nvCxnSpPr>
-            <p:cNvPr id="11" name="Straight Arrow Connector 10">
-              <a:extLst>
-                <a:ext uri="{FF2B5EF4-FFF2-40B4-BE49-F238E27FC236}">
-                  <a16:creationId xmlns:a16="http://schemas.microsoft.com/office/drawing/2014/main" id="{729E3A3A-00D7-4421-AF1D-86D964E4619A}"/>
-                </a:ext>
-              </a:extLst>
-            </p:cNvPr>
-            <p:cNvCxnSpPr/>
-            <p:nvPr/>
-          </p:nvCxnSpPr>
-          <p:spPr>
-            <a:xfrm>
-              <a:off x="5334000" y="3962400"/>
-              <a:ext cx="912628" cy="997688"/>
-            </a:xfrm>
-            <a:prstGeom prst="straightConnector1">
-              <a:avLst/>
-            </a:prstGeom>
-            <a:ln w="41275">
-              <a:solidFill>
-                <a:srgbClr val="0070C0"/>
-              </a:solidFill>
-              <a:headEnd type="stealth" w="lg" len="lg"/>
-              <a:tailEnd type="none" w="lg" len="lg"/>
-            </a:ln>
-          </p:spPr>
-          <p:style>
-            <a:lnRef idx="1">
-              <a:schemeClr val="accent1"/>
-            </a:lnRef>
-            <a:fillRef idx="0">
-              <a:schemeClr val="accent1"/>
-            </a:fillRef>
-            <a:effectRef idx="0">
-              <a:schemeClr val="accent1"/>
-            </a:effectRef>
-            <a:fontRef idx="minor">
-              <a:schemeClr val="tx1"/>
-            </a:fontRef>
-          </p:style>
-        </p:cxnSp>
-        <p:cxnSp>
-          <p:nvCxnSpPr>
-            <p:cNvPr id="12" name="Curved Connector 10">
-              <a:extLst>
-                <a:ext uri="{FF2B5EF4-FFF2-40B4-BE49-F238E27FC236}">
-                  <a16:creationId xmlns:a16="http://schemas.microsoft.com/office/drawing/2014/main" id="{85E32073-D6C9-435B-8528-F6CAE1230A34}"/>
-                </a:ext>
-              </a:extLst>
-            </p:cNvPr>
-            <p:cNvCxnSpPr>
-              <a:stCxn id="7" idx="3"/>
-            </p:cNvCxnSpPr>
-            <p:nvPr/>
-          </p:nvCxnSpPr>
-          <p:spPr>
-            <a:xfrm>
-              <a:off x="5334000" y="3577856"/>
-              <a:ext cx="1143000" cy="1375144"/>
-            </a:xfrm>
-            <a:prstGeom prst="curvedConnector2">
-              <a:avLst/>
-            </a:prstGeom>
-            <a:ln w="38100">
-              <a:solidFill>
-                <a:srgbClr val="0070C0"/>
-              </a:solidFill>
-              <a:tailEnd type="stealth" w="lg" len="lg"/>
-            </a:ln>
-          </p:spPr>
-          <p:style>
-            <a:lnRef idx="1">
-              <a:schemeClr val="accent1"/>
-            </a:lnRef>
-            <a:fillRef idx="0">
-              <a:schemeClr val="accent1"/>
-            </a:fillRef>
-            <a:effectRef idx="0">
-              <a:schemeClr val="accent1"/>
-            </a:effectRef>
-            <a:fontRef idx="minor">
-              <a:schemeClr val="tx1"/>
-            </a:fontRef>
-          </p:style>
-        </p:cxnSp>
-        <p:sp>
-          <p:nvSpPr>
-            <p:cNvPr id="13" name="Arc 12">
-              <a:extLst>
-                <a:ext uri="{FF2B5EF4-FFF2-40B4-BE49-F238E27FC236}">
-                  <a16:creationId xmlns:a16="http://schemas.microsoft.com/office/drawing/2014/main" id="{19D51F50-26B6-4B02-BF5E-E98AFFDF49D7}"/>
-                </a:ext>
-              </a:extLst>
-            </p:cNvPr>
-            <p:cNvSpPr/>
-            <p:nvPr/>
-          </p:nvSpPr>
-          <p:spPr>
-            <a:xfrm>
-              <a:off x="1714500" y="5514975"/>
-              <a:ext cx="838200" cy="704850"/>
-            </a:xfrm>
-            <a:prstGeom prst="arc">
-              <a:avLst>
-                <a:gd name="adj1" fmla="val 375391"/>
-                <a:gd name="adj2" fmla="val 16183907"/>
-              </a:avLst>
-            </a:prstGeom>
-            <a:ln w="38100">
-              <a:solidFill>
-                <a:srgbClr val="0070C0"/>
-              </a:solidFill>
-              <a:tailEnd type="stealth" w="lg" len="lg"/>
-            </a:ln>
-          </p:spPr>
-          <p:style>
-            <a:lnRef idx="1">
-              <a:schemeClr val="accent1"/>
-            </a:lnRef>
-            <a:fillRef idx="0">
-              <a:schemeClr val="accent1"/>
-            </a:fillRef>
-            <a:effectRef idx="0">
-              <a:schemeClr val="accent1"/>
-            </a:effectRef>
-            <a:fontRef idx="minor">
-              <a:schemeClr val="tx1"/>
-            </a:fontRef>
-          </p:style>
-          <p:txBody>
-            <a:bodyPr rtlCol="0" anchor="ctr"/>
-            <a:lstStyle/>
-            <a:p>
-              <a:pPr algn="ctr"/>
-              <a:endParaRPr lang="en-US" dirty="0">
-                <a:latin typeface="Calibri" panose="020F0502020204030204" pitchFamily="34" charset="0"/>
-              </a:endParaRPr>
-            </a:p>
-          </p:txBody>
-        </p:sp>
-        <p:sp>
-          <p:nvSpPr>
-            <p:cNvPr id="14" name="Rectangle 13">
-              <a:extLst>
-                <a:ext uri="{FF2B5EF4-FFF2-40B4-BE49-F238E27FC236}">
-                  <a16:creationId xmlns:a16="http://schemas.microsoft.com/office/drawing/2014/main" id="{CDE54BC0-6553-4307-9274-3AEEEEEC0F11}"/>
-                </a:ext>
-              </a:extLst>
-            </p:cNvPr>
-            <p:cNvSpPr/>
-            <p:nvPr/>
-          </p:nvSpPr>
-          <p:spPr>
-            <a:xfrm>
-              <a:off x="1219200" y="1884862"/>
-              <a:ext cx="685800" cy="457200"/>
-            </a:xfrm>
-            <a:prstGeom prst="rect">
-              <a:avLst/>
-            </a:prstGeom>
-          </p:spPr>
-          <p:style>
-            <a:lnRef idx="2">
-              <a:schemeClr val="accent3">
-                <a:shade val="50000"/>
-              </a:schemeClr>
-            </a:lnRef>
-            <a:fillRef idx="1">
-              <a:schemeClr val="accent3"/>
-            </a:fillRef>
-            <a:effectRef idx="0">
-              <a:schemeClr val="accent3"/>
-            </a:effectRef>
-            <a:fontRef idx="minor">
-              <a:schemeClr val="lt1"/>
-            </a:fontRef>
-          </p:style>
-          <p:txBody>
-            <a:bodyPr rtlCol="0" anchor="ctr"/>
-            <a:lstStyle/>
-            <a:p>
-              <a:pPr algn="ctr"/>
-              <a:endParaRPr lang="en-US">
-                <a:latin typeface="Calibri" panose="020F0502020204030204" pitchFamily="34" charset="0"/>
-              </a:endParaRPr>
-            </a:p>
-          </p:txBody>
-        </p:sp>
-        <p:sp>
-          <p:nvSpPr>
-            <p:cNvPr id="15" name="TextBox 14">
-              <a:extLst>
-                <a:ext uri="{FF2B5EF4-FFF2-40B4-BE49-F238E27FC236}">
-                  <a16:creationId xmlns:a16="http://schemas.microsoft.com/office/drawing/2014/main" id="{D8FD294E-9783-426D-82E6-62BD7A291A33}"/>
-                </a:ext>
-              </a:extLst>
-            </p:cNvPr>
-            <p:cNvSpPr txBox="1"/>
-            <p:nvPr/>
-          </p:nvSpPr>
-          <p:spPr>
-            <a:xfrm>
-              <a:off x="228600" y="2342062"/>
-              <a:ext cx="2667000" cy="1723549"/>
-            </a:xfrm>
-            <a:prstGeom prst="rect">
-              <a:avLst/>
-            </a:prstGeom>
-          </p:spPr>
-          <p:txBody>
-            <a:bodyPr vert="horz" lIns="91440" tIns="45720" rIns="91440" bIns="45720" rtlCol="0">
-              <a:noAutofit/>
-            </a:bodyPr>
-            <a:lstStyle>
-              <a:lvl1pPr marL="274320" indent="-274320">
-                <a:spcBef>
-                  <a:spcPts val="600"/>
-                </a:spcBef>
-                <a:spcAft>
-                  <a:spcPts val="600"/>
-                </a:spcAft>
-                <a:buClr>
-                  <a:schemeClr val="accent1"/>
-                </a:buClr>
-                <a:buSzPct val="76000"/>
-                <a:buFont typeface="Wingdings 3"/>
-                <a:buChar char=""/>
-                <a:defRPr sz="2400" b="0">
-                  <a:latin typeface="Calibri" panose="020F0502020204030204" pitchFamily="34" charset="0"/>
-                </a:defRPr>
-              </a:lvl1pPr>
-              <a:lvl2pPr indent="-182880">
-                <a:spcBef>
-                  <a:spcPct val="20000"/>
-                </a:spcBef>
-                <a:buClr>
-                  <a:schemeClr val="tx2"/>
-                </a:buClr>
-                <a:buFont typeface="Arial" pitchFamily="34" charset="0"/>
-                <a:buChar char="•"/>
-                <a:defRPr sz="2000">
-                  <a:latin typeface="Calibri" panose="020F0502020204030204" pitchFamily="34" charset="0"/>
-                </a:defRPr>
-              </a:lvl2pPr>
-              <a:lvl3pPr marL="1143000" indent="-228600">
-                <a:spcBef>
-                  <a:spcPct val="20000"/>
-                </a:spcBef>
-                <a:buClr>
-                  <a:schemeClr val="tx2"/>
-                </a:buClr>
-                <a:buFont typeface="Arial" pitchFamily="34" charset="0"/>
-                <a:buChar char="•"/>
-                <a:defRPr>
-                  <a:latin typeface="Calibri" panose="020F0502020204030204" pitchFamily="34" charset="0"/>
-                </a:defRPr>
-              </a:lvl3pPr>
-              <a:lvl4pPr marL="1600200" indent="-228600">
-                <a:spcBef>
-                  <a:spcPct val="20000"/>
-                </a:spcBef>
-                <a:buClr>
-                  <a:schemeClr val="tx2"/>
-                </a:buClr>
-                <a:buFont typeface="Arial" pitchFamily="34" charset="0"/>
-                <a:buChar char="•"/>
-                <a:defRPr>
-                  <a:latin typeface="Calibri" panose="020F0502020204030204" pitchFamily="34" charset="0"/>
-                </a:defRPr>
-              </a:lvl4pPr>
-              <a:lvl5pPr marL="2057400" indent="-228600">
-                <a:spcBef>
-                  <a:spcPct val="20000"/>
-                </a:spcBef>
-                <a:buClr>
-                  <a:schemeClr val="tx2"/>
-                </a:buClr>
-                <a:buFont typeface="Arial" pitchFamily="34" charset="0"/>
-                <a:buChar char="•"/>
-                <a:defRPr baseline="0">
-                  <a:latin typeface="Calibri" panose="020F0502020204030204" pitchFamily="34" charset="0"/>
-                </a:defRPr>
-              </a:lvl5pPr>
-              <a:lvl6pPr marL="2514600" indent="-228600">
-                <a:spcBef>
-                  <a:spcPct val="20000"/>
-                </a:spcBef>
-                <a:buClr>
-                  <a:schemeClr val="tx2"/>
-                </a:buClr>
-                <a:buFont typeface="Arial" pitchFamily="34" charset="0"/>
-                <a:buChar char="•"/>
-                <a:defRPr sz="1600"/>
-              </a:lvl6pPr>
-              <a:lvl7pPr marL="2971800" indent="-228600">
-                <a:spcBef>
-                  <a:spcPct val="20000"/>
-                </a:spcBef>
-                <a:buClr>
-                  <a:schemeClr val="tx2"/>
-                </a:buClr>
-                <a:buFont typeface="Arial" pitchFamily="34" charset="0"/>
-                <a:buChar char="•"/>
-                <a:defRPr sz="1600"/>
-              </a:lvl7pPr>
-              <a:lvl8pPr marL="3429000" indent="-228600">
-                <a:spcBef>
-                  <a:spcPct val="20000"/>
-                </a:spcBef>
-                <a:buClr>
-                  <a:schemeClr val="tx2"/>
-                </a:buClr>
-                <a:buFont typeface="Arial" pitchFamily="34" charset="0"/>
-                <a:buChar char="•"/>
-                <a:defRPr sz="1600"/>
-              </a:lvl8pPr>
-              <a:lvl9pPr marL="3886200" indent="-228600">
-                <a:spcBef>
-                  <a:spcPct val="20000"/>
-                </a:spcBef>
-                <a:buClr>
-                  <a:schemeClr val="tx2"/>
-                </a:buClr>
-                <a:buFont typeface="Arial" pitchFamily="34" charset="0"/>
-                <a:buChar char="•"/>
-                <a:defRPr sz="1600"/>
-              </a:lvl9pPr>
-            </a:lstStyle>
-            <a:p>
-              <a:pPr>
-                <a:spcBef>
-                  <a:spcPts val="0"/>
-                </a:spcBef>
-                <a:spcAft>
-                  <a:spcPts val="0"/>
-                </a:spcAft>
-              </a:pPr>
-              <a:r>
-                <a:rPr lang="en-US" sz="2000" dirty="0"/>
-                <a:t>No Feedback Control</a:t>
-              </a:r>
-            </a:p>
-            <a:p>
-              <a:pPr>
-                <a:spcBef>
-                  <a:spcPts val="0"/>
-                </a:spcBef>
-                <a:spcAft>
-                  <a:spcPts val="0"/>
-                </a:spcAft>
-              </a:pPr>
-              <a:r>
-                <a:rPr lang="en-US" sz="2000" dirty="0"/>
-                <a:t>Only </a:t>
-              </a:r>
-              <a:r>
-                <a:rPr lang="en-US" sz="2000" dirty="0" err="1"/>
-                <a:t>feedforward</a:t>
-              </a:r>
-              <a:r>
-                <a:rPr lang="en-US" sz="2000" dirty="0"/>
-                <a:t> estimator</a:t>
-              </a:r>
-            </a:p>
-          </p:txBody>
-        </p:sp>
-        <p:sp>
-          <p:nvSpPr>
-            <p:cNvPr id="16" name="Rectangle 15">
-              <a:extLst>
-                <a:ext uri="{FF2B5EF4-FFF2-40B4-BE49-F238E27FC236}">
-                  <a16:creationId xmlns:a16="http://schemas.microsoft.com/office/drawing/2014/main" id="{5C5922C0-C35A-4F60-BD77-9CC59387C3E1}"/>
-                </a:ext>
-              </a:extLst>
-            </p:cNvPr>
-            <p:cNvSpPr/>
-            <p:nvPr/>
-          </p:nvSpPr>
-          <p:spPr>
-            <a:xfrm>
-              <a:off x="7010400" y="1884862"/>
-              <a:ext cx="685800" cy="457200"/>
-            </a:xfrm>
-            <a:prstGeom prst="rect">
-              <a:avLst/>
-            </a:prstGeom>
-            <a:solidFill>
-              <a:srgbClr val="00B050"/>
-            </a:solidFill>
-            <a:ln>
-              <a:solidFill>
-                <a:schemeClr val="bg2">
-                  <a:lumMod val="25000"/>
-                </a:schemeClr>
-              </a:solidFill>
-            </a:ln>
-          </p:spPr>
-          <p:style>
-            <a:lnRef idx="2">
-              <a:schemeClr val="accent3">
-                <a:shade val="50000"/>
-              </a:schemeClr>
-            </a:lnRef>
-            <a:fillRef idx="1">
-              <a:schemeClr val="accent3"/>
-            </a:fillRef>
-            <a:effectRef idx="0">
-              <a:schemeClr val="accent3"/>
-            </a:effectRef>
-            <a:fontRef idx="minor">
-              <a:schemeClr val="lt1"/>
-            </a:fontRef>
-          </p:style>
-          <p:txBody>
-            <a:bodyPr rtlCol="0" anchor="ctr"/>
-            <a:lstStyle/>
-            <a:p>
-              <a:pPr algn="ctr"/>
-              <a:endParaRPr lang="en-US">
-                <a:latin typeface="Calibri" panose="020F0502020204030204" pitchFamily="34" charset="0"/>
-              </a:endParaRPr>
-            </a:p>
-          </p:txBody>
-        </p:sp>
-        <p:sp>
-          <p:nvSpPr>
-            <p:cNvPr id="17" name="TextBox 16">
-              <a:extLst>
-                <a:ext uri="{FF2B5EF4-FFF2-40B4-BE49-F238E27FC236}">
-                  <a16:creationId xmlns:a16="http://schemas.microsoft.com/office/drawing/2014/main" id="{F385EBF5-5C63-430D-900C-F7F48BEC157D}"/>
-                </a:ext>
-              </a:extLst>
-            </p:cNvPr>
-            <p:cNvSpPr txBox="1"/>
-            <p:nvPr/>
-          </p:nvSpPr>
-          <p:spPr>
-            <a:xfrm>
-              <a:off x="6248400" y="2342061"/>
-              <a:ext cx="2286000" cy="1323439"/>
-            </a:xfrm>
-            <a:prstGeom prst="rect">
-              <a:avLst/>
-            </a:prstGeom>
-          </p:spPr>
-          <p:txBody>
-            <a:bodyPr vert="horz" lIns="91440" tIns="45720" rIns="91440" bIns="45720" rtlCol="0">
-              <a:noAutofit/>
-            </a:bodyPr>
-            <a:lstStyle>
-              <a:defPPr>
-                <a:defRPr lang="en-US"/>
-              </a:defPPr>
-              <a:lvl1pPr marL="274320" indent="-274320">
-                <a:spcBef>
-                  <a:spcPts val="0"/>
-                </a:spcBef>
-                <a:spcAft>
-                  <a:spcPts val="0"/>
-                </a:spcAft>
-                <a:buClr>
-                  <a:schemeClr val="accent1"/>
-                </a:buClr>
-                <a:buSzPct val="76000"/>
-                <a:buFont typeface="Wingdings 3"/>
-                <a:buChar char=""/>
-                <a:defRPr sz="2000" b="0">
-                  <a:latin typeface="Calibri" panose="020F0502020204030204" pitchFamily="34" charset="0"/>
-                </a:defRPr>
-              </a:lvl1pPr>
-              <a:lvl2pPr indent="-182880">
-                <a:spcBef>
-                  <a:spcPct val="20000"/>
-                </a:spcBef>
-                <a:buClr>
-                  <a:schemeClr val="tx2"/>
-                </a:buClr>
-                <a:buFont typeface="Arial" pitchFamily="34" charset="0"/>
-                <a:buChar char="•"/>
-                <a:defRPr sz="2000">
-                  <a:latin typeface="Calibri" panose="020F0502020204030204" pitchFamily="34" charset="0"/>
-                </a:defRPr>
-              </a:lvl2pPr>
-              <a:lvl3pPr marL="1143000" indent="-228600">
-                <a:spcBef>
-                  <a:spcPct val="20000"/>
-                </a:spcBef>
-                <a:buClr>
-                  <a:schemeClr val="tx2"/>
-                </a:buClr>
-                <a:buFont typeface="Arial" pitchFamily="34" charset="0"/>
-                <a:buChar char="•"/>
-                <a:defRPr>
-                  <a:latin typeface="Calibri" panose="020F0502020204030204" pitchFamily="34" charset="0"/>
-                </a:defRPr>
-              </a:lvl3pPr>
-              <a:lvl4pPr marL="1600200" indent="-228600">
-                <a:spcBef>
-                  <a:spcPct val="20000"/>
-                </a:spcBef>
-                <a:buClr>
-                  <a:schemeClr val="tx2"/>
-                </a:buClr>
-                <a:buFont typeface="Arial" pitchFamily="34" charset="0"/>
-                <a:buChar char="•"/>
-                <a:defRPr>
-                  <a:latin typeface="Calibri" panose="020F0502020204030204" pitchFamily="34" charset="0"/>
-                </a:defRPr>
-              </a:lvl4pPr>
-              <a:lvl5pPr marL="2057400" indent="-228600">
-                <a:spcBef>
-                  <a:spcPct val="20000"/>
-                </a:spcBef>
-                <a:buClr>
-                  <a:schemeClr val="tx2"/>
-                </a:buClr>
-                <a:buFont typeface="Arial" pitchFamily="34" charset="0"/>
-                <a:buChar char="•"/>
-                <a:defRPr baseline="0">
-                  <a:latin typeface="Calibri" panose="020F0502020204030204" pitchFamily="34" charset="0"/>
-                </a:defRPr>
-              </a:lvl5pPr>
-              <a:lvl6pPr marL="2514600" indent="-228600">
-                <a:spcBef>
-                  <a:spcPct val="20000"/>
-                </a:spcBef>
-                <a:buClr>
-                  <a:schemeClr val="tx2"/>
-                </a:buClr>
-                <a:buFont typeface="Arial" pitchFamily="34" charset="0"/>
-                <a:buChar char="•"/>
-                <a:defRPr sz="1600"/>
-              </a:lvl6pPr>
-              <a:lvl7pPr marL="2971800" indent="-228600">
-                <a:spcBef>
-                  <a:spcPct val="20000"/>
-                </a:spcBef>
-                <a:buClr>
-                  <a:schemeClr val="tx2"/>
-                </a:buClr>
-                <a:buFont typeface="Arial" pitchFamily="34" charset="0"/>
-                <a:buChar char="•"/>
-                <a:defRPr sz="1600"/>
-              </a:lvl7pPr>
-              <a:lvl8pPr marL="3429000" indent="-228600">
-                <a:spcBef>
-                  <a:spcPct val="20000"/>
-                </a:spcBef>
-                <a:buClr>
-                  <a:schemeClr val="tx2"/>
-                </a:buClr>
-                <a:buFont typeface="Arial" pitchFamily="34" charset="0"/>
-                <a:buChar char="•"/>
-                <a:defRPr sz="1600"/>
-              </a:lvl8pPr>
-              <a:lvl9pPr marL="3886200" indent="-228600">
-                <a:spcBef>
-                  <a:spcPct val="20000"/>
-                </a:spcBef>
-                <a:buClr>
-                  <a:schemeClr val="tx2"/>
-                </a:buClr>
-                <a:buFont typeface="Arial" pitchFamily="34" charset="0"/>
-                <a:buChar char="•"/>
-                <a:defRPr sz="1600"/>
-              </a:lvl9pPr>
-            </a:lstStyle>
-            <a:p>
-              <a:r>
-                <a:rPr lang="en-US" dirty="0"/>
-                <a:t>Feedback Control</a:t>
-              </a:r>
-            </a:p>
-            <a:p>
-              <a:r>
-                <a:rPr lang="en-US" dirty="0"/>
-                <a:t>+ </a:t>
-              </a:r>
-              <a:r>
-                <a:rPr lang="en-US" dirty="0" err="1"/>
-                <a:t>Feedforward</a:t>
-              </a:r>
-              <a:r>
-                <a:rPr lang="en-US" dirty="0"/>
-                <a:t>         estimator</a:t>
-              </a:r>
-            </a:p>
-          </p:txBody>
-        </p:sp>
-        <mc:AlternateContent xmlns:mc="http://schemas.openxmlformats.org/markup-compatibility/2006" xmlns:a14="http://schemas.microsoft.com/office/drawing/2010/main">
-          <mc:Choice Requires="a14">
-            <p:sp>
-              <p:nvSpPr>
-                <p:cNvPr id="18" name="TextBox 17">
-                  <a:extLst>
-                    <a:ext uri="{FF2B5EF4-FFF2-40B4-BE49-F238E27FC236}">
-                      <a16:creationId xmlns:a16="http://schemas.microsoft.com/office/drawing/2014/main" id="{204D0714-FDBD-49B4-8CEC-0598B9115FC4}"/>
-                    </a:ext>
-                  </a:extLst>
-                </p:cNvPr>
-                <p:cNvSpPr txBox="1"/>
-                <p:nvPr/>
-              </p:nvSpPr>
-              <p:spPr>
-                <a:xfrm>
-                  <a:off x="6260633" y="4045946"/>
-                  <a:ext cx="2020955" cy="527323"/>
-                </a:xfrm>
-                <a:prstGeom prst="rect">
-                  <a:avLst/>
-                </a:prstGeom>
-                <a:noFill/>
-              </p:spPr>
-              <p:txBody>
-                <a:bodyPr wrap="square" rtlCol="0">
-                  <a:spAutoFit/>
-                </a:bodyPr>
-                <a:lstStyle/>
-                <a:p>
-                  <a:pPr/>
-                  <a14:m>
-                    <m:oMathPara xmlns:m="http://schemas.openxmlformats.org/officeDocument/2006/math">
-                      <m:oMathParaPr>
-                        <m:jc m:val="centerGroup"/>
-                      </m:oMathParaPr>
-                      <m:oMath xmlns:m="http://schemas.openxmlformats.org/officeDocument/2006/math">
-                        <m:sSub>
-                          <m:sSubPr>
-                            <m:ctrlPr>
-                              <a:rPr lang="en-US" sz="2400" b="1" i="1" smtClean="0">
-                                <a:solidFill>
-                                  <a:schemeClr val="accent2">
-                                    <a:lumMod val="50000"/>
-                                  </a:schemeClr>
-                                </a:solidFill>
-                                <a:latin typeface="Cambria Math" panose="02040503050406030204" pitchFamily="18" charset="0"/>
-                                <a:ea typeface="Cambria Math"/>
-                              </a:rPr>
-                            </m:ctrlPr>
-                          </m:sSubPr>
-                          <m:e>
-                            <m:r>
-                              <a:rPr lang="en-US" sz="2400" b="1" i="1" smtClean="0">
-                                <a:solidFill>
-                                  <a:schemeClr val="accent2">
-                                    <a:lumMod val="50000"/>
-                                  </a:schemeClr>
-                                </a:solidFill>
-                                <a:latin typeface="Cambria Math"/>
-                                <a:ea typeface="Cambria Math"/>
-                              </a:rPr>
-                              <m:t>𝜽</m:t>
-                            </m:r>
-                          </m:e>
-                          <m:sub>
-                            <m:r>
-                              <a:rPr lang="en-US" sz="2400" b="1" i="0" smtClean="0">
-                                <a:solidFill>
-                                  <a:schemeClr val="accent2">
-                                    <a:lumMod val="50000"/>
-                                  </a:schemeClr>
-                                </a:solidFill>
-                                <a:latin typeface="Cambria Math" panose="02040503050406030204" pitchFamily="18" charset="0"/>
-                                <a:ea typeface="Cambria Math"/>
-                              </a:rPr>
-                              <m:t>𝐢𝐧</m:t>
-                            </m:r>
-                          </m:sub>
-                        </m:sSub>
-                        <m:r>
-                          <a:rPr lang="en-US" sz="2400" b="1" i="1" smtClean="0">
-                            <a:solidFill>
-                              <a:schemeClr val="accent2">
-                                <a:lumMod val="50000"/>
-                              </a:schemeClr>
-                            </a:solidFill>
-                            <a:latin typeface="Cambria Math"/>
-                            <a:ea typeface="Cambria Math"/>
-                          </a:rPr>
-                          <m:t>≥</m:t>
-                        </m:r>
-                        <m:sSup>
-                          <m:sSupPr>
-                            <m:ctrlPr>
-                              <a:rPr lang="en-US" sz="2400" b="1" i="1" smtClean="0">
-                                <a:solidFill>
-                                  <a:schemeClr val="accent2">
-                                    <a:lumMod val="50000"/>
-                                  </a:schemeClr>
-                                </a:solidFill>
-                                <a:latin typeface="Cambria Math" panose="02040503050406030204" pitchFamily="18" charset="0"/>
-                                <a:ea typeface="Cambria Math"/>
-                              </a:rPr>
-                            </m:ctrlPr>
-                          </m:sSupPr>
-                          <m:e>
-                            <m:r>
-                              <a:rPr lang="en-US" sz="2400" b="1" i="1">
-                                <a:solidFill>
-                                  <a:schemeClr val="accent2">
-                                    <a:lumMod val="50000"/>
-                                  </a:schemeClr>
-                                </a:solidFill>
-                                <a:latin typeface="Cambria Math"/>
-                                <a:ea typeface="Cambria Math"/>
-                              </a:rPr>
-                              <m:t>𝟕𝟎</m:t>
-                            </m:r>
-                          </m:e>
-                          <m:sup>
-                            <m:r>
-                              <a:rPr lang="en-US" sz="2400" b="1" i="1" smtClean="0">
-                                <a:solidFill>
-                                  <a:schemeClr val="accent2">
-                                    <a:lumMod val="50000"/>
-                                  </a:schemeClr>
-                                </a:solidFill>
-                                <a:latin typeface="Cambria Math"/>
-                                <a:ea typeface="Cambria Math"/>
-                              </a:rPr>
-                              <m:t>𝒐</m:t>
-                            </m:r>
-                          </m:sup>
-                        </m:sSup>
-                      </m:oMath>
-                    </m:oMathPara>
-                  </a14:m>
-                  <a:endParaRPr lang="en-US" sz="2400" b="1" baseline="30000" dirty="0">
-                    <a:solidFill>
-                      <a:schemeClr val="accent2">
-                        <a:lumMod val="50000"/>
-                      </a:schemeClr>
-                    </a:solidFill>
-                    <a:latin typeface="Calibri" panose="020F0502020204030204" pitchFamily="34" charset="0"/>
-                  </a:endParaRPr>
-                </a:p>
-              </p:txBody>
-            </p:sp>
-          </mc:Choice>
-          <mc:Fallback xmlns="">
-            <p:sp>
-              <p:nvSpPr>
-                <p:cNvPr id="18" name="TextBox 17">
-                  <a:extLst>
-                    <a:ext uri="{FF2B5EF4-FFF2-40B4-BE49-F238E27FC236}">
-                      <a16:creationId xmlns:a16="http://schemas.microsoft.com/office/drawing/2014/main" id="{204D0714-FDBD-49B4-8CEC-0598B9115FC4}"/>
-                    </a:ext>
-                  </a:extLst>
-                </p:cNvPr>
-                <p:cNvSpPr txBox="1">
-                  <a:spLocks noRot="1" noChangeAspect="1" noMove="1" noResize="1" noEditPoints="1" noAdjustHandles="1" noChangeArrowheads="1" noChangeShapeType="1" noTextEdit="1"/>
-                </p:cNvSpPr>
-                <p:nvPr/>
-              </p:nvSpPr>
-              <p:spPr>
-                <a:xfrm>
-                  <a:off x="6260633" y="4045946"/>
-                  <a:ext cx="2020955" cy="527323"/>
-                </a:xfrm>
-                <a:prstGeom prst="rect">
-                  <a:avLst/>
-                </a:prstGeom>
-                <a:blipFill>
-                  <a:blip r:embed="rId2"/>
-                  <a:stretch>
-                    <a:fillRect b="-5333"/>
-                  </a:stretch>
-                </a:blipFill>
-              </p:spPr>
-              <p:txBody>
-                <a:bodyPr/>
-                <a:lstStyle/>
-                <a:p>
-                  <a:r>
-                    <a:rPr lang="en-US">
-                      <a:noFill/>
-                    </a:rPr>
-                    <a:t> </a:t>
-                  </a:r>
-                </a:p>
-              </p:txBody>
-            </p:sp>
-          </mc:Fallback>
-        </mc:AlternateContent>
-        <mc:AlternateContent xmlns:mc="http://schemas.openxmlformats.org/markup-compatibility/2006" xmlns:a14="http://schemas.microsoft.com/office/drawing/2010/main">
-          <mc:Choice Requires="a14">
-            <p:sp>
-              <p:nvSpPr>
-                <p:cNvPr id="19" name="TextBox 18">
-                  <a:extLst>
-                    <a:ext uri="{FF2B5EF4-FFF2-40B4-BE49-F238E27FC236}">
-                      <a16:creationId xmlns:a16="http://schemas.microsoft.com/office/drawing/2014/main" id="{FDE97FE6-9A8B-40A6-A7CC-5934E1E5FA6F}"/>
-                    </a:ext>
-                  </a:extLst>
-                </p:cNvPr>
-                <p:cNvSpPr txBox="1"/>
-                <p:nvPr/>
-              </p:nvSpPr>
-              <p:spPr>
-                <a:xfrm>
-                  <a:off x="4226679" y="4377386"/>
-                  <a:ext cx="1682774" cy="527323"/>
-                </a:xfrm>
-                <a:prstGeom prst="rect">
-                  <a:avLst/>
-                </a:prstGeom>
-                <a:noFill/>
-              </p:spPr>
-              <p:txBody>
-                <a:bodyPr wrap="square" rtlCol="0">
-                  <a:spAutoFit/>
-                </a:bodyPr>
-                <a:lstStyle/>
-                <a:p>
-                  <a:pPr/>
-                  <a14:m>
-                    <m:oMathPara xmlns:m="http://schemas.openxmlformats.org/officeDocument/2006/math">
-                      <m:oMathParaPr>
-                        <m:jc m:val="centerGroup"/>
-                      </m:oMathParaPr>
-                      <m:oMath xmlns:m="http://schemas.openxmlformats.org/officeDocument/2006/math">
-                        <m:sSub>
-                          <m:sSubPr>
-                            <m:ctrlPr>
-                              <a:rPr lang="en-US" sz="2400" b="1" i="1" smtClean="0">
-                                <a:solidFill>
-                                  <a:schemeClr val="accent2">
-                                    <a:lumMod val="50000"/>
-                                  </a:schemeClr>
-                                </a:solidFill>
-                                <a:latin typeface="Cambria Math" panose="02040503050406030204" pitchFamily="18" charset="0"/>
-                                <a:ea typeface="Cambria Math"/>
-                              </a:rPr>
-                            </m:ctrlPr>
-                          </m:sSubPr>
-                          <m:e>
-                            <m:r>
-                              <a:rPr lang="en-US" sz="2400" b="1" i="1" smtClean="0">
-                                <a:solidFill>
-                                  <a:schemeClr val="accent2">
-                                    <a:lumMod val="50000"/>
-                                  </a:schemeClr>
-                                </a:solidFill>
-                                <a:latin typeface="Cambria Math"/>
-                                <a:ea typeface="Cambria Math"/>
-                              </a:rPr>
-                              <m:t>𝜽</m:t>
-                            </m:r>
-                          </m:e>
-                          <m:sub>
-                            <m:r>
-                              <a:rPr lang="en-US" sz="2400" b="1" i="0" smtClean="0">
-                                <a:solidFill>
-                                  <a:schemeClr val="accent2">
-                                    <a:lumMod val="50000"/>
-                                  </a:schemeClr>
-                                </a:solidFill>
-                                <a:latin typeface="Cambria Math" panose="02040503050406030204" pitchFamily="18" charset="0"/>
-                                <a:ea typeface="Cambria Math"/>
-                              </a:rPr>
-                              <m:t>𝐢𝐧</m:t>
-                            </m:r>
-                          </m:sub>
-                        </m:sSub>
-                        <m:r>
-                          <a:rPr lang="en-US" sz="2400" b="1" i="1" smtClean="0">
-                            <a:solidFill>
-                              <a:schemeClr val="accent2">
-                                <a:lumMod val="50000"/>
-                              </a:schemeClr>
-                            </a:solidFill>
-                            <a:latin typeface="Cambria Math"/>
-                            <a:ea typeface="Cambria Math"/>
-                          </a:rPr>
-                          <m:t>≤</m:t>
-                        </m:r>
-                        <m:sSup>
-                          <m:sSupPr>
-                            <m:ctrlPr>
-                              <a:rPr lang="en-US" sz="2400" b="1" i="1" smtClean="0">
-                                <a:solidFill>
-                                  <a:schemeClr val="accent2">
-                                    <a:lumMod val="50000"/>
-                                  </a:schemeClr>
-                                </a:solidFill>
-                                <a:latin typeface="Cambria Math" panose="02040503050406030204" pitchFamily="18" charset="0"/>
-                                <a:ea typeface="Cambria Math"/>
-                              </a:rPr>
-                            </m:ctrlPr>
-                          </m:sSupPr>
-                          <m:e>
-                            <m:r>
-                              <a:rPr lang="en-US" sz="2400" b="1" i="1" smtClean="0">
-                                <a:solidFill>
-                                  <a:schemeClr val="accent2">
-                                    <a:lumMod val="50000"/>
-                                  </a:schemeClr>
-                                </a:solidFill>
-                                <a:latin typeface="Cambria Math"/>
-                                <a:ea typeface="Cambria Math"/>
-                              </a:rPr>
-                              <m:t>𝟓</m:t>
-                            </m:r>
-                            <m:r>
-                              <a:rPr lang="en-US" sz="2400" b="1" i="1">
-                                <a:solidFill>
-                                  <a:schemeClr val="accent2">
-                                    <a:lumMod val="50000"/>
-                                  </a:schemeClr>
-                                </a:solidFill>
-                                <a:latin typeface="Cambria Math"/>
-                                <a:ea typeface="Cambria Math"/>
-                              </a:rPr>
-                              <m:t>𝟎</m:t>
-                            </m:r>
-                          </m:e>
-                          <m:sup>
-                            <m:r>
-                              <a:rPr lang="en-US" sz="2400" b="1" i="1" smtClean="0">
-                                <a:solidFill>
-                                  <a:schemeClr val="accent2">
-                                    <a:lumMod val="50000"/>
-                                  </a:schemeClr>
-                                </a:solidFill>
-                                <a:latin typeface="Cambria Math"/>
-                                <a:ea typeface="Cambria Math"/>
-                              </a:rPr>
-                              <m:t>𝒐</m:t>
-                            </m:r>
-                          </m:sup>
-                        </m:sSup>
-                      </m:oMath>
-                    </m:oMathPara>
-                  </a14:m>
-                  <a:endParaRPr lang="en-US" sz="2400" b="1" baseline="30000" dirty="0">
-                    <a:solidFill>
-                      <a:schemeClr val="accent2">
-                        <a:lumMod val="50000"/>
-                      </a:schemeClr>
-                    </a:solidFill>
-                    <a:latin typeface="Calibri" panose="020F0502020204030204" pitchFamily="34" charset="0"/>
-                  </a:endParaRPr>
-                </a:p>
-              </p:txBody>
-            </p:sp>
-          </mc:Choice>
-          <mc:Fallback xmlns="">
-            <p:sp>
-              <p:nvSpPr>
-                <p:cNvPr id="19" name="TextBox 18">
-                  <a:extLst>
-                    <a:ext uri="{FF2B5EF4-FFF2-40B4-BE49-F238E27FC236}">
-                      <a16:creationId xmlns:a16="http://schemas.microsoft.com/office/drawing/2014/main" id="{FDE97FE6-9A8B-40A6-A7CC-5934E1E5FA6F}"/>
-                    </a:ext>
-                  </a:extLst>
-                </p:cNvPr>
-                <p:cNvSpPr txBox="1">
-                  <a:spLocks noRot="1" noChangeAspect="1" noMove="1" noResize="1" noEditPoints="1" noAdjustHandles="1" noChangeArrowheads="1" noChangeShapeType="1" noTextEdit="1"/>
-                </p:cNvSpPr>
-                <p:nvPr/>
-              </p:nvSpPr>
-              <p:spPr>
-                <a:xfrm>
-                  <a:off x="4226679" y="4377386"/>
-                  <a:ext cx="1682774" cy="527323"/>
-                </a:xfrm>
-                <a:prstGeom prst="rect">
-                  <a:avLst/>
-                </a:prstGeom>
-                <a:blipFill>
-                  <a:blip r:embed="rId3"/>
-                  <a:stretch>
-                    <a:fillRect b="-5405"/>
-                  </a:stretch>
-                </a:blipFill>
-              </p:spPr>
-              <p:txBody>
-                <a:bodyPr/>
-                <a:lstStyle/>
-                <a:p>
-                  <a:r>
-                    <a:rPr lang="en-US">
-                      <a:noFill/>
-                    </a:rPr>
-                    <a:t> </a:t>
-                  </a:r>
-                </a:p>
-              </p:txBody>
-            </p:sp>
-          </mc:Fallback>
-        </mc:AlternateContent>
-        <mc:AlternateContent xmlns:mc="http://schemas.openxmlformats.org/markup-compatibility/2006" xmlns:a14="http://schemas.microsoft.com/office/drawing/2010/main">
-          <mc:Choice Requires="a14">
-            <p:sp>
-              <p:nvSpPr>
-                <p:cNvPr id="20" name="TextBox 19">
-                  <a:extLst>
-                    <a:ext uri="{FF2B5EF4-FFF2-40B4-BE49-F238E27FC236}">
-                      <a16:creationId xmlns:a16="http://schemas.microsoft.com/office/drawing/2014/main" id="{B22B589A-AE61-4ED5-B9CF-9426FED8E2A5}"/>
-                    </a:ext>
-                  </a:extLst>
-                </p:cNvPr>
-                <p:cNvSpPr txBox="1"/>
-                <p:nvPr/>
-              </p:nvSpPr>
-              <p:spPr>
-                <a:xfrm>
-                  <a:off x="5105400" y="5458249"/>
-                  <a:ext cx="2438400" cy="409151"/>
-                </a:xfrm>
-                <a:prstGeom prst="rect">
-                  <a:avLst/>
-                </a:prstGeom>
-                <a:noFill/>
-              </p:spPr>
-              <p:txBody>
-                <a:bodyPr wrap="square" rtlCol="0">
-                  <a:spAutoFit/>
-                </a:bodyPr>
-                <a:lstStyle/>
-                <a:p>
-                  <a:pPr/>
-                  <a14:m>
-                    <m:oMathPara xmlns:m="http://schemas.openxmlformats.org/officeDocument/2006/math">
-                      <m:oMathParaPr>
-                        <m:jc m:val="centerGroup"/>
-                      </m:oMathParaPr>
-                      <m:oMath xmlns:m="http://schemas.openxmlformats.org/officeDocument/2006/math">
-                        <m:sSubSup>
-                          <m:sSubSupPr>
-                            <m:ctrlPr>
-                              <a:rPr lang="en-US" b="1" i="1" smtClean="0">
-                                <a:solidFill>
-                                  <a:schemeClr val="bg1"/>
-                                </a:solidFill>
-                                <a:latin typeface="Cambria Math" panose="02040503050406030204" pitchFamily="18" charset="0"/>
-                                <a:sym typeface="Symbol"/>
-                              </a:rPr>
-                            </m:ctrlPr>
-                          </m:sSubSupPr>
-                          <m:e>
-                            <m:r>
-                              <a:rPr lang="en-US" b="1" i="1" smtClean="0">
-                                <a:solidFill>
-                                  <a:schemeClr val="bg1"/>
-                                </a:solidFill>
-                                <a:latin typeface="Cambria Math"/>
-                                <a:sym typeface="Symbol"/>
-                              </a:rPr>
-                              <m:t></m:t>
-                            </m:r>
-                          </m:e>
-                          <m:sub>
-                            <m:r>
-                              <a:rPr lang="en-US" b="1" i="0" smtClean="0">
-                                <a:solidFill>
-                                  <a:schemeClr val="bg1"/>
-                                </a:solidFill>
-                                <a:latin typeface="Cambria Math"/>
-                                <a:sym typeface="Symbol"/>
-                              </a:rPr>
-                              <m:t>𝐫𝐞𝐟</m:t>
-                            </m:r>
-                          </m:sub>
-                          <m:sup>
-                            <m:r>
-                              <a:rPr lang="en-US" b="1" i="0" smtClean="0">
-                                <a:solidFill>
-                                  <a:schemeClr val="bg1"/>
-                                </a:solidFill>
-                                <a:latin typeface="Cambria Math"/>
-                                <a:sym typeface="Symbol"/>
-                              </a:rPr>
-                              <m:t>𝐩𝐨𝐰𝐞𝐫</m:t>
-                            </m:r>
-                          </m:sup>
-                        </m:sSubSup>
-                        <m:r>
-                          <a:rPr lang="en-US" b="1" i="1" smtClean="0">
-                            <a:solidFill>
-                              <a:schemeClr val="bg1"/>
-                            </a:solidFill>
-                            <a:latin typeface="Cambria Math"/>
-                            <a:sym typeface="Symbol"/>
-                          </a:rPr>
-                          <m:t>=</m:t>
-                        </m:r>
-                        <m:r>
-                          <a:rPr lang="en-US" b="1" i="1" smtClean="0">
-                            <a:solidFill>
-                              <a:schemeClr val="bg1"/>
-                            </a:solidFill>
-                            <a:latin typeface="Cambria Math"/>
-                            <a:sym typeface="Symbol"/>
-                          </a:rPr>
-                          <m:t>𝟏𝟐</m:t>
-                        </m:r>
-                        <m:r>
-                          <a:rPr lang="en-US" b="1" i="1" smtClean="0">
-                            <a:solidFill>
-                              <a:schemeClr val="bg1"/>
-                            </a:solidFill>
-                            <a:latin typeface="Cambria Math"/>
-                            <a:sym typeface="Symbol"/>
-                          </a:rPr>
-                          <m:t>.</m:t>
-                        </m:r>
-                        <m:r>
-                          <a:rPr lang="en-US" b="1" i="1" smtClean="0">
-                            <a:solidFill>
-                              <a:schemeClr val="bg1"/>
-                            </a:solidFill>
-                            <a:latin typeface="Cambria Math"/>
-                            <a:sym typeface="Symbol"/>
-                          </a:rPr>
-                          <m:t>𝟓</m:t>
-                        </m:r>
-                        <m:r>
-                          <a:rPr lang="en-US" b="1" i="0" smtClean="0">
-                            <a:solidFill>
-                              <a:schemeClr val="bg1"/>
-                            </a:solidFill>
-                            <a:latin typeface="Cambria Math"/>
-                            <a:sym typeface="Symbol"/>
-                          </a:rPr>
-                          <m:t> </m:t>
-                        </m:r>
-                      </m:oMath>
-                    </m:oMathPara>
-                  </a14:m>
-                  <a:endParaRPr lang="en-US" b="1" dirty="0">
-                    <a:solidFill>
-                      <a:schemeClr val="bg1"/>
-                    </a:solidFill>
-                    <a:latin typeface="Calibri" panose="020F0502020204030204" pitchFamily="34" charset="0"/>
-                  </a:endParaRPr>
-                </a:p>
-              </p:txBody>
-            </p:sp>
-          </mc:Choice>
-          <mc:Fallback xmlns="">
-            <p:sp>
-              <p:nvSpPr>
-                <p:cNvPr id="20" name="TextBox 19">
-                  <a:extLst>
-                    <a:ext uri="{FF2B5EF4-FFF2-40B4-BE49-F238E27FC236}">
-                      <a16:creationId xmlns:a16="http://schemas.microsoft.com/office/drawing/2014/main" id="{B22B589A-AE61-4ED5-B9CF-9426FED8E2A5}"/>
-                    </a:ext>
-                  </a:extLst>
-                </p:cNvPr>
-                <p:cNvSpPr txBox="1">
-                  <a:spLocks noRot="1" noChangeAspect="1" noMove="1" noResize="1" noEditPoints="1" noAdjustHandles="1" noChangeArrowheads="1" noChangeShapeType="1" noTextEdit="1"/>
-                </p:cNvSpPr>
-                <p:nvPr/>
-              </p:nvSpPr>
-              <p:spPr>
-                <a:xfrm>
-                  <a:off x="5105400" y="5458249"/>
-                  <a:ext cx="2438400" cy="409151"/>
-                </a:xfrm>
-                <a:prstGeom prst="rect">
-                  <a:avLst/>
-                </a:prstGeom>
-                <a:blipFill>
-                  <a:blip r:embed="rId4"/>
-                  <a:stretch>
-                    <a:fillRect b="-20690"/>
-                  </a:stretch>
-                </a:blipFill>
-              </p:spPr>
-              <p:txBody>
-                <a:bodyPr/>
-                <a:lstStyle/>
-                <a:p>
-                  <a:r>
-                    <a:rPr lang="en-US">
-                      <a:noFill/>
-                    </a:rPr>
-                    <a:t> </a:t>
-                  </a:r>
-                </a:p>
-              </p:txBody>
-            </p:sp>
-          </mc:Fallback>
-        </mc:AlternateContent>
-        <mc:AlternateContent xmlns:mc="http://schemas.openxmlformats.org/markup-compatibility/2006" xmlns:a14="http://schemas.microsoft.com/office/drawing/2010/main">
-          <mc:Choice Requires="a14">
-            <p:sp>
-              <p:nvSpPr>
-                <p:cNvPr id="21" name="TextBox 20">
-                  <a:extLst>
-                    <a:ext uri="{FF2B5EF4-FFF2-40B4-BE49-F238E27FC236}">
-                      <a16:creationId xmlns:a16="http://schemas.microsoft.com/office/drawing/2014/main" id="{11A3AAE9-D736-42D3-9A49-1DEC92248E85}"/>
-                    </a:ext>
-                  </a:extLst>
-                </p:cNvPr>
-                <p:cNvSpPr txBox="1"/>
-                <p:nvPr/>
-              </p:nvSpPr>
-              <p:spPr>
-                <a:xfrm>
-                  <a:off x="3716078" y="3523162"/>
-                  <a:ext cx="1770320" cy="429797"/>
-                </a:xfrm>
-                <a:prstGeom prst="rect">
-                  <a:avLst/>
-                </a:prstGeom>
-                <a:noFill/>
-              </p:spPr>
-              <p:txBody>
-                <a:bodyPr wrap="square" rtlCol="0">
-                  <a:spAutoFit/>
-                </a:bodyPr>
-                <a:lstStyle/>
-                <a:p>
-                  <a:pPr/>
-                  <a14:m>
-                    <m:oMathPara xmlns:m="http://schemas.openxmlformats.org/officeDocument/2006/math">
-                      <m:oMathParaPr>
-                        <m:jc m:val="centerGroup"/>
-                      </m:oMathParaPr>
-                      <m:oMath xmlns:m="http://schemas.openxmlformats.org/officeDocument/2006/math">
-                        <m:sSub>
-                          <m:sSubPr>
-                            <m:ctrlPr>
-                              <a:rPr lang="en-US" b="0" i="1" smtClean="0">
-                                <a:solidFill>
-                                  <a:schemeClr val="bg1"/>
-                                </a:solidFill>
-                                <a:latin typeface="Cambria Math" panose="02040503050406030204" pitchFamily="18" charset="0"/>
-                                <a:sym typeface="Symbol"/>
-                              </a:rPr>
-                            </m:ctrlPr>
-                          </m:sSubPr>
-                          <m:e>
-                            <m:r>
-                              <a:rPr lang="en-US" b="0" i="1" smtClean="0">
-                                <a:solidFill>
-                                  <a:schemeClr val="bg1"/>
-                                </a:solidFill>
-                                <a:latin typeface="Cambria Math" panose="02040503050406030204" pitchFamily="18" charset="0"/>
-                                <a:sym typeface="Symbol"/>
-                              </a:rPr>
-                              <m:t>𝜆</m:t>
-                            </m:r>
-                          </m:e>
-                          <m:sub>
-                            <m:r>
-                              <m:rPr>
-                                <m:sty m:val="p"/>
-                              </m:rPr>
-                              <a:rPr lang="en-US" b="0" i="0" smtClean="0">
-                                <a:solidFill>
-                                  <a:schemeClr val="bg1"/>
-                                </a:solidFill>
-                                <a:latin typeface="Cambria Math" panose="02040503050406030204" pitchFamily="18" charset="0"/>
-                                <a:sym typeface="Symbol"/>
-                              </a:rPr>
-                              <m:t>ref</m:t>
-                            </m:r>
-                          </m:sub>
-                        </m:sSub>
-                        <m:r>
-                          <a:rPr lang="en-US" b="0" i="1" smtClean="0">
-                            <a:solidFill>
-                              <a:schemeClr val="bg1"/>
-                            </a:solidFill>
-                            <a:latin typeface="Cambria Math"/>
-                            <a:sym typeface="Symbol"/>
-                          </a:rPr>
-                          <m:t>=14.</m:t>
-                        </m:r>
-                        <m:r>
-                          <a:rPr lang="en-US" b="0" i="0" smtClean="0">
-                            <a:solidFill>
-                              <a:schemeClr val="bg1"/>
-                            </a:solidFill>
-                            <a:latin typeface="Cambria Math"/>
-                            <a:sym typeface="Symbol"/>
-                          </a:rPr>
-                          <m:t>7 </m:t>
-                        </m:r>
-                      </m:oMath>
-                    </m:oMathPara>
-                  </a14:m>
-                  <a:endParaRPr lang="en-US" dirty="0">
-                    <a:solidFill>
-                      <a:schemeClr val="bg1"/>
-                    </a:solidFill>
-                    <a:latin typeface="Calibri" panose="020F0502020204030204" pitchFamily="34" charset="0"/>
-                  </a:endParaRPr>
-                </a:p>
-              </p:txBody>
-            </p:sp>
-          </mc:Choice>
-          <mc:Fallback xmlns="">
-            <p:sp>
-              <p:nvSpPr>
-                <p:cNvPr id="21" name="TextBox 20">
-                  <a:extLst>
-                    <a:ext uri="{FF2B5EF4-FFF2-40B4-BE49-F238E27FC236}">
-                      <a16:creationId xmlns:a16="http://schemas.microsoft.com/office/drawing/2014/main" id="{11A3AAE9-D736-42D3-9A49-1DEC92248E85}"/>
-                    </a:ext>
-                  </a:extLst>
-                </p:cNvPr>
-                <p:cNvSpPr txBox="1">
-                  <a:spLocks noRot="1" noChangeAspect="1" noMove="1" noResize="1" noEditPoints="1" noAdjustHandles="1" noChangeArrowheads="1" noChangeShapeType="1" noTextEdit="1"/>
-                </p:cNvSpPr>
-                <p:nvPr/>
-              </p:nvSpPr>
-              <p:spPr>
-                <a:xfrm>
-                  <a:off x="3716078" y="3523162"/>
-                  <a:ext cx="1770320" cy="429797"/>
-                </a:xfrm>
-                <a:prstGeom prst="rect">
-                  <a:avLst/>
-                </a:prstGeom>
-                <a:blipFill>
-                  <a:blip r:embed="rId5"/>
-                  <a:stretch>
-                    <a:fillRect b="-1667"/>
-                  </a:stretch>
-                </a:blipFill>
-              </p:spPr>
-              <p:txBody>
-                <a:bodyPr/>
-                <a:lstStyle/>
-                <a:p>
-                  <a:r>
-                    <a:rPr lang="en-US">
-                      <a:noFill/>
-                    </a:rPr>
-                    <a:t> </a:t>
-                  </a:r>
-                </a:p>
-              </p:txBody>
-            </p:sp>
-          </mc:Fallback>
-        </mc:AlternateContent>
-        <mc:AlternateContent xmlns:mc="http://schemas.openxmlformats.org/markup-compatibility/2006" xmlns:a14="http://schemas.microsoft.com/office/drawing/2010/main">
-          <mc:Choice Requires="a14">
-            <p:sp>
-              <p:nvSpPr>
-                <p:cNvPr id="22" name="TextBox 21">
-                  <a:extLst>
-                    <a:ext uri="{FF2B5EF4-FFF2-40B4-BE49-F238E27FC236}">
-                      <a16:creationId xmlns:a16="http://schemas.microsoft.com/office/drawing/2014/main" id="{96256BBF-C61E-4D36-BA82-D211C9F3B7AC}"/>
-                    </a:ext>
-                  </a:extLst>
-                </p:cNvPr>
-                <p:cNvSpPr txBox="1"/>
-                <p:nvPr/>
-              </p:nvSpPr>
-              <p:spPr>
-                <a:xfrm>
-                  <a:off x="3886200" y="1838094"/>
-                  <a:ext cx="1447800" cy="369332"/>
-                </a:xfrm>
-                <a:prstGeom prst="rect">
-                  <a:avLst/>
-                </a:prstGeom>
-                <a:noFill/>
-              </p:spPr>
-              <p:txBody>
-                <a:bodyPr wrap="square" rtlCol="0">
-                  <a:spAutoFit/>
-                </a:bodyPr>
-                <a:lstStyle/>
-                <a:p>
-                  <a:pPr/>
-                  <a14:m>
-                    <m:oMathPara xmlns:m="http://schemas.openxmlformats.org/officeDocument/2006/math">
-                      <m:oMathParaPr>
-                        <m:jc m:val="centerGroup"/>
-                      </m:oMathParaPr>
-                      <m:oMath xmlns:m="http://schemas.openxmlformats.org/officeDocument/2006/math">
-                        <m:sSub>
-                          <m:sSubPr>
-                            <m:ctrlPr>
-                              <a:rPr lang="en-US" b="0" i="1" smtClean="0">
-                                <a:solidFill>
-                                  <a:schemeClr val="bg1"/>
-                                </a:solidFill>
-                                <a:latin typeface="Cambria Math" panose="02040503050406030204" pitchFamily="18" charset="0"/>
-                                <a:sym typeface="Symbol"/>
-                              </a:rPr>
-                            </m:ctrlPr>
-                          </m:sSubPr>
-                          <m:e>
-                            <m:r>
-                              <a:rPr lang="en-US" b="0" i="1" smtClean="0">
-                                <a:solidFill>
-                                  <a:schemeClr val="bg1"/>
-                                </a:solidFill>
-                                <a:latin typeface="Cambria Math" panose="02040503050406030204" pitchFamily="18" charset="0"/>
-                                <a:sym typeface="Symbol"/>
-                              </a:rPr>
-                              <m:t>𝜆</m:t>
-                            </m:r>
-                          </m:e>
-                          <m:sub>
-                            <m:r>
-                              <m:rPr>
-                                <m:sty m:val="p"/>
-                              </m:rPr>
-                              <a:rPr lang="en-US" b="0" i="0" smtClean="0">
-                                <a:solidFill>
-                                  <a:schemeClr val="bg1"/>
-                                </a:solidFill>
-                                <a:latin typeface="Cambria Math" panose="02040503050406030204" pitchFamily="18" charset="0"/>
-                                <a:sym typeface="Symbol"/>
-                              </a:rPr>
-                              <m:t>ref</m:t>
-                            </m:r>
-                          </m:sub>
-                        </m:sSub>
-                        <m:r>
-                          <a:rPr lang="en-US" b="0" i="1" smtClean="0">
-                            <a:solidFill>
-                              <a:schemeClr val="bg1"/>
-                            </a:solidFill>
-                            <a:latin typeface="Cambria Math"/>
-                            <a:sym typeface="Symbol"/>
-                          </a:rPr>
-                          <m:t>=14.</m:t>
-                        </m:r>
-                        <m:r>
-                          <a:rPr lang="en-US" b="0" i="0" smtClean="0">
-                            <a:solidFill>
-                              <a:schemeClr val="bg1"/>
-                            </a:solidFill>
-                            <a:latin typeface="Cambria Math"/>
-                            <a:sym typeface="Symbol"/>
-                          </a:rPr>
-                          <m:t>7 </m:t>
-                        </m:r>
-                      </m:oMath>
-                    </m:oMathPara>
-                  </a14:m>
-                  <a:endParaRPr lang="en-US" dirty="0">
-                    <a:solidFill>
-                      <a:schemeClr val="bg1"/>
-                    </a:solidFill>
-                    <a:latin typeface="Calibri" panose="020F0502020204030204" pitchFamily="34" charset="0"/>
-                  </a:endParaRPr>
-                </a:p>
-              </p:txBody>
-            </p:sp>
-          </mc:Choice>
-          <mc:Fallback xmlns="">
-            <p:sp>
-              <p:nvSpPr>
-                <p:cNvPr id="22" name="TextBox 21">
-                  <a:extLst>
-                    <a:ext uri="{FF2B5EF4-FFF2-40B4-BE49-F238E27FC236}">
-                      <a16:creationId xmlns:a16="http://schemas.microsoft.com/office/drawing/2014/main" id="{96256BBF-C61E-4D36-BA82-D211C9F3B7AC}"/>
-                    </a:ext>
-                  </a:extLst>
-                </p:cNvPr>
-                <p:cNvSpPr txBox="1">
-                  <a:spLocks noRot="1" noChangeAspect="1" noMove="1" noResize="1" noEditPoints="1" noAdjustHandles="1" noChangeArrowheads="1" noChangeShapeType="1" noTextEdit="1"/>
-                </p:cNvSpPr>
-                <p:nvPr/>
-              </p:nvSpPr>
-              <p:spPr>
-                <a:xfrm>
-                  <a:off x="3886200" y="1838094"/>
-                  <a:ext cx="1447800" cy="369332"/>
-                </a:xfrm>
-                <a:prstGeom prst="rect">
-                  <a:avLst/>
-                </a:prstGeom>
-                <a:blipFill>
-                  <a:blip r:embed="rId6"/>
-                  <a:stretch>
-                    <a:fillRect b="-17308"/>
-                  </a:stretch>
-                </a:blipFill>
-              </p:spPr>
-              <p:txBody>
-                <a:bodyPr/>
-                <a:lstStyle/>
-                <a:p>
-                  <a:r>
-                    <a:rPr lang="en-US">
-                      <a:noFill/>
-                    </a:rPr>
-                    <a:t> </a:t>
-                  </a:r>
-                </a:p>
-              </p:txBody>
-            </p:sp>
-          </mc:Fallback>
-        </mc:AlternateContent>
-        <mc:AlternateContent xmlns:mc="http://schemas.openxmlformats.org/markup-compatibility/2006" xmlns:a14="http://schemas.microsoft.com/office/drawing/2010/main">
-          <mc:Choice Requires="a14">
-            <p:sp>
-              <p:nvSpPr>
-                <p:cNvPr id="23" name="TextBox 22">
-                  <a:extLst>
-                    <a:ext uri="{FF2B5EF4-FFF2-40B4-BE49-F238E27FC236}">
-                      <a16:creationId xmlns:a16="http://schemas.microsoft.com/office/drawing/2014/main" id="{B3544661-7947-4431-B448-94E516ADBBBA}"/>
-                    </a:ext>
-                  </a:extLst>
-                </p:cNvPr>
-                <p:cNvSpPr txBox="1"/>
-                <p:nvPr/>
-              </p:nvSpPr>
-              <p:spPr>
-                <a:xfrm>
-                  <a:off x="3200400" y="2295894"/>
-                  <a:ext cx="1301774" cy="646331"/>
-                </a:xfrm>
-                <a:prstGeom prst="rect">
-                  <a:avLst/>
-                </a:prstGeom>
-                <a:noFill/>
-              </p:spPr>
-              <p:txBody>
-                <a:bodyPr wrap="square" rtlCol="0">
-                  <a:spAutoFit/>
-                </a:bodyPr>
-                <a:lstStyle/>
-                <a:p>
-                  <a:r>
-                    <a:rPr lang="en-US" sz="1600" dirty="0">
-                      <a:solidFill>
-                        <a:schemeClr val="accent2">
-                          <a:lumMod val="50000"/>
-                        </a:schemeClr>
-                      </a:solidFill>
-                      <a:latin typeface="Calibri" panose="020F0502020204030204" pitchFamily="34" charset="0"/>
-                      <a:ea typeface="Cambria Math"/>
-                    </a:rPr>
-                    <a:t>Startup Time   </a:t>
-                  </a:r>
-                  <a14:m>
-                    <m:oMath xmlns:m="http://schemas.openxmlformats.org/officeDocument/2006/math">
-                      <m:r>
-                        <a:rPr lang="en-US" sz="2000" b="1" i="1" smtClean="0">
-                          <a:solidFill>
-                            <a:schemeClr val="accent2">
-                              <a:lumMod val="50000"/>
-                            </a:schemeClr>
-                          </a:solidFill>
-                          <a:latin typeface="Cambria Math"/>
-                          <a:ea typeface="Cambria Math"/>
-                        </a:rPr>
-                        <m:t>𝝉</m:t>
-                      </m:r>
-                      <m:r>
-                        <a:rPr lang="en-US" sz="2000" b="1" i="1" baseline="-25000" smtClean="0">
-                          <a:solidFill>
-                            <a:schemeClr val="accent2">
-                              <a:lumMod val="50000"/>
-                            </a:schemeClr>
-                          </a:solidFill>
-                          <a:latin typeface="Cambria Math"/>
-                          <a:ea typeface="Cambria Math"/>
-                        </a:rPr>
-                        <m:t>𝑰</m:t>
-                      </m:r>
-                    </m:oMath>
-                  </a14:m>
-                  <a:r>
-                    <a:rPr lang="en-US" sz="2000" b="1" baseline="30000" dirty="0">
-                      <a:solidFill>
-                        <a:schemeClr val="accent2">
-                          <a:lumMod val="50000"/>
-                        </a:schemeClr>
-                      </a:solidFill>
-                      <a:latin typeface="Calibri" panose="020F0502020204030204" pitchFamily="34" charset="0"/>
-                    </a:rPr>
-                    <a:t>  </a:t>
-                  </a:r>
-                  <a:endParaRPr lang="en-US" sz="2000" dirty="0">
-                    <a:solidFill>
-                      <a:schemeClr val="accent2">
-                        <a:lumMod val="50000"/>
-                      </a:schemeClr>
-                    </a:solidFill>
-                    <a:latin typeface="Calibri" panose="020F0502020204030204" pitchFamily="34" charset="0"/>
-                  </a:endParaRPr>
-                </a:p>
-              </p:txBody>
-            </p:sp>
-          </mc:Choice>
-          <mc:Fallback xmlns="">
-            <p:sp>
-              <p:nvSpPr>
-                <p:cNvPr id="23" name="TextBox 22">
-                  <a:extLst>
-                    <a:ext uri="{FF2B5EF4-FFF2-40B4-BE49-F238E27FC236}">
-                      <a16:creationId xmlns:a16="http://schemas.microsoft.com/office/drawing/2014/main" id="{B3544661-7947-4431-B448-94E516ADBBBA}"/>
-                    </a:ext>
-                  </a:extLst>
-                </p:cNvPr>
-                <p:cNvSpPr txBox="1">
-                  <a:spLocks noRot="1" noChangeAspect="1" noMove="1" noResize="1" noEditPoints="1" noAdjustHandles="1" noChangeArrowheads="1" noChangeShapeType="1" noTextEdit="1"/>
-                </p:cNvSpPr>
-                <p:nvPr/>
-              </p:nvSpPr>
-              <p:spPr>
-                <a:xfrm>
-                  <a:off x="3200400" y="2295894"/>
-                  <a:ext cx="1301774" cy="646331"/>
-                </a:xfrm>
-                <a:prstGeom prst="rect">
-                  <a:avLst/>
-                </a:prstGeom>
-                <a:blipFill>
-                  <a:blip r:embed="rId7"/>
-                  <a:stretch>
-                    <a:fillRect l="-3061" t="-3297" b="-27473"/>
-                  </a:stretch>
-                </a:blipFill>
-              </p:spPr>
-              <p:txBody>
-                <a:bodyPr/>
-                <a:lstStyle/>
-                <a:p>
-                  <a:r>
-                    <a:rPr lang="en-US">
-                      <a:noFill/>
-                    </a:rPr>
-                    <a:t> </a:t>
-                  </a:r>
-                </a:p>
-              </p:txBody>
-            </p:sp>
-          </mc:Fallback>
-        </mc:AlternateContent>
-        <mc:AlternateContent xmlns:mc="http://schemas.openxmlformats.org/markup-compatibility/2006" xmlns:a14="http://schemas.microsoft.com/office/drawing/2010/main">
-          <mc:Choice Requires="a14">
-            <p:sp>
-              <p:nvSpPr>
-                <p:cNvPr id="24" name="TextBox 23">
-                  <a:extLst>
-                    <a:ext uri="{FF2B5EF4-FFF2-40B4-BE49-F238E27FC236}">
-                      <a16:creationId xmlns:a16="http://schemas.microsoft.com/office/drawing/2014/main" id="{686B6463-DB0C-4F9B-B1AE-A621F6EC97CF}"/>
-                    </a:ext>
-                  </a:extLst>
-                </p:cNvPr>
-                <p:cNvSpPr txBox="1"/>
-                <p:nvPr/>
-              </p:nvSpPr>
-              <p:spPr>
-                <a:xfrm>
-                  <a:off x="2252341" y="5410591"/>
-                  <a:ext cx="1568718" cy="429797"/>
-                </a:xfrm>
-                <a:prstGeom prst="rect">
-                  <a:avLst/>
-                </a:prstGeom>
-                <a:noFill/>
-              </p:spPr>
-              <p:txBody>
-                <a:bodyPr wrap="square" rtlCol="0">
-                  <a:spAutoFit/>
-                </a:bodyPr>
-                <a:lstStyle/>
-                <a:p>
-                  <a:pPr/>
-                  <a14:m>
-                    <m:oMathPara xmlns:m="http://schemas.openxmlformats.org/officeDocument/2006/math">
-                      <m:oMathParaPr>
-                        <m:jc m:val="centerGroup"/>
-                      </m:oMathParaPr>
-                      <m:oMath xmlns:m="http://schemas.openxmlformats.org/officeDocument/2006/math">
-                        <m:sSub>
-                          <m:sSubPr>
-                            <m:ctrlPr>
-                              <a:rPr lang="en-US" b="0" i="1" smtClean="0">
-                                <a:solidFill>
-                                  <a:schemeClr val="bg1"/>
-                                </a:solidFill>
-                                <a:latin typeface="Cambria Math" panose="02040503050406030204" pitchFamily="18" charset="0"/>
-                                <a:sym typeface="Symbol"/>
-                              </a:rPr>
-                            </m:ctrlPr>
-                          </m:sSubPr>
-                          <m:e>
-                            <m:r>
-                              <a:rPr lang="en-US" b="0" i="1" smtClean="0">
-                                <a:solidFill>
-                                  <a:schemeClr val="bg1"/>
-                                </a:solidFill>
-                                <a:latin typeface="Cambria Math" panose="02040503050406030204" pitchFamily="18" charset="0"/>
-                                <a:sym typeface="Symbol"/>
-                              </a:rPr>
-                              <m:t>𝜆</m:t>
-                            </m:r>
-                          </m:e>
-                          <m:sub>
-                            <m:r>
-                              <m:rPr>
-                                <m:sty m:val="p"/>
-                              </m:rPr>
-                              <a:rPr lang="en-US" b="0" i="0" smtClean="0">
-                                <a:solidFill>
-                                  <a:schemeClr val="bg1"/>
-                                </a:solidFill>
-                                <a:latin typeface="Cambria Math" panose="02040503050406030204" pitchFamily="18" charset="0"/>
-                                <a:sym typeface="Symbol"/>
-                              </a:rPr>
-                              <m:t>ref</m:t>
-                            </m:r>
-                          </m:sub>
-                        </m:sSub>
-                        <m:r>
-                          <a:rPr lang="en-US" b="0" i="1" smtClean="0">
-                            <a:solidFill>
-                              <a:schemeClr val="bg1"/>
-                            </a:solidFill>
-                            <a:latin typeface="Cambria Math"/>
-                            <a:sym typeface="Symbol"/>
-                          </a:rPr>
-                          <m:t>=14.</m:t>
-                        </m:r>
-                        <m:r>
-                          <a:rPr lang="en-US" b="0" i="0" smtClean="0">
-                            <a:solidFill>
-                              <a:schemeClr val="bg1"/>
-                            </a:solidFill>
-                            <a:latin typeface="Cambria Math"/>
-                            <a:sym typeface="Symbol"/>
-                          </a:rPr>
-                          <m:t>7 </m:t>
-                        </m:r>
-                      </m:oMath>
-                    </m:oMathPara>
-                  </a14:m>
-                  <a:endParaRPr lang="en-US" dirty="0">
-                    <a:solidFill>
-                      <a:schemeClr val="bg1"/>
-                    </a:solidFill>
-                    <a:latin typeface="Calibri" panose="020F0502020204030204" pitchFamily="34" charset="0"/>
-                  </a:endParaRPr>
-                </a:p>
-              </p:txBody>
-            </p:sp>
-          </mc:Choice>
-          <mc:Fallback xmlns="">
-            <p:sp>
-              <p:nvSpPr>
-                <p:cNvPr id="24" name="TextBox 23">
-                  <a:extLst>
-                    <a:ext uri="{FF2B5EF4-FFF2-40B4-BE49-F238E27FC236}">
-                      <a16:creationId xmlns:a16="http://schemas.microsoft.com/office/drawing/2014/main" id="{686B6463-DB0C-4F9B-B1AE-A621F6EC97CF}"/>
-                    </a:ext>
-                  </a:extLst>
-                </p:cNvPr>
-                <p:cNvSpPr txBox="1">
-                  <a:spLocks noRot="1" noChangeAspect="1" noMove="1" noResize="1" noEditPoints="1" noAdjustHandles="1" noChangeArrowheads="1" noChangeShapeType="1" noTextEdit="1"/>
-                </p:cNvSpPr>
-                <p:nvPr/>
-              </p:nvSpPr>
-              <p:spPr>
-                <a:xfrm>
-                  <a:off x="2252341" y="5410591"/>
-                  <a:ext cx="1568718" cy="429797"/>
-                </a:xfrm>
-                <a:prstGeom prst="rect">
-                  <a:avLst/>
-                </a:prstGeom>
-                <a:blipFill>
-                  <a:blip r:embed="rId8"/>
-                  <a:stretch>
-                    <a:fillRect b="-1667"/>
-                  </a:stretch>
-                </a:blipFill>
-              </p:spPr>
-              <p:txBody>
-                <a:bodyPr/>
-                <a:lstStyle/>
-                <a:p>
-                  <a:r>
-                    <a:rPr lang="en-US">
-                      <a:noFill/>
-                    </a:rPr>
-                    <a:t> </a:t>
-                  </a:r>
-                </a:p>
-              </p:txBody>
-            </p:sp>
-          </mc:Fallback>
-        </mc:AlternateContent>
-      </p:grpSp>
-      <mc:AlternateContent xmlns:mc="http://schemas.openxmlformats.org/markup-compatibility/2006" xmlns:a14="http://schemas.microsoft.com/office/drawing/2010/main">
-        <mc:Choice Requires="a14">
-          <p:sp>
-            <p:nvSpPr>
-              <p:cNvPr id="27" name="Rectangle 26">
-                <a:extLst>
-                  <a:ext uri="{FF2B5EF4-FFF2-40B4-BE49-F238E27FC236}">
-                    <a16:creationId xmlns:a16="http://schemas.microsoft.com/office/drawing/2014/main" id="{FECE2B0D-8840-4ACB-AAB5-523EC25DDA51}"/>
-                  </a:ext>
-                </a:extLst>
-              </p:cNvPr>
-              <p:cNvSpPr/>
-              <p:nvPr/>
-            </p:nvSpPr>
-            <p:spPr>
-              <a:xfrm>
-                <a:off x="9627391" y="3277449"/>
-                <a:ext cx="2458720" cy="923330"/>
-              </a:xfrm>
-              <a:prstGeom prst="rect">
-                <a:avLst/>
-              </a:prstGeom>
-            </p:spPr>
-            <p:txBody>
-              <a:bodyPr wrap="square">
-                <a:spAutoFit/>
-              </a:bodyPr>
-              <a:lstStyle/>
-              <a:p>
-                <a14:m>
-                  <m:oMath xmlns:m="http://schemas.openxmlformats.org/officeDocument/2006/math">
-                    <m:sSub>
-                      <m:sSubPr>
-                        <m:ctrlPr>
-                          <a:rPr lang="en-US" b="1" i="1" smtClean="0">
-                            <a:solidFill>
-                              <a:schemeClr val="accent2">
-                                <a:lumMod val="50000"/>
-                              </a:schemeClr>
-                            </a:solidFill>
-                            <a:latin typeface="Cambria Math" panose="02040503050406030204" pitchFamily="18" charset="0"/>
-                            <a:ea typeface="Cambria Math"/>
-                          </a:rPr>
-                        </m:ctrlPr>
-                      </m:sSubPr>
-                      <m:e>
-                        <m:r>
-                          <a:rPr lang="en-US" b="1" i="1" smtClean="0">
-                            <a:solidFill>
-                              <a:schemeClr val="accent2">
-                                <a:lumMod val="50000"/>
-                              </a:schemeClr>
-                            </a:solidFill>
-                            <a:latin typeface="Cambria Math"/>
-                            <a:ea typeface="Cambria Math"/>
-                          </a:rPr>
-                          <m:t>𝜽</m:t>
-                        </m:r>
-                      </m:e>
-                      <m:sub>
-                        <m:r>
-                          <a:rPr lang="en-US" b="1" i="0" smtClean="0">
-                            <a:solidFill>
-                              <a:schemeClr val="accent2">
-                                <a:lumMod val="50000"/>
-                              </a:schemeClr>
-                            </a:solidFill>
-                            <a:latin typeface="Cambria Math" panose="02040503050406030204" pitchFamily="18" charset="0"/>
-                            <a:ea typeface="Cambria Math"/>
-                          </a:rPr>
-                          <m:t>𝐢𝐧</m:t>
-                        </m:r>
-                      </m:sub>
-                    </m:sSub>
-                  </m:oMath>
-                </a14:m>
-                <a:r>
-                  <a:rPr lang="en-US" dirty="0"/>
-                  <a:t>: Throttle angle, i.e. environment input from driver</a:t>
-                </a:r>
-              </a:p>
-            </p:txBody>
-          </p:sp>
-        </mc:Choice>
-        <mc:Fallback xmlns="">
-          <p:sp>
-            <p:nvSpPr>
-              <p:cNvPr id="27" name="Rectangle 26">
-                <a:extLst>
-                  <a:ext uri="{FF2B5EF4-FFF2-40B4-BE49-F238E27FC236}">
-                    <a16:creationId xmlns:a16="http://schemas.microsoft.com/office/drawing/2014/main" id="{FECE2B0D-8840-4ACB-AAB5-523EC25DDA51}"/>
-                  </a:ext>
-                </a:extLst>
-              </p:cNvPr>
-              <p:cNvSpPr>
-                <a:spLocks noRot="1" noChangeAspect="1" noMove="1" noResize="1" noEditPoints="1" noAdjustHandles="1" noChangeArrowheads="1" noChangeShapeType="1" noTextEdit="1"/>
-              </p:cNvSpPr>
-              <p:nvPr/>
-            </p:nvSpPr>
-            <p:spPr>
-              <a:xfrm>
-                <a:off x="9627391" y="3277449"/>
-                <a:ext cx="2458720" cy="923330"/>
-              </a:xfrm>
-              <a:prstGeom prst="rect">
-                <a:avLst/>
-              </a:prstGeom>
-              <a:blipFill>
-                <a:blip r:embed="rId9"/>
-                <a:stretch>
-                  <a:fillRect l="-1980" t="-3974" r="-2723" b="-9934"/>
-                </a:stretch>
-              </a:blipFill>
-            </p:spPr>
-            <p:txBody>
-              <a:bodyPr/>
-              <a:lstStyle/>
-              <a:p>
-                <a:r>
-                  <a:rPr lang="en-US">
-                    <a:noFill/>
-                  </a:rPr>
-                  <a:t> </a:t>
-                </a:r>
-              </a:p>
-            </p:txBody>
-          </p:sp>
-        </mc:Fallback>
-      </mc:AlternateContent>
-    </p:spTree>
-    <p:extLst>
-      <p:ext uri="{BB962C8B-B14F-4D97-AF65-F5344CB8AC3E}">
-        <p14:creationId xmlns:p14="http://schemas.microsoft.com/office/powerpoint/2010/main" val="944674914"/>
-      </p:ext>
-    </p:extLst>
-  </p:cSld>
-  <p:clrMapOvr>
-    <a:masterClrMapping/>
-  </p:clrMapOvr>
-</p:sld>
-</file>
-
-<file path=ppt/slides/slide22.xml><?xml version="1.0" encoding="utf-8"?>
-<p:sld xmlns:a="http://schemas.openxmlformats.org/drawingml/2006/main" xmlns:r="http://schemas.openxmlformats.org/officeDocument/2006/relationships" xmlns:p="http://schemas.openxmlformats.org/presentationml/2006/main">
-  <p:cSld>
-    <p:spTree>
-      <p:nvGrpSpPr>
-        <p:cNvPr id="1" name=""/>
-        <p:cNvGrpSpPr/>
-        <p:nvPr/>
-      </p:nvGrpSpPr>
-      <p:grpSpPr>
-        <a:xfrm>
-          <a:off x="0" y="0"/>
-          <a:ext cx="0" cy="0"/>
-          <a:chOff x="0" y="0"/>
-          <a:chExt cx="0" cy="0"/>
-        </a:xfrm>
-      </p:grpSpPr>
-      <mc:AlternateContent xmlns:mc="http://schemas.openxmlformats.org/markup-compatibility/2006" xmlns:a14="http://schemas.microsoft.com/office/drawing/2010/main">
-        <mc:Choice Requires="a14">
-          <p:sp>
-            <p:nvSpPr>
-              <p:cNvPr id="2" name="Content Placeholder 1">
-                <a:extLst>
-                  <a:ext uri="{FF2B5EF4-FFF2-40B4-BE49-F238E27FC236}">
-                    <a16:creationId xmlns:a16="http://schemas.microsoft.com/office/drawing/2014/main" id="{769B8BC6-CE68-4C10-A6F5-8F362DBFD353}"/>
-                  </a:ext>
-                </a:extLst>
-              </p:cNvPr>
-              <p:cNvSpPr>
-                <a:spLocks noGrp="1"/>
-              </p:cNvSpPr>
-              <p:nvPr>
-                <p:ph idx="1"/>
-              </p:nvPr>
-            </p:nvSpPr>
-            <p:spPr>
-              <a:xfrm>
-                <a:off x="166680" y="1513840"/>
-                <a:ext cx="6843719" cy="3340897"/>
-              </a:xfrm>
-            </p:spPr>
-            <p:style>
-              <a:lnRef idx="2">
-                <a:schemeClr val="dk1"/>
-              </a:lnRef>
-              <a:fillRef idx="1">
-                <a:schemeClr val="lt1"/>
-              </a:fillRef>
-              <a:effectRef idx="0">
-                <a:schemeClr val="dk1"/>
-              </a:effectRef>
-              <a:fontRef idx="minor">
-                <a:schemeClr val="dk1"/>
-              </a:fontRef>
-            </p:style>
-            <p:txBody>
-              <a:bodyPr>
-                <a:normAutofit/>
-              </a:bodyPr>
-              <a:lstStyle/>
-              <a:p>
-                <a14:m>
-                  <m:oMath xmlns:m="http://schemas.openxmlformats.org/officeDocument/2006/math">
-                    <m:f>
-                      <m:fPr>
-                        <m:ctrlPr>
-                          <a:rPr lang="en-US" sz="1800" i="1">
-                            <a:solidFill>
-                              <a:srgbClr val="341806"/>
-                            </a:solidFill>
-                            <a:latin typeface="Cambria Math" panose="02040503050406030204" pitchFamily="18" charset="0"/>
-                          </a:rPr>
-                        </m:ctrlPr>
-                      </m:fPr>
-                      <m:num>
-                        <m:r>
-                          <a:rPr lang="en-US" sz="1800" i="1">
-                            <a:solidFill>
-                              <a:srgbClr val="341806"/>
-                            </a:solidFill>
-                            <a:latin typeface="Cambria Math"/>
-                          </a:rPr>
-                          <m:t>𝑑</m:t>
-                        </m:r>
-                        <m:r>
-                          <a:rPr lang="en-US" sz="1800" i="1">
-                            <a:solidFill>
-                              <a:srgbClr val="341806"/>
-                            </a:solidFill>
-                            <a:latin typeface="Cambria Math"/>
-                            <a:ea typeface="Cambria Math"/>
-                          </a:rPr>
-                          <m:t>𝜃</m:t>
-                        </m:r>
-                      </m:num>
-                      <m:den>
-                        <m:r>
-                          <a:rPr lang="en-US" sz="1800" i="1">
-                            <a:solidFill>
-                              <a:srgbClr val="341806"/>
-                            </a:solidFill>
-                            <a:latin typeface="Cambria Math"/>
-                          </a:rPr>
-                          <m:t>𝑑𝑡</m:t>
-                        </m:r>
-                      </m:den>
-                    </m:f>
-                    <m:r>
-                      <a:rPr lang="en-US" sz="1800" i="1">
-                        <a:solidFill>
-                          <a:srgbClr val="341806"/>
-                        </a:solidFill>
-                        <a:latin typeface="Cambria Math"/>
-                      </a:rPr>
-                      <m:t>=10(</m:t>
-                    </m:r>
-                    <m:sSub>
-                      <m:sSubPr>
-                        <m:ctrlPr>
-                          <a:rPr lang="en-US" sz="1800" i="1">
-                            <a:solidFill>
-                              <a:srgbClr val="341806"/>
-                            </a:solidFill>
-                            <a:latin typeface="Cambria Math" panose="02040503050406030204" pitchFamily="18" charset="0"/>
-                          </a:rPr>
-                        </m:ctrlPr>
-                      </m:sSubPr>
-                      <m:e>
-                        <m:r>
-                          <a:rPr lang="en-US" sz="1800" i="1">
-                            <a:solidFill>
-                              <a:srgbClr val="341806"/>
-                            </a:solidFill>
-                            <a:latin typeface="Cambria Math"/>
-                            <a:ea typeface="Cambria Math"/>
-                          </a:rPr>
-                          <m:t>𝜃</m:t>
-                        </m:r>
-                      </m:e>
-                      <m:sub>
-                        <m:r>
-                          <a:rPr lang="en-US" sz="1800" i="1">
-                            <a:solidFill>
-                              <a:srgbClr val="341806"/>
-                            </a:solidFill>
-                            <a:latin typeface="Cambria Math"/>
-                          </a:rPr>
-                          <m:t>𝑖𝑛</m:t>
-                        </m:r>
-                      </m:sub>
-                    </m:sSub>
-                    <m:r>
-                      <a:rPr lang="en-US" sz="1800" i="1">
-                        <a:solidFill>
-                          <a:srgbClr val="341806"/>
-                        </a:solidFill>
-                        <a:latin typeface="Cambria Math"/>
-                      </a:rPr>
-                      <m:t>−</m:t>
-                    </m:r>
-                    <m:r>
-                      <a:rPr lang="en-US" sz="1800" i="1">
-                        <a:solidFill>
-                          <a:srgbClr val="341806"/>
-                        </a:solidFill>
-                        <a:latin typeface="Cambria Math"/>
-                        <a:ea typeface="Cambria Math"/>
-                      </a:rPr>
-                      <m:t>𝜃</m:t>
-                    </m:r>
-                    <m:r>
-                      <a:rPr lang="en-US" sz="1800" i="1">
-                        <a:solidFill>
-                          <a:srgbClr val="341806"/>
-                        </a:solidFill>
-                        <a:latin typeface="Cambria Math"/>
-                      </a:rPr>
-                      <m:t>)</m:t>
-                    </m:r>
-                  </m:oMath>
-                </a14:m>
-                <a:endParaRPr lang="en-US" sz="1800" dirty="0"/>
-              </a:p>
-              <a:p>
-                <a14:m>
-                  <m:oMath xmlns:m="http://schemas.openxmlformats.org/officeDocument/2006/math">
-                    <m:f>
-                      <m:fPr>
-                        <m:ctrlPr>
-                          <a:rPr lang="en-US" sz="1800" i="1">
-                            <a:solidFill>
-                              <a:srgbClr val="341806"/>
-                            </a:solidFill>
-                            <a:latin typeface="Cambria Math" panose="02040503050406030204" pitchFamily="18" charset="0"/>
-                          </a:rPr>
-                        </m:ctrlPr>
-                      </m:fPr>
-                      <m:num>
-                        <m:r>
-                          <a:rPr lang="en-US" sz="1800" i="1">
-                            <a:solidFill>
-                              <a:srgbClr val="341806"/>
-                            </a:solidFill>
-                            <a:latin typeface="Cambria Math"/>
-                          </a:rPr>
-                          <m:t>𝑑𝑝</m:t>
-                        </m:r>
-                      </m:num>
-                      <m:den>
-                        <m:r>
-                          <a:rPr lang="en-US" sz="1800" i="1">
-                            <a:solidFill>
-                              <a:srgbClr val="341806"/>
-                            </a:solidFill>
-                            <a:latin typeface="Cambria Math"/>
-                          </a:rPr>
-                          <m:t>𝑑𝑡</m:t>
-                        </m:r>
-                      </m:den>
-                    </m:f>
-                    <m:r>
-                      <a:rPr lang="en-US" sz="1800" i="1">
-                        <a:solidFill>
-                          <a:srgbClr val="341806"/>
-                        </a:solidFill>
-                        <a:latin typeface="Cambria Math"/>
-                      </a:rPr>
-                      <m:t>=</m:t>
-                    </m:r>
-                    <m:sSub>
-                      <m:sSubPr>
-                        <m:ctrlPr>
-                          <a:rPr lang="en-US" sz="1800" i="1">
-                            <a:solidFill>
-                              <a:srgbClr val="341806"/>
-                            </a:solidFill>
-                            <a:latin typeface="Cambria Math" panose="02040503050406030204" pitchFamily="18" charset="0"/>
-                          </a:rPr>
-                        </m:ctrlPr>
-                      </m:sSubPr>
-                      <m:e>
-                        <m:r>
-                          <a:rPr lang="en-US" sz="1800" i="1">
-                            <a:solidFill>
-                              <a:srgbClr val="341806"/>
-                            </a:solidFill>
-                            <a:latin typeface="Cambria Math"/>
-                          </a:rPr>
-                          <m:t>𝑐</m:t>
-                        </m:r>
-                      </m:e>
-                      <m:sub>
-                        <m:r>
-                          <a:rPr lang="en-US" sz="1800" i="1">
-                            <a:solidFill>
-                              <a:srgbClr val="341806"/>
-                            </a:solidFill>
-                            <a:latin typeface="Cambria Math"/>
-                          </a:rPr>
-                          <m:t>1</m:t>
-                        </m:r>
-                      </m:sub>
-                    </m:sSub>
-                    <m:d>
-                      <m:dPr>
-                        <m:ctrlPr>
-                          <a:rPr lang="en-US" sz="1800" i="1">
-                            <a:solidFill>
-                              <a:srgbClr val="341806"/>
-                            </a:solidFill>
-                            <a:latin typeface="Cambria Math" panose="02040503050406030204" pitchFamily="18" charset="0"/>
-                          </a:rPr>
-                        </m:ctrlPr>
-                      </m:dPr>
-                      <m:e>
-                        <m:r>
-                          <a:rPr lang="en-US" sz="1800" i="1">
-                            <a:solidFill>
-                              <a:srgbClr val="341806"/>
-                            </a:solidFill>
-                            <a:latin typeface="Cambria Math"/>
-                          </a:rPr>
-                          <m:t>2</m:t>
-                        </m:r>
-                        <m:acc>
-                          <m:accPr>
-                            <m:chr m:val="̂"/>
-                            <m:ctrlPr>
-                              <a:rPr lang="en-US" sz="1800" i="1">
-                                <a:solidFill>
-                                  <a:srgbClr val="341806"/>
-                                </a:solidFill>
-                                <a:latin typeface="Cambria Math" panose="02040503050406030204" pitchFamily="18" charset="0"/>
-                              </a:rPr>
-                            </m:ctrlPr>
-                          </m:accPr>
-                          <m:e>
-                            <m:r>
-                              <a:rPr lang="en-US" sz="1800" i="1">
-                                <a:solidFill>
-                                  <a:srgbClr val="341806"/>
-                                </a:solidFill>
-                                <a:latin typeface="Cambria Math"/>
-                                <a:ea typeface="Cambria Math"/>
-                              </a:rPr>
-                              <m:t>𝜃</m:t>
-                            </m:r>
-                          </m:e>
-                        </m:acc>
-                        <m:rad>
-                          <m:radPr>
-                            <m:degHide m:val="on"/>
-                            <m:ctrlPr>
-                              <a:rPr lang="en-US" sz="1800" i="1">
-                                <a:solidFill>
-                                  <a:srgbClr val="341806"/>
-                                </a:solidFill>
-                                <a:latin typeface="Cambria Math" panose="02040503050406030204" pitchFamily="18" charset="0"/>
-                              </a:rPr>
-                            </m:ctrlPr>
-                          </m:radPr>
-                          <m:deg/>
-                          <m:e>
-                            <m:f>
-                              <m:fPr>
-                                <m:ctrlPr>
-                                  <a:rPr lang="en-US" sz="1800" i="1">
-                                    <a:solidFill>
-                                      <a:srgbClr val="341806"/>
-                                    </a:solidFill>
-                                    <a:latin typeface="Cambria Math" panose="02040503050406030204" pitchFamily="18" charset="0"/>
-                                  </a:rPr>
-                                </m:ctrlPr>
-                              </m:fPr>
-                              <m:num>
-                                <m:r>
-                                  <a:rPr lang="en-US" sz="1800" i="1">
-                                    <a:solidFill>
-                                      <a:srgbClr val="341806"/>
-                                    </a:solidFill>
-                                    <a:latin typeface="Cambria Math"/>
-                                  </a:rPr>
-                                  <m:t>𝑝</m:t>
-                                </m:r>
-                              </m:num>
-                              <m:den>
-                                <m:sSub>
-                                  <m:sSubPr>
-                                    <m:ctrlPr>
-                                      <a:rPr lang="en-US" sz="1800" i="1">
-                                        <a:solidFill>
-                                          <a:srgbClr val="341806"/>
-                                        </a:solidFill>
-                                        <a:latin typeface="Cambria Math" panose="02040503050406030204" pitchFamily="18" charset="0"/>
-                                      </a:rPr>
-                                    </m:ctrlPr>
-                                  </m:sSubPr>
-                                  <m:e>
-                                    <m:r>
-                                      <a:rPr lang="en-US" sz="1800" i="1">
-                                        <a:solidFill>
-                                          <a:srgbClr val="341806"/>
-                                        </a:solidFill>
-                                        <a:latin typeface="Cambria Math"/>
-                                      </a:rPr>
-                                      <m:t>𝑐</m:t>
-                                    </m:r>
-                                  </m:e>
-                                  <m:sub>
-                                    <m:r>
-                                      <a:rPr lang="en-US" sz="1800" i="1">
-                                        <a:solidFill>
-                                          <a:srgbClr val="341806"/>
-                                        </a:solidFill>
-                                        <a:latin typeface="Cambria Math"/>
-                                      </a:rPr>
-                                      <m:t>10</m:t>
-                                    </m:r>
-                                  </m:sub>
-                                </m:sSub>
-                              </m:den>
-                            </m:f>
-                            <m:r>
-                              <a:rPr lang="en-US" sz="1800" i="1">
-                                <a:solidFill>
-                                  <a:srgbClr val="341806"/>
-                                </a:solidFill>
-                                <a:latin typeface="Cambria Math"/>
-                              </a:rPr>
-                              <m:t>−</m:t>
-                            </m:r>
-                            <m:sSup>
-                              <m:sSupPr>
-                                <m:ctrlPr>
-                                  <a:rPr lang="en-US" sz="1800" i="1">
-                                    <a:solidFill>
-                                      <a:srgbClr val="341806"/>
-                                    </a:solidFill>
-                                    <a:latin typeface="Cambria Math" panose="02040503050406030204" pitchFamily="18" charset="0"/>
-                                  </a:rPr>
-                                </m:ctrlPr>
-                              </m:sSupPr>
-                              <m:e>
-                                <m:d>
-                                  <m:dPr>
-                                    <m:ctrlPr>
-                                      <a:rPr lang="en-US" sz="1800" i="1">
-                                        <a:solidFill>
-                                          <a:srgbClr val="341806"/>
-                                        </a:solidFill>
-                                        <a:latin typeface="Cambria Math" panose="02040503050406030204" pitchFamily="18" charset="0"/>
-                                      </a:rPr>
-                                    </m:ctrlPr>
-                                  </m:dPr>
-                                  <m:e>
-                                    <m:f>
-                                      <m:fPr>
-                                        <m:ctrlPr>
-                                          <a:rPr lang="en-US" sz="1800" i="1">
-                                            <a:solidFill>
-                                              <a:srgbClr val="341806"/>
-                                            </a:solidFill>
-                                            <a:latin typeface="Cambria Math" panose="02040503050406030204" pitchFamily="18" charset="0"/>
-                                          </a:rPr>
-                                        </m:ctrlPr>
-                                      </m:fPr>
-                                      <m:num>
-                                        <m:r>
-                                          <a:rPr lang="en-US" sz="1800" i="1">
-                                            <a:solidFill>
-                                              <a:srgbClr val="341806"/>
-                                            </a:solidFill>
-                                            <a:latin typeface="Cambria Math"/>
-                                          </a:rPr>
-                                          <m:t>𝑝</m:t>
-                                        </m:r>
-                                      </m:num>
-                                      <m:den>
-                                        <m:sSub>
-                                          <m:sSubPr>
-                                            <m:ctrlPr>
-                                              <a:rPr lang="en-US" sz="1800" i="1">
-                                                <a:solidFill>
-                                                  <a:srgbClr val="341806"/>
-                                                </a:solidFill>
-                                                <a:latin typeface="Cambria Math" panose="02040503050406030204" pitchFamily="18" charset="0"/>
-                                              </a:rPr>
-                                            </m:ctrlPr>
-                                          </m:sSubPr>
-                                          <m:e>
-                                            <m:r>
-                                              <a:rPr lang="en-US" sz="1800" i="1">
-                                                <a:solidFill>
-                                                  <a:srgbClr val="341806"/>
-                                                </a:solidFill>
-                                                <a:latin typeface="Cambria Math"/>
-                                              </a:rPr>
-                                              <m:t>𝑐</m:t>
-                                            </m:r>
-                                          </m:e>
-                                          <m:sub>
-                                            <m:r>
-                                              <a:rPr lang="en-US" sz="1800" i="1">
-                                                <a:solidFill>
-                                                  <a:srgbClr val="341806"/>
-                                                </a:solidFill>
-                                                <a:latin typeface="Cambria Math"/>
-                                              </a:rPr>
-                                              <m:t>10</m:t>
-                                            </m:r>
-                                          </m:sub>
-                                        </m:sSub>
-                                      </m:den>
-                                    </m:f>
-                                  </m:e>
-                                </m:d>
-                              </m:e>
-                              <m:sup>
-                                <m:r>
-                                  <a:rPr lang="en-US" sz="1800" i="1">
-                                    <a:solidFill>
-                                      <a:srgbClr val="341806"/>
-                                    </a:solidFill>
-                                    <a:latin typeface="Cambria Math"/>
-                                  </a:rPr>
-                                  <m:t>2</m:t>
-                                </m:r>
-                              </m:sup>
-                            </m:sSup>
-                          </m:e>
-                        </m:rad>
-                        <m:r>
-                          <a:rPr lang="en-US" sz="1800">
-                            <a:solidFill>
-                              <a:srgbClr val="341806"/>
-                            </a:solidFill>
-                            <a:latin typeface="Cambria Math"/>
-                          </a:rPr>
-                          <m:t> −</m:t>
-                        </m:r>
-                        <m:sSub>
-                          <m:sSubPr>
-                            <m:ctrlPr>
-                              <a:rPr lang="en-US" sz="1800" i="1">
-                                <a:solidFill>
-                                  <a:srgbClr val="341806"/>
-                                </a:solidFill>
-                                <a:latin typeface="Cambria Math" panose="02040503050406030204" pitchFamily="18" charset="0"/>
-                              </a:rPr>
-                            </m:ctrlPr>
-                          </m:sSubPr>
-                          <m:e>
-                            <m:r>
-                              <a:rPr lang="en-US" sz="1800" i="1">
-                                <a:solidFill>
-                                  <a:srgbClr val="341806"/>
-                                </a:solidFill>
-                                <a:latin typeface="Cambria Math"/>
-                              </a:rPr>
-                              <m:t>𝑐</m:t>
-                            </m:r>
-                          </m:e>
-                          <m:sub>
-                            <m:r>
-                              <a:rPr lang="en-US" sz="1800" i="1">
-                                <a:solidFill>
-                                  <a:srgbClr val="341806"/>
-                                </a:solidFill>
-                                <a:latin typeface="Cambria Math"/>
-                              </a:rPr>
-                              <m:t>12</m:t>
-                            </m:r>
-                          </m:sub>
-                        </m:sSub>
-                        <m:r>
-                          <a:rPr lang="en-US" sz="1800" i="1">
-                            <a:solidFill>
-                              <a:srgbClr val="341806"/>
-                            </a:solidFill>
-                            <a:latin typeface="Cambria Math"/>
-                          </a:rPr>
-                          <m:t>(</m:t>
-                        </m:r>
-                        <m:sSub>
-                          <m:sSubPr>
-                            <m:ctrlPr>
-                              <a:rPr lang="en-US" sz="1800" i="1">
-                                <a:solidFill>
-                                  <a:srgbClr val="341806"/>
-                                </a:solidFill>
-                                <a:latin typeface="Cambria Math" panose="02040503050406030204" pitchFamily="18" charset="0"/>
-                              </a:rPr>
-                            </m:ctrlPr>
-                          </m:sSubPr>
-                          <m:e>
-                            <m:r>
-                              <a:rPr lang="en-US" sz="1800" i="1">
-                                <a:solidFill>
-                                  <a:srgbClr val="341806"/>
-                                </a:solidFill>
-                                <a:latin typeface="Cambria Math"/>
-                              </a:rPr>
-                              <m:t>𝑐</m:t>
-                            </m:r>
-                          </m:e>
-                          <m:sub>
-                            <m:r>
-                              <a:rPr lang="en-US" sz="1800" i="1">
-                                <a:solidFill>
-                                  <a:srgbClr val="341806"/>
-                                </a:solidFill>
-                                <a:latin typeface="Cambria Math"/>
-                              </a:rPr>
-                              <m:t>2</m:t>
-                            </m:r>
-                          </m:sub>
-                        </m:sSub>
-                        <m:r>
-                          <a:rPr lang="en-US" sz="1800" i="1">
-                            <a:solidFill>
-                              <a:srgbClr val="341806"/>
-                            </a:solidFill>
-                            <a:latin typeface="Cambria Math"/>
-                          </a:rPr>
-                          <m:t>+</m:t>
-                        </m:r>
-                        <m:sSub>
-                          <m:sSubPr>
-                            <m:ctrlPr>
-                              <a:rPr lang="en-US" sz="1800" i="1">
-                                <a:solidFill>
-                                  <a:srgbClr val="341806"/>
-                                </a:solidFill>
-                                <a:latin typeface="Cambria Math" panose="02040503050406030204" pitchFamily="18" charset="0"/>
-                              </a:rPr>
-                            </m:ctrlPr>
-                          </m:sSubPr>
-                          <m:e>
-                            <m:r>
-                              <a:rPr lang="en-US" sz="1800" i="1">
-                                <a:solidFill>
-                                  <a:srgbClr val="341806"/>
-                                </a:solidFill>
-                                <a:latin typeface="Cambria Math"/>
-                              </a:rPr>
-                              <m:t>𝑐</m:t>
-                            </m:r>
-                          </m:e>
-                          <m:sub>
-                            <m:r>
-                              <a:rPr lang="en-US" sz="1800" i="1">
-                                <a:solidFill>
-                                  <a:srgbClr val="341806"/>
-                                </a:solidFill>
-                                <a:latin typeface="Cambria Math"/>
-                              </a:rPr>
-                              <m:t>3</m:t>
-                            </m:r>
-                          </m:sub>
-                        </m:sSub>
-                        <m:r>
-                          <a:rPr lang="en-US" sz="1800" i="1">
-                            <a:solidFill>
-                              <a:srgbClr val="341806"/>
-                            </a:solidFill>
-                            <a:latin typeface="Cambria Math"/>
-                            <a:ea typeface="Cambria Math"/>
-                          </a:rPr>
-                          <m:t>𝜔</m:t>
-                        </m:r>
-                        <m:r>
-                          <a:rPr lang="en-US" sz="1800" i="1">
-                            <a:solidFill>
-                              <a:srgbClr val="341806"/>
-                            </a:solidFill>
-                            <a:latin typeface="Cambria Math"/>
-                            <a:ea typeface="Cambria Math"/>
-                          </a:rPr>
-                          <m:t>𝑝</m:t>
-                        </m:r>
-                        <m:r>
-                          <a:rPr lang="en-US" sz="1800" i="1">
-                            <a:solidFill>
-                              <a:srgbClr val="341806"/>
-                            </a:solidFill>
-                            <a:latin typeface="Cambria Math"/>
-                            <a:ea typeface="Cambria Math"/>
-                          </a:rPr>
-                          <m:t>+</m:t>
-                        </m:r>
-                        <m:sSub>
-                          <m:sSubPr>
-                            <m:ctrlPr>
-                              <a:rPr lang="en-US" sz="1800" i="1">
-                                <a:solidFill>
-                                  <a:srgbClr val="341806"/>
-                                </a:solidFill>
-                                <a:latin typeface="Cambria Math" panose="02040503050406030204" pitchFamily="18" charset="0"/>
-                              </a:rPr>
-                            </m:ctrlPr>
-                          </m:sSubPr>
-                          <m:e>
-                            <m:r>
-                              <a:rPr lang="en-US" sz="1800" i="1">
-                                <a:solidFill>
-                                  <a:srgbClr val="341806"/>
-                                </a:solidFill>
-                                <a:latin typeface="Cambria Math"/>
-                              </a:rPr>
-                              <m:t>𝑐</m:t>
-                            </m:r>
-                          </m:e>
-                          <m:sub>
-                            <m:r>
-                              <a:rPr lang="en-US" sz="1800" i="1">
-                                <a:solidFill>
-                                  <a:srgbClr val="341806"/>
-                                </a:solidFill>
-                                <a:latin typeface="Cambria Math"/>
-                              </a:rPr>
-                              <m:t>4</m:t>
-                            </m:r>
-                          </m:sub>
-                        </m:sSub>
-                        <m:r>
-                          <a:rPr lang="en-US" sz="1800" i="1">
-                            <a:solidFill>
-                              <a:srgbClr val="341806"/>
-                            </a:solidFill>
-                            <a:latin typeface="Cambria Math"/>
-                            <a:ea typeface="Cambria Math"/>
-                          </a:rPr>
-                          <m:t>𝜔</m:t>
-                        </m:r>
-                        <m:sSup>
-                          <m:sSupPr>
-                            <m:ctrlPr>
-                              <a:rPr lang="en-US" sz="1800" i="1">
-                                <a:solidFill>
-                                  <a:srgbClr val="341806"/>
-                                </a:solidFill>
-                                <a:latin typeface="Cambria Math" panose="02040503050406030204" pitchFamily="18" charset="0"/>
-                                <a:ea typeface="Cambria Math"/>
-                              </a:rPr>
-                            </m:ctrlPr>
-                          </m:sSupPr>
-                          <m:e>
-                            <m:r>
-                              <a:rPr lang="en-US" sz="1800" i="1">
-                                <a:solidFill>
-                                  <a:srgbClr val="341806"/>
-                                </a:solidFill>
-                                <a:latin typeface="Cambria Math"/>
-                                <a:ea typeface="Cambria Math"/>
-                              </a:rPr>
-                              <m:t>𝑝</m:t>
-                            </m:r>
-                          </m:e>
-                          <m:sup>
-                            <m:r>
-                              <a:rPr lang="en-US" sz="1800" i="1">
-                                <a:solidFill>
-                                  <a:srgbClr val="341806"/>
-                                </a:solidFill>
-                                <a:latin typeface="Cambria Math"/>
-                                <a:ea typeface="Cambria Math"/>
-                              </a:rPr>
-                              <m:t>2</m:t>
-                            </m:r>
-                          </m:sup>
-                        </m:sSup>
-                        <m:sSub>
-                          <m:sSubPr>
-                            <m:ctrlPr>
-                              <a:rPr lang="en-US" sz="1800" i="1">
-                                <a:solidFill>
-                                  <a:srgbClr val="341806"/>
-                                </a:solidFill>
-                                <a:latin typeface="Cambria Math" panose="02040503050406030204" pitchFamily="18" charset="0"/>
-                              </a:rPr>
-                            </m:ctrlPr>
-                          </m:sSubPr>
-                          <m:e>
-                            <m:r>
-                              <a:rPr lang="en-US" sz="1800" i="1">
-                                <a:solidFill>
-                                  <a:srgbClr val="341806"/>
-                                </a:solidFill>
-                                <a:latin typeface="Cambria Math"/>
-                              </a:rPr>
-                              <m:t>+</m:t>
-                            </m:r>
-                            <m:r>
-                              <a:rPr lang="en-US" sz="1800" i="1">
-                                <a:solidFill>
-                                  <a:srgbClr val="341806"/>
-                                </a:solidFill>
-                                <a:latin typeface="Cambria Math"/>
-                              </a:rPr>
-                              <m:t>𝑐</m:t>
-                            </m:r>
-                          </m:e>
-                          <m:sub>
-                            <m:r>
-                              <a:rPr lang="en-US" sz="1800" i="1">
-                                <a:solidFill>
-                                  <a:srgbClr val="341806"/>
-                                </a:solidFill>
-                                <a:latin typeface="Cambria Math"/>
-                              </a:rPr>
-                              <m:t>1</m:t>
-                            </m:r>
-                          </m:sub>
-                        </m:sSub>
-                        <m:sSup>
-                          <m:sSupPr>
-                            <m:ctrlPr>
-                              <a:rPr lang="en-US" sz="1800" i="1">
-                                <a:solidFill>
-                                  <a:srgbClr val="341806"/>
-                                </a:solidFill>
-                                <a:latin typeface="Cambria Math" panose="02040503050406030204" pitchFamily="18" charset="0"/>
-                                <a:ea typeface="Cambria Math"/>
-                              </a:rPr>
-                            </m:ctrlPr>
-                          </m:sSupPr>
-                          <m:e>
-                            <m:r>
-                              <a:rPr lang="en-US" sz="1800" i="1">
-                                <a:solidFill>
-                                  <a:srgbClr val="341806"/>
-                                </a:solidFill>
-                                <a:latin typeface="Cambria Math"/>
-                                <a:ea typeface="Cambria Math"/>
-                              </a:rPr>
-                              <m:t>𝜔</m:t>
-                            </m:r>
-                          </m:e>
-                          <m:sup>
-                            <m:r>
-                              <a:rPr lang="en-US" sz="1800" i="1">
-                                <a:solidFill>
-                                  <a:srgbClr val="341806"/>
-                                </a:solidFill>
-                                <a:latin typeface="Cambria Math"/>
-                                <a:ea typeface="Cambria Math"/>
-                              </a:rPr>
-                              <m:t>2</m:t>
-                            </m:r>
-                          </m:sup>
-                        </m:sSup>
-                        <m:r>
-                          <a:rPr lang="en-US" sz="1800" i="1">
-                            <a:solidFill>
-                              <a:srgbClr val="341806"/>
-                            </a:solidFill>
-                            <a:latin typeface="Cambria Math"/>
-                            <a:ea typeface="Cambria Math"/>
-                          </a:rPr>
-                          <m:t>𝑝</m:t>
-                        </m:r>
-                        <m:r>
-                          <m:rPr>
-                            <m:nor/>
-                          </m:rPr>
-                          <a:rPr lang="en-US" sz="1800" dirty="0">
-                            <a:solidFill>
-                              <a:srgbClr val="341806"/>
-                            </a:solidFill>
-                          </a:rPr>
-                          <m:t> </m:t>
-                        </m:r>
-                      </m:e>
-                    </m:d>
-                  </m:oMath>
-                </a14:m>
-                <a:endParaRPr lang="en-US" sz="1800" dirty="0"/>
-              </a:p>
-              <a:p>
-                <a14:m>
-                  <m:oMath xmlns:m="http://schemas.openxmlformats.org/officeDocument/2006/math">
-                    <m:f>
-                      <m:fPr>
-                        <m:ctrlPr>
-                          <a:rPr lang="en-US" sz="1800" i="1">
-                            <a:solidFill>
-                              <a:srgbClr val="341806"/>
-                            </a:solidFill>
-                            <a:latin typeface="Cambria Math" panose="02040503050406030204" pitchFamily="18" charset="0"/>
-                          </a:rPr>
-                        </m:ctrlPr>
-                      </m:fPr>
-                      <m:num>
-                        <m:sSup>
-                          <m:sSupPr>
-                            <m:ctrlPr>
-                              <a:rPr lang="en-US" sz="1800" i="1">
-                                <a:solidFill>
-                                  <a:srgbClr val="341806"/>
-                                </a:solidFill>
-                                <a:latin typeface="Cambria Math" panose="02040503050406030204" pitchFamily="18" charset="0"/>
-                              </a:rPr>
-                            </m:ctrlPr>
-                          </m:sSupPr>
-                          <m:e>
-                            <m:r>
-                              <a:rPr lang="en-US" sz="1800" i="1">
-                                <a:solidFill>
-                                  <a:srgbClr val="341806"/>
-                                </a:solidFill>
-                                <a:latin typeface="Cambria Math"/>
-                              </a:rPr>
-                              <m:t>𝑑</m:t>
-                            </m:r>
-                          </m:e>
-                          <m:sup>
-                            <m:r>
-                              <a:rPr lang="en-US" sz="1800" i="1">
-                                <a:solidFill>
-                                  <a:srgbClr val="341806"/>
-                                </a:solidFill>
-                                <a:latin typeface="Cambria Math"/>
-                              </a:rPr>
-                              <m:t>2</m:t>
-                            </m:r>
-                          </m:sup>
-                        </m:sSup>
-                        <m:sSub>
-                          <m:sSubPr>
-                            <m:ctrlPr>
-                              <a:rPr lang="en-US" sz="1800" i="1">
-                                <a:solidFill>
-                                  <a:srgbClr val="341806"/>
-                                </a:solidFill>
-                                <a:latin typeface="Cambria Math" panose="02040503050406030204" pitchFamily="18" charset="0"/>
-                              </a:rPr>
-                            </m:ctrlPr>
-                          </m:sSubPr>
-                          <m:e>
-                            <m:r>
-                              <a:rPr lang="en-US" sz="1800" i="1">
-                                <a:solidFill>
-                                  <a:srgbClr val="341806"/>
-                                </a:solidFill>
-                                <a:latin typeface="Cambria Math"/>
-                                <a:sym typeface="Symbol"/>
-                              </a:rPr>
-                              <m:t></m:t>
-                            </m:r>
-                          </m:e>
-                          <m:sub>
-                            <m:r>
-                              <a:rPr lang="en-US" sz="1800" i="1">
-                                <a:solidFill>
-                                  <a:srgbClr val="341806"/>
-                                </a:solidFill>
-                                <a:latin typeface="Cambria Math"/>
-                              </a:rPr>
-                              <m:t>𝑚</m:t>
-                            </m:r>
-                          </m:sub>
-                        </m:sSub>
-                      </m:num>
-                      <m:den>
-                        <m:r>
-                          <a:rPr lang="en-US" sz="1800" i="1">
-                            <a:solidFill>
-                              <a:srgbClr val="341806"/>
-                            </a:solidFill>
-                            <a:latin typeface="Cambria Math"/>
-                          </a:rPr>
-                          <m:t>𝑑</m:t>
-                        </m:r>
-                        <m:sSup>
-                          <m:sSupPr>
-                            <m:ctrlPr>
-                              <a:rPr lang="en-US" sz="1800" i="1">
-                                <a:solidFill>
-                                  <a:srgbClr val="341806"/>
-                                </a:solidFill>
-                                <a:latin typeface="Cambria Math" panose="02040503050406030204" pitchFamily="18" charset="0"/>
-                              </a:rPr>
-                            </m:ctrlPr>
-                          </m:sSupPr>
-                          <m:e>
-                            <m:r>
-                              <a:rPr lang="en-US" sz="1800" i="1">
-                                <a:solidFill>
-                                  <a:srgbClr val="341806"/>
-                                </a:solidFill>
-                                <a:latin typeface="Cambria Math"/>
-                              </a:rPr>
-                              <m:t>𝑡</m:t>
-                            </m:r>
-                          </m:e>
-                          <m:sup>
-                            <m:r>
-                              <a:rPr lang="en-US" sz="1800" i="1">
-                                <a:solidFill>
-                                  <a:srgbClr val="341806"/>
-                                </a:solidFill>
-                                <a:latin typeface="Cambria Math"/>
-                              </a:rPr>
-                              <m:t>2</m:t>
-                            </m:r>
-                          </m:sup>
-                        </m:sSup>
-                      </m:den>
-                    </m:f>
-                    <m:r>
-                      <a:rPr lang="en-US" sz="1800" i="1">
-                        <a:solidFill>
-                          <a:srgbClr val="341806"/>
-                        </a:solidFill>
-                        <a:latin typeface="Cambria Math"/>
-                      </a:rPr>
-                      <m:t>= </m:t>
-                    </m:r>
-                    <m:f>
-                      <m:fPr>
-                        <m:ctrlPr>
-                          <a:rPr lang="en-US" sz="1800" i="1">
-                            <a:solidFill>
-                              <a:srgbClr val="341806"/>
-                            </a:solidFill>
-                            <a:latin typeface="Cambria Math" panose="02040503050406030204" pitchFamily="18" charset="0"/>
-                          </a:rPr>
-                        </m:ctrlPr>
-                      </m:fPr>
-                      <m:num>
-                        <m:r>
-                          <a:rPr lang="en-US" sz="1800" i="1">
-                            <a:solidFill>
-                              <a:srgbClr val="341806"/>
-                            </a:solidFill>
-                            <a:latin typeface="Cambria Math"/>
-                          </a:rPr>
-                          <m:t>1</m:t>
-                        </m:r>
-                      </m:num>
-                      <m:den>
-                        <m:r>
-                          <a:rPr lang="en-US" sz="1800" i="1">
-                            <a:solidFill>
-                              <a:srgbClr val="341806"/>
-                            </a:solidFill>
-                            <a:latin typeface="Cambria Math"/>
-                          </a:rPr>
-                          <m:t>0.002</m:t>
-                        </m:r>
-                      </m:den>
-                    </m:f>
-                    <m:d>
-                      <m:dPr>
-                        <m:ctrlPr>
-                          <a:rPr lang="en-US" sz="1800" i="1">
-                            <a:solidFill>
-                              <a:srgbClr val="341806"/>
-                            </a:solidFill>
-                            <a:latin typeface="Cambria Math" panose="02040503050406030204" pitchFamily="18" charset="0"/>
-                          </a:rPr>
-                        </m:ctrlPr>
-                      </m:dPr>
-                      <m:e>
-                        <m:r>
-                          <a:rPr lang="en-US" sz="1800" i="1">
-                            <a:solidFill>
-                              <a:srgbClr val="341806"/>
-                            </a:solidFill>
-                            <a:latin typeface="Cambria Math"/>
-                          </a:rPr>
-                          <m:t>−0.12</m:t>
-                        </m:r>
-                        <m:f>
-                          <m:fPr>
-                            <m:ctrlPr>
-                              <a:rPr lang="en-US" sz="1800" i="1">
-                                <a:solidFill>
-                                  <a:srgbClr val="341806"/>
-                                </a:solidFill>
-                                <a:latin typeface="Cambria Math" panose="02040503050406030204" pitchFamily="18" charset="0"/>
-                              </a:rPr>
-                            </m:ctrlPr>
-                          </m:fPr>
-                          <m:num>
-                            <m:r>
-                              <a:rPr lang="en-US" sz="1800" i="1">
-                                <a:solidFill>
-                                  <a:srgbClr val="341806"/>
-                                </a:solidFill>
-                                <a:latin typeface="Cambria Math"/>
-                              </a:rPr>
-                              <m:t>𝑑</m:t>
-                            </m:r>
-                            <m:sSub>
-                              <m:sSubPr>
-                                <m:ctrlPr>
-                                  <a:rPr lang="en-US" sz="1800" i="1">
-                                    <a:solidFill>
-                                      <a:srgbClr val="341806"/>
-                                    </a:solidFill>
-                                    <a:latin typeface="Cambria Math" panose="02040503050406030204" pitchFamily="18" charset="0"/>
-                                  </a:rPr>
-                                </m:ctrlPr>
-                              </m:sSubPr>
-                              <m:e>
-                                <m:r>
-                                  <a:rPr lang="en-US" sz="1800" i="1">
-                                    <a:solidFill>
-                                      <a:srgbClr val="341806"/>
-                                    </a:solidFill>
-                                    <a:latin typeface="Cambria Math"/>
-                                    <a:sym typeface="Symbol"/>
-                                  </a:rPr>
-                                  <m:t></m:t>
-                                </m:r>
-                              </m:e>
-                              <m:sub>
-                                <m:r>
-                                  <a:rPr lang="en-US" sz="1800" i="1">
-                                    <a:solidFill>
-                                      <a:srgbClr val="341806"/>
-                                    </a:solidFill>
-                                    <a:latin typeface="Cambria Math"/>
-                                  </a:rPr>
-                                  <m:t>𝑚</m:t>
-                                </m:r>
-                              </m:sub>
-                            </m:sSub>
-                          </m:num>
-                          <m:den>
-                            <m:r>
-                              <a:rPr lang="en-US" sz="1800" i="1">
-                                <a:solidFill>
-                                  <a:srgbClr val="341806"/>
-                                </a:solidFill>
-                                <a:latin typeface="Cambria Math"/>
-                              </a:rPr>
-                              <m:t>𝑑𝑡</m:t>
-                            </m:r>
-                          </m:den>
-                        </m:f>
-                        <m:r>
-                          <a:rPr lang="en-US" sz="1800" i="1">
-                            <a:solidFill>
-                              <a:srgbClr val="341806"/>
-                            </a:solidFill>
-                            <a:latin typeface="Cambria Math"/>
-                          </a:rPr>
-                          <m:t>−</m:t>
-                        </m:r>
-                        <m:sSub>
-                          <m:sSubPr>
-                            <m:ctrlPr>
-                              <a:rPr lang="en-US" sz="1800" i="1">
-                                <a:solidFill>
-                                  <a:srgbClr val="341806"/>
-                                </a:solidFill>
-                                <a:latin typeface="Cambria Math" panose="02040503050406030204" pitchFamily="18" charset="0"/>
-                              </a:rPr>
-                            </m:ctrlPr>
-                          </m:sSubPr>
-                          <m:e>
-                            <m:r>
-                              <a:rPr lang="en-US" sz="1800" i="1">
-                                <a:solidFill>
-                                  <a:srgbClr val="341806"/>
-                                </a:solidFill>
-                                <a:latin typeface="Cambria Math"/>
-                                <a:sym typeface="Symbol"/>
-                              </a:rPr>
-                              <m:t></m:t>
-                            </m:r>
-                          </m:e>
-                          <m:sub>
-                            <m:r>
-                              <a:rPr lang="en-US" sz="1800" i="1">
-                                <a:solidFill>
-                                  <a:srgbClr val="341806"/>
-                                </a:solidFill>
-                                <a:latin typeface="Cambria Math"/>
-                              </a:rPr>
-                              <m:t>𝑚</m:t>
-                            </m:r>
-                          </m:sub>
-                        </m:sSub>
-                        <m:d>
-                          <m:dPr>
-                            <m:ctrlPr>
-                              <a:rPr lang="en-US" sz="1800" i="1">
-                                <a:solidFill>
-                                  <a:srgbClr val="341806"/>
-                                </a:solidFill>
-                                <a:latin typeface="Cambria Math" panose="02040503050406030204" pitchFamily="18" charset="0"/>
-                              </a:rPr>
-                            </m:ctrlPr>
-                          </m:dPr>
-                          <m:e>
-                            <m:r>
-                              <a:rPr lang="en-US" sz="1800" i="1">
-                                <a:solidFill>
-                                  <a:srgbClr val="341806"/>
-                                </a:solidFill>
-                                <a:latin typeface="Cambria Math"/>
-                              </a:rPr>
-                              <m:t>𝑡</m:t>
-                            </m:r>
-                          </m:e>
-                        </m:d>
-                        <m:r>
-                          <a:rPr lang="en-US" sz="1800" i="1">
-                            <a:solidFill>
-                              <a:srgbClr val="341806"/>
-                            </a:solidFill>
-                            <a:latin typeface="Cambria Math"/>
-                          </a:rPr>
-                          <m:t>+</m:t>
-                        </m:r>
-                        <m:sSub>
-                          <m:sSubPr>
-                            <m:ctrlPr>
-                              <a:rPr lang="en-US" sz="1800" i="1">
-                                <a:solidFill>
-                                  <a:srgbClr val="341806"/>
-                                </a:solidFill>
-                                <a:latin typeface="Cambria Math" panose="02040503050406030204" pitchFamily="18" charset="0"/>
-                              </a:rPr>
-                            </m:ctrlPr>
-                          </m:sSubPr>
-                          <m:e>
-                            <m:r>
-                              <a:rPr lang="en-US" sz="1800" i="1">
-                                <a:solidFill>
-                                  <a:srgbClr val="341806"/>
-                                </a:solidFill>
-                                <a:latin typeface="Cambria Math"/>
-                                <a:sym typeface="Symbol"/>
-                              </a:rPr>
-                              <m:t></m:t>
-                            </m:r>
-                          </m:e>
-                          <m:sub>
-                            <m:r>
-                              <a:rPr lang="en-US" sz="1800" i="1">
-                                <a:solidFill>
-                                  <a:srgbClr val="341806"/>
-                                </a:solidFill>
-                                <a:latin typeface="Cambria Math"/>
-                                <a:sym typeface="Symbol"/>
-                              </a:rPr>
-                              <m:t>𝑐</m:t>
-                            </m:r>
-                          </m:sub>
-                        </m:sSub>
-                        <m:d>
-                          <m:dPr>
-                            <m:ctrlPr>
-                              <a:rPr lang="en-US" sz="1800" i="1">
-                                <a:solidFill>
-                                  <a:srgbClr val="341806"/>
-                                </a:solidFill>
-                                <a:latin typeface="Cambria Math" panose="02040503050406030204" pitchFamily="18" charset="0"/>
-                              </a:rPr>
-                            </m:ctrlPr>
-                          </m:dPr>
-                          <m:e>
-                            <m:r>
-                              <a:rPr lang="en-US" sz="1800" i="1">
-                                <a:solidFill>
-                                  <a:srgbClr val="341806"/>
-                                </a:solidFill>
-                                <a:latin typeface="Cambria Math"/>
-                              </a:rPr>
-                              <m:t>𝑡</m:t>
-                            </m:r>
-                            <m:r>
-                              <a:rPr lang="en-US" sz="1800" i="1">
-                                <a:solidFill>
-                                  <a:srgbClr val="341806"/>
-                                </a:solidFill>
-                                <a:latin typeface="Cambria Math"/>
-                              </a:rPr>
-                              <m:t>−∆(</m:t>
-                            </m:r>
-                            <m:sSub>
-                              <m:sSubPr>
-                                <m:ctrlPr>
-                                  <a:rPr lang="en-US" sz="1800" i="1">
-                                    <a:solidFill>
-                                      <a:srgbClr val="341806"/>
-                                    </a:solidFill>
-                                    <a:latin typeface="Cambria Math" panose="02040503050406030204" pitchFamily="18" charset="0"/>
-                                    <a:ea typeface="Cambria Math"/>
-                                  </a:rPr>
-                                </m:ctrlPr>
-                              </m:sSubPr>
-                              <m:e>
-                                <m:r>
-                                  <a:rPr lang="en-US" sz="1800" i="1">
-                                    <a:solidFill>
-                                      <a:srgbClr val="341806"/>
-                                    </a:solidFill>
-                                    <a:latin typeface="Cambria Math"/>
-                                    <a:ea typeface="Cambria Math"/>
-                                  </a:rPr>
-                                  <m:t>𝑚</m:t>
-                                </m:r>
-                              </m:e>
-                              <m:sub>
-                                <m:r>
-                                  <a:rPr lang="en-US" sz="1800" i="1">
-                                    <a:solidFill>
-                                      <a:srgbClr val="341806"/>
-                                    </a:solidFill>
-                                    <a:latin typeface="Cambria Math"/>
-                                    <a:ea typeface="Cambria Math"/>
-                                  </a:rPr>
-                                  <m:t>𝑐</m:t>
-                                </m:r>
-                              </m:sub>
-                            </m:sSub>
-                            <m:r>
-                              <a:rPr lang="en-US" sz="1800" i="1">
-                                <a:solidFill>
-                                  <a:srgbClr val="341806"/>
-                                </a:solidFill>
-                                <a:latin typeface="Cambria Math"/>
-                                <a:ea typeface="Cambria Math"/>
-                              </a:rPr>
-                              <m:t>, </m:t>
-                            </m:r>
-                            <m:r>
-                              <a:rPr lang="en-US" sz="1800" i="1">
-                                <a:solidFill>
-                                  <a:srgbClr val="341806"/>
-                                </a:solidFill>
-                                <a:latin typeface="Cambria Math"/>
-                                <a:ea typeface="Cambria Math"/>
-                              </a:rPr>
-                              <m:t>𝑛</m:t>
-                            </m:r>
-                            <m:r>
-                              <a:rPr lang="en-US" sz="1800" i="1">
-                                <a:solidFill>
-                                  <a:srgbClr val="341806"/>
-                                </a:solidFill>
-                                <a:latin typeface="Cambria Math"/>
-                                <a:ea typeface="Cambria Math"/>
-                              </a:rPr>
-                              <m:t>)</m:t>
-                            </m:r>
-                          </m:e>
-                        </m:d>
-                      </m:e>
-                    </m:d>
-                  </m:oMath>
-                </a14:m>
-                <a:endParaRPr lang="en-US" sz="1800" dirty="0"/>
-              </a:p>
-              <a:p>
-                <a14:m>
-                  <m:oMath xmlns:m="http://schemas.openxmlformats.org/officeDocument/2006/math">
-                    <m:acc>
-                      <m:accPr>
-                        <m:chr m:val="̇"/>
-                        <m:ctrlPr>
-                          <a:rPr lang="en-US" sz="1800" i="1">
-                            <a:solidFill>
-                              <a:srgbClr val="341806"/>
-                            </a:solidFill>
-                            <a:latin typeface="Cambria Math" panose="02040503050406030204" pitchFamily="18" charset="0"/>
-                          </a:rPr>
-                        </m:ctrlPr>
-                      </m:accPr>
-                      <m:e>
-                        <m:sSub>
-                          <m:sSubPr>
-                            <m:ctrlPr>
-                              <a:rPr lang="en-US" sz="1800" i="1">
-                                <a:solidFill>
-                                  <a:srgbClr val="341806"/>
-                                </a:solidFill>
-                                <a:latin typeface="Cambria Math" panose="02040503050406030204" pitchFamily="18" charset="0"/>
-                              </a:rPr>
-                            </m:ctrlPr>
-                          </m:sSubPr>
-                          <m:e>
-                            <m:r>
-                              <a:rPr lang="en-US" sz="1800" i="1">
-                                <a:solidFill>
-                                  <a:srgbClr val="341806"/>
-                                </a:solidFill>
-                                <a:latin typeface="Cambria Math"/>
-                              </a:rPr>
-                              <m:t>𝑚</m:t>
-                            </m:r>
-                          </m:e>
-                          <m:sub>
-                            <m:r>
-                              <a:rPr lang="en-US" sz="1800" i="1">
-                                <a:solidFill>
-                                  <a:srgbClr val="341806"/>
-                                </a:solidFill>
-                                <a:latin typeface="Cambria Math"/>
-                                <a:ea typeface="Cambria Math"/>
-                              </a:rPr>
-                              <m:t>𝜑</m:t>
-                            </m:r>
-                          </m:sub>
-                        </m:sSub>
-                      </m:e>
-                    </m:acc>
-                    <m:r>
-                      <a:rPr lang="en-US" sz="1800" i="1">
-                        <a:solidFill>
-                          <a:srgbClr val="341806"/>
-                        </a:solidFill>
-                        <a:latin typeface="Cambria Math"/>
-                      </a:rPr>
-                      <m:t>=</m:t>
-                    </m:r>
-                    <m:d>
-                      <m:dPr>
-                        <m:ctrlPr>
-                          <a:rPr lang="en-US" sz="1800" i="1">
-                            <a:solidFill>
-                              <a:srgbClr val="341806"/>
-                            </a:solidFill>
-                            <a:latin typeface="Cambria Math" panose="02040503050406030204" pitchFamily="18" charset="0"/>
-                          </a:rPr>
-                        </m:ctrlPr>
-                      </m:dPr>
-                      <m:e>
-                        <m:r>
-                          <a:rPr lang="en-US" sz="1800" i="1">
-                            <a:solidFill>
-                              <a:srgbClr val="341806"/>
-                            </a:solidFill>
-                            <a:latin typeface="Cambria Math"/>
-                          </a:rPr>
-                          <m:t>1 −</m:t>
-                        </m:r>
-                        <m:r>
-                          <a:rPr lang="en-US" sz="1800" i="1">
-                            <a:solidFill>
-                              <a:srgbClr val="341806"/>
-                            </a:solidFill>
-                            <a:latin typeface="Cambria Math" panose="02040503050406030204" pitchFamily="18" charset="0"/>
-                          </a:rPr>
-                          <m:t>𝜅</m:t>
-                        </m:r>
-                        <m:d>
-                          <m:dPr>
-                            <m:ctrlPr>
-                              <a:rPr lang="en-US" sz="1800" i="1">
-                                <a:solidFill>
-                                  <a:srgbClr val="341806"/>
-                                </a:solidFill>
-                                <a:latin typeface="Cambria Math" panose="02040503050406030204" pitchFamily="18" charset="0"/>
-                                <a:sym typeface="Symbol"/>
-                              </a:rPr>
-                            </m:ctrlPr>
-                          </m:dPr>
-                          <m:e>
-                            <m:r>
-                              <a:rPr lang="en-US" sz="1800" i="1">
-                                <a:solidFill>
-                                  <a:srgbClr val="341806"/>
-                                </a:solidFill>
-                                <a:latin typeface="Cambria Math"/>
-                                <a:sym typeface="Symbol"/>
-                              </a:rPr>
-                              <m:t>𝑛</m:t>
-                            </m:r>
-                            <m:r>
-                              <a:rPr lang="en-US" sz="1800" i="1">
-                                <a:solidFill>
-                                  <a:srgbClr val="341806"/>
-                                </a:solidFill>
-                                <a:latin typeface="Cambria Math"/>
-                                <a:sym typeface="Symbol"/>
-                              </a:rPr>
-                              <m:t>,</m:t>
-                            </m:r>
-                            <m:sSub>
-                              <m:sSubPr>
-                                <m:ctrlPr>
-                                  <a:rPr lang="en-US" sz="1800" i="1">
-                                    <a:solidFill>
-                                      <a:srgbClr val="341806"/>
-                                    </a:solidFill>
-                                    <a:latin typeface="Cambria Math" panose="02040503050406030204" pitchFamily="18" charset="0"/>
-                                    <a:sym typeface="Symbol"/>
-                                  </a:rPr>
-                                </m:ctrlPr>
-                              </m:sSubPr>
-                              <m:e>
-                                <m:r>
-                                  <a:rPr lang="en-US" sz="1800" i="1">
-                                    <a:solidFill>
-                                      <a:srgbClr val="341806"/>
-                                    </a:solidFill>
-                                    <a:latin typeface="Cambria Math"/>
-                                    <a:sym typeface="Symbol"/>
-                                  </a:rPr>
-                                  <m:t>𝑚</m:t>
-                                </m:r>
-                              </m:e>
-                              <m:sub>
-                                <m:r>
-                                  <a:rPr lang="en-US" sz="1800" i="1">
-                                    <a:solidFill>
-                                      <a:srgbClr val="341806"/>
-                                    </a:solidFill>
-                                    <a:latin typeface="Cambria Math"/>
-                                    <a:sym typeface="Symbol"/>
-                                  </a:rPr>
-                                  <m:t>𝑐</m:t>
-                                </m:r>
-                              </m:sub>
-                            </m:sSub>
-                          </m:e>
-                        </m:d>
-                      </m:e>
-                    </m:d>
-                    <m:acc>
-                      <m:accPr>
-                        <m:chr m:val="̇"/>
-                        <m:ctrlPr>
-                          <a:rPr lang="en-US" sz="1800" i="1">
-                            <a:solidFill>
-                              <a:srgbClr val="341806"/>
-                            </a:solidFill>
-                            <a:latin typeface="Cambria Math" panose="02040503050406030204" pitchFamily="18" charset="0"/>
-                            <a:sym typeface="Symbol"/>
-                          </a:rPr>
-                        </m:ctrlPr>
-                      </m:accPr>
-                      <m:e>
-                        <m:sSub>
-                          <m:sSubPr>
-                            <m:ctrlPr>
-                              <a:rPr lang="en-US" sz="1800" i="1">
-                                <a:solidFill>
-                                  <a:srgbClr val="341806"/>
-                                </a:solidFill>
-                                <a:latin typeface="Cambria Math" panose="02040503050406030204" pitchFamily="18" charset="0"/>
-                                <a:sym typeface="Symbol"/>
-                              </a:rPr>
-                            </m:ctrlPr>
-                          </m:sSubPr>
-                          <m:e>
-                            <m:r>
-                              <a:rPr lang="en-US" sz="1800" i="1">
-                                <a:solidFill>
-                                  <a:srgbClr val="341806"/>
-                                </a:solidFill>
-                                <a:latin typeface="Cambria Math"/>
-                                <a:sym typeface="Symbol"/>
-                              </a:rPr>
-                              <m:t>𝑚</m:t>
-                            </m:r>
-                          </m:e>
-                          <m:sub>
-                            <m:r>
-                              <a:rPr lang="en-US" sz="1800" i="1">
-                                <a:solidFill>
-                                  <a:srgbClr val="341806"/>
-                                </a:solidFill>
-                                <a:latin typeface="Cambria Math"/>
-                                <a:sym typeface="Symbol"/>
-                              </a:rPr>
-                              <m:t></m:t>
-                            </m:r>
-                          </m:sub>
-                        </m:sSub>
-                      </m:e>
-                    </m:acc>
-                    <m:r>
-                      <a:rPr lang="en-US" sz="1800" i="1">
-                        <a:solidFill>
-                          <a:srgbClr val="341806"/>
-                        </a:solidFill>
-                        <a:latin typeface="Cambria Math"/>
-                      </a:rPr>
-                      <m:t>+ </m:t>
-                    </m:r>
-                    <m:f>
-                      <m:fPr>
-                        <m:ctrlPr>
-                          <a:rPr lang="en-US" sz="1800" i="1">
-                            <a:solidFill>
-                              <a:srgbClr val="341806"/>
-                            </a:solidFill>
-                            <a:latin typeface="Cambria Math" panose="02040503050406030204" pitchFamily="18" charset="0"/>
-                          </a:rPr>
-                        </m:ctrlPr>
-                      </m:fPr>
-                      <m:num>
-                        <m:sSub>
-                          <m:sSubPr>
-                            <m:ctrlPr>
-                              <a:rPr lang="en-US" sz="1800" i="1">
-                                <a:solidFill>
-                                  <a:srgbClr val="341806"/>
-                                </a:solidFill>
-                                <a:latin typeface="Cambria Math" panose="02040503050406030204" pitchFamily="18" charset="0"/>
-                              </a:rPr>
-                            </m:ctrlPr>
-                          </m:sSubPr>
-                          <m:e>
-                            <m:r>
-                              <a:rPr lang="en-US" sz="1800" i="1">
-                                <a:solidFill>
-                                  <a:srgbClr val="341806"/>
-                                </a:solidFill>
-                                <a:latin typeface="Cambria Math"/>
-                              </a:rPr>
-                              <m:t>𝑚</m:t>
-                            </m:r>
-                          </m:e>
-                          <m:sub>
-                            <m:r>
-                              <a:rPr lang="en-US" sz="1800" i="1">
-                                <a:solidFill>
-                                  <a:srgbClr val="341806"/>
-                                </a:solidFill>
-                                <a:latin typeface="Cambria Math"/>
-                              </a:rPr>
-                              <m:t>𝑓</m:t>
-                            </m:r>
-                          </m:sub>
-                        </m:sSub>
-                      </m:num>
-                      <m:den>
-                        <m:r>
-                          <a:rPr lang="en-US" sz="1800" i="1">
-                            <a:solidFill>
-                              <a:srgbClr val="341806"/>
-                            </a:solidFill>
-                            <a:latin typeface="Cambria Math"/>
-                            <a:ea typeface="Cambria Math"/>
-                          </a:rPr>
-                          <m:t>𝜏</m:t>
-                        </m:r>
-                        <m:r>
-                          <a:rPr lang="en-US" sz="1800" i="1">
-                            <a:solidFill>
-                              <a:srgbClr val="341806"/>
-                            </a:solidFill>
-                            <a:latin typeface="Cambria Math"/>
-                            <a:ea typeface="Cambria Math"/>
-                          </a:rPr>
-                          <m:t>(</m:t>
-                        </m:r>
-                        <m:r>
-                          <a:rPr lang="en-US" sz="1800" i="1">
-                            <a:solidFill>
-                              <a:srgbClr val="341806"/>
-                            </a:solidFill>
-                            <a:latin typeface="Cambria Math"/>
-                            <a:ea typeface="Cambria Math"/>
-                          </a:rPr>
-                          <m:t>𝑛</m:t>
-                        </m:r>
-                        <m:r>
-                          <a:rPr lang="en-US" sz="1800" i="1">
-                            <a:solidFill>
-                              <a:srgbClr val="341806"/>
-                            </a:solidFill>
-                            <a:latin typeface="Cambria Math"/>
-                            <a:ea typeface="Cambria Math"/>
-                          </a:rPr>
-                          <m:t>, </m:t>
-                        </m:r>
-                        <m:sSub>
-                          <m:sSubPr>
-                            <m:ctrlPr>
-                              <a:rPr lang="en-US" sz="1800" i="1">
-                                <a:solidFill>
-                                  <a:srgbClr val="341806"/>
-                                </a:solidFill>
-                                <a:latin typeface="Cambria Math" panose="02040503050406030204" pitchFamily="18" charset="0"/>
-                                <a:ea typeface="Cambria Math"/>
-                              </a:rPr>
-                            </m:ctrlPr>
-                          </m:sSubPr>
-                          <m:e>
-                            <m:r>
-                              <a:rPr lang="en-US" sz="1800" i="1">
-                                <a:solidFill>
-                                  <a:srgbClr val="341806"/>
-                                </a:solidFill>
-                                <a:latin typeface="Cambria Math"/>
-                                <a:ea typeface="Cambria Math"/>
-                              </a:rPr>
-                              <m:t>𝑚</m:t>
-                            </m:r>
-                          </m:e>
-                          <m:sub>
-                            <m:r>
-                              <a:rPr lang="en-US" sz="1800" i="1">
-                                <a:solidFill>
-                                  <a:srgbClr val="341806"/>
-                                </a:solidFill>
-                                <a:latin typeface="Cambria Math"/>
-                                <a:ea typeface="Cambria Math"/>
-                              </a:rPr>
-                              <m:t>𝑐</m:t>
-                            </m:r>
-                          </m:sub>
-                        </m:sSub>
-                        <m:r>
-                          <a:rPr lang="en-US" sz="1800" i="1">
-                            <a:solidFill>
-                              <a:srgbClr val="341806"/>
-                            </a:solidFill>
-                            <a:latin typeface="Cambria Math"/>
-                            <a:ea typeface="Cambria Math"/>
-                          </a:rPr>
-                          <m:t>)</m:t>
-                        </m:r>
-                      </m:den>
-                    </m:f>
-                  </m:oMath>
-                </a14:m>
-                <a:endParaRPr lang="en-US" sz="1800" dirty="0">
-                  <a:solidFill>
-                    <a:srgbClr val="341806"/>
-                  </a:solidFill>
-                </a:endParaRPr>
-              </a:p>
-              <a:p>
-                <a14:m>
-                  <m:oMath xmlns:m="http://schemas.openxmlformats.org/officeDocument/2006/math">
-                    <m:f>
-                      <m:fPr>
-                        <m:ctrlPr>
-                          <a:rPr lang="en-US" sz="1800" i="1">
-                            <a:solidFill>
-                              <a:srgbClr val="341806"/>
-                            </a:solidFill>
-                            <a:latin typeface="Cambria Math" panose="02040503050406030204" pitchFamily="18" charset="0"/>
-                          </a:rPr>
-                        </m:ctrlPr>
-                      </m:fPr>
-                      <m:num>
-                        <m:r>
-                          <a:rPr lang="en-US" sz="1800" i="1">
-                            <a:solidFill>
-                              <a:srgbClr val="341806"/>
-                            </a:solidFill>
-                            <a:latin typeface="Cambria Math"/>
-                          </a:rPr>
-                          <m:t>𝑑</m:t>
-                        </m:r>
-                        <m:sSub>
-                          <m:sSubPr>
-                            <m:ctrlPr>
-                              <a:rPr lang="en-US" sz="1800" i="1">
-                                <a:solidFill>
-                                  <a:srgbClr val="341806"/>
-                                </a:solidFill>
-                                <a:latin typeface="Cambria Math" panose="02040503050406030204" pitchFamily="18" charset="0"/>
-                              </a:rPr>
-                            </m:ctrlPr>
-                          </m:sSubPr>
-                          <m:e>
-                            <m:r>
-                              <a:rPr lang="en-US" sz="1800" i="1">
-                                <a:solidFill>
-                                  <a:srgbClr val="341806"/>
-                                </a:solidFill>
-                                <a:latin typeface="Cambria Math"/>
-                              </a:rPr>
-                              <m:t>𝑚</m:t>
-                            </m:r>
-                          </m:e>
-                          <m:sub>
-                            <m:r>
-                              <a:rPr lang="en-US" sz="1800" i="1">
-                                <a:solidFill>
-                                  <a:srgbClr val="341806"/>
-                                </a:solidFill>
-                                <a:latin typeface="Cambria Math"/>
-                              </a:rPr>
-                              <m:t>𝑓</m:t>
-                            </m:r>
-                          </m:sub>
-                        </m:sSub>
-                      </m:num>
-                      <m:den>
-                        <m:r>
-                          <a:rPr lang="en-US" sz="1800" i="1">
-                            <a:solidFill>
-                              <a:srgbClr val="341806"/>
-                            </a:solidFill>
-                            <a:latin typeface="Cambria Math"/>
-                          </a:rPr>
-                          <m:t>𝑑𝑡</m:t>
-                        </m:r>
-                      </m:den>
-                    </m:f>
-                    <m:r>
-                      <a:rPr lang="en-US" sz="1800" i="1">
-                        <a:solidFill>
-                          <a:srgbClr val="341806"/>
-                        </a:solidFill>
-                        <a:latin typeface="Cambria Math"/>
-                      </a:rPr>
-                      <m:t>=</m:t>
-                    </m:r>
-                    <m:r>
-                      <a:rPr lang="en-US" sz="1800" i="1">
-                        <a:solidFill>
-                          <a:srgbClr val="341806"/>
-                        </a:solidFill>
-                        <a:latin typeface="Cambria Math" panose="02040503050406030204" pitchFamily="18" charset="0"/>
-                      </a:rPr>
-                      <m:t>𝜅</m:t>
-                    </m:r>
-                    <m:d>
-                      <m:dPr>
-                        <m:ctrlPr>
-                          <a:rPr lang="en-US" sz="1800" i="1">
-                            <a:solidFill>
-                              <a:srgbClr val="341806"/>
-                            </a:solidFill>
-                            <a:latin typeface="Cambria Math" panose="02040503050406030204" pitchFamily="18" charset="0"/>
-                            <a:sym typeface="Symbol"/>
-                          </a:rPr>
-                        </m:ctrlPr>
-                      </m:dPr>
-                      <m:e>
-                        <m:r>
-                          <a:rPr lang="en-US" sz="1800" i="1">
-                            <a:solidFill>
-                              <a:srgbClr val="341806"/>
-                            </a:solidFill>
-                            <a:latin typeface="Cambria Math"/>
-                            <a:sym typeface="Symbol"/>
-                          </a:rPr>
-                          <m:t>𝑛</m:t>
-                        </m:r>
-                        <m:r>
-                          <a:rPr lang="en-US" sz="1800" i="1">
-                            <a:solidFill>
-                              <a:srgbClr val="341806"/>
-                            </a:solidFill>
-                            <a:latin typeface="Cambria Math"/>
-                            <a:sym typeface="Symbol"/>
-                          </a:rPr>
-                          <m:t>,</m:t>
-                        </m:r>
-                        <m:sSub>
-                          <m:sSubPr>
-                            <m:ctrlPr>
-                              <a:rPr lang="en-US" sz="1800" i="1">
-                                <a:solidFill>
-                                  <a:srgbClr val="341806"/>
-                                </a:solidFill>
-                                <a:latin typeface="Cambria Math" panose="02040503050406030204" pitchFamily="18" charset="0"/>
-                                <a:sym typeface="Symbol"/>
-                              </a:rPr>
-                            </m:ctrlPr>
-                          </m:sSubPr>
-                          <m:e>
-                            <m:r>
-                              <a:rPr lang="en-US" sz="1800" i="1">
-                                <a:solidFill>
-                                  <a:srgbClr val="341806"/>
-                                </a:solidFill>
-                                <a:latin typeface="Cambria Math"/>
-                                <a:sym typeface="Symbol"/>
-                              </a:rPr>
-                              <m:t>𝑚</m:t>
-                            </m:r>
-                          </m:e>
-                          <m:sub>
-                            <m:r>
-                              <a:rPr lang="en-US" sz="1800" i="1">
-                                <a:solidFill>
-                                  <a:srgbClr val="341806"/>
-                                </a:solidFill>
-                                <a:latin typeface="Cambria Math"/>
-                                <a:sym typeface="Symbol"/>
-                              </a:rPr>
-                              <m:t>𝑐</m:t>
-                            </m:r>
-                          </m:sub>
-                        </m:sSub>
-                      </m:e>
-                    </m:d>
-                    <m:acc>
-                      <m:accPr>
-                        <m:chr m:val="̇"/>
-                        <m:ctrlPr>
-                          <a:rPr lang="en-US" sz="1800" i="1">
-                            <a:solidFill>
-                              <a:srgbClr val="341806"/>
-                            </a:solidFill>
-                            <a:latin typeface="Cambria Math" panose="02040503050406030204" pitchFamily="18" charset="0"/>
-                            <a:sym typeface="Symbol"/>
-                          </a:rPr>
-                        </m:ctrlPr>
-                      </m:accPr>
-                      <m:e>
-                        <m:sSub>
-                          <m:sSubPr>
-                            <m:ctrlPr>
-                              <a:rPr lang="en-US" sz="1800" i="1">
-                                <a:solidFill>
-                                  <a:srgbClr val="341806"/>
-                                </a:solidFill>
-                                <a:latin typeface="Cambria Math" panose="02040503050406030204" pitchFamily="18" charset="0"/>
-                                <a:sym typeface="Symbol"/>
-                              </a:rPr>
-                            </m:ctrlPr>
-                          </m:sSubPr>
-                          <m:e>
-                            <m:r>
-                              <a:rPr lang="en-US" sz="1800" i="1">
-                                <a:solidFill>
-                                  <a:srgbClr val="341806"/>
-                                </a:solidFill>
-                                <a:latin typeface="Cambria Math"/>
-                                <a:sym typeface="Symbol"/>
-                              </a:rPr>
-                              <m:t>𝑚</m:t>
-                            </m:r>
-                          </m:e>
-                          <m:sub>
-                            <m:r>
-                              <a:rPr lang="en-US" sz="1800" i="1">
-                                <a:solidFill>
-                                  <a:srgbClr val="341806"/>
-                                </a:solidFill>
-                                <a:latin typeface="Cambria Math"/>
-                                <a:sym typeface="Symbol"/>
-                              </a:rPr>
-                              <m:t></m:t>
-                            </m:r>
-                          </m:sub>
-                        </m:sSub>
-                      </m:e>
-                    </m:acc>
-                    <m:r>
-                      <a:rPr lang="en-US" sz="1800" i="1">
-                        <a:solidFill>
-                          <a:srgbClr val="341806"/>
-                        </a:solidFill>
-                        <a:latin typeface="Cambria Math"/>
-                      </a:rPr>
-                      <m:t>−</m:t>
-                    </m:r>
-                    <m:f>
-                      <m:fPr>
-                        <m:ctrlPr>
-                          <a:rPr lang="en-US" sz="1800" i="1">
-                            <a:solidFill>
-                              <a:srgbClr val="341806"/>
-                            </a:solidFill>
-                            <a:latin typeface="Cambria Math" panose="02040503050406030204" pitchFamily="18" charset="0"/>
-                          </a:rPr>
-                        </m:ctrlPr>
-                      </m:fPr>
-                      <m:num>
-                        <m:sSub>
-                          <m:sSubPr>
-                            <m:ctrlPr>
-                              <a:rPr lang="en-US" sz="1800" i="1">
-                                <a:solidFill>
-                                  <a:srgbClr val="341806"/>
-                                </a:solidFill>
-                                <a:latin typeface="Cambria Math" panose="02040503050406030204" pitchFamily="18" charset="0"/>
-                              </a:rPr>
-                            </m:ctrlPr>
-                          </m:sSubPr>
-                          <m:e>
-                            <m:r>
-                              <a:rPr lang="en-US" sz="1800" i="1">
-                                <a:solidFill>
-                                  <a:srgbClr val="341806"/>
-                                </a:solidFill>
-                                <a:latin typeface="Cambria Math"/>
-                              </a:rPr>
-                              <m:t>𝑚</m:t>
-                            </m:r>
-                          </m:e>
-                          <m:sub>
-                            <m:r>
-                              <a:rPr lang="en-US" sz="1800" i="1">
-                                <a:solidFill>
-                                  <a:srgbClr val="341806"/>
-                                </a:solidFill>
-                                <a:latin typeface="Cambria Math"/>
-                              </a:rPr>
-                              <m:t>𝑓</m:t>
-                            </m:r>
-                          </m:sub>
-                        </m:sSub>
-                      </m:num>
-                      <m:den>
-                        <m:r>
-                          <a:rPr lang="en-US" sz="1800" i="1">
-                            <a:solidFill>
-                              <a:srgbClr val="341806"/>
-                            </a:solidFill>
-                            <a:latin typeface="Cambria Math"/>
-                            <a:ea typeface="Cambria Math"/>
-                          </a:rPr>
-                          <m:t>𝜏</m:t>
-                        </m:r>
-                        <m:r>
-                          <a:rPr lang="en-US" sz="1800" i="1">
-                            <a:solidFill>
-                              <a:srgbClr val="341806"/>
-                            </a:solidFill>
-                            <a:latin typeface="Cambria Math"/>
-                            <a:ea typeface="Cambria Math"/>
-                          </a:rPr>
-                          <m:t>(</m:t>
-                        </m:r>
-                        <m:r>
-                          <a:rPr lang="en-US" sz="1800" i="1">
-                            <a:solidFill>
-                              <a:srgbClr val="341806"/>
-                            </a:solidFill>
-                            <a:latin typeface="Cambria Math"/>
-                            <a:ea typeface="Cambria Math"/>
-                          </a:rPr>
-                          <m:t>𝑛</m:t>
-                        </m:r>
-                        <m:r>
-                          <a:rPr lang="en-US" sz="1800" i="1">
-                            <a:solidFill>
-                              <a:srgbClr val="341806"/>
-                            </a:solidFill>
-                            <a:latin typeface="Cambria Math"/>
-                            <a:ea typeface="Cambria Math"/>
-                          </a:rPr>
-                          <m:t>, </m:t>
-                        </m:r>
-                        <m:sSub>
-                          <m:sSubPr>
-                            <m:ctrlPr>
-                              <a:rPr lang="en-US" sz="1800" i="1">
-                                <a:solidFill>
-                                  <a:srgbClr val="341806"/>
-                                </a:solidFill>
-                                <a:latin typeface="Cambria Math" panose="02040503050406030204" pitchFamily="18" charset="0"/>
-                                <a:ea typeface="Cambria Math"/>
-                              </a:rPr>
-                            </m:ctrlPr>
-                          </m:sSubPr>
-                          <m:e>
-                            <m:r>
-                              <a:rPr lang="en-US" sz="1800" i="1">
-                                <a:solidFill>
-                                  <a:srgbClr val="341806"/>
-                                </a:solidFill>
-                                <a:latin typeface="Cambria Math"/>
-                                <a:ea typeface="Cambria Math"/>
-                              </a:rPr>
-                              <m:t>𝑚</m:t>
-                            </m:r>
-                          </m:e>
-                          <m:sub>
-                            <m:r>
-                              <a:rPr lang="en-US" sz="1800" i="1">
-                                <a:solidFill>
-                                  <a:srgbClr val="341806"/>
-                                </a:solidFill>
-                                <a:latin typeface="Cambria Math"/>
-                                <a:ea typeface="Cambria Math"/>
-                              </a:rPr>
-                              <m:t>𝑐</m:t>
-                            </m:r>
-                          </m:sub>
-                        </m:sSub>
-                        <m:r>
-                          <a:rPr lang="en-US" sz="1800" i="1">
-                            <a:solidFill>
-                              <a:srgbClr val="341806"/>
-                            </a:solidFill>
-                            <a:latin typeface="Cambria Math"/>
-                            <a:ea typeface="Cambria Math"/>
-                          </a:rPr>
-                          <m:t>)</m:t>
-                        </m:r>
-                      </m:den>
-                    </m:f>
-                  </m:oMath>
-                </a14:m>
-                <a:endParaRPr lang="en-US" sz="1800" dirty="0">
-                  <a:solidFill>
-                    <a:srgbClr val="341806"/>
-                  </a:solidFill>
-                </a:endParaRPr>
-              </a:p>
-              <a:p>
-                <a:pPr marL="0" indent="0">
-                  <a:buNone/>
-                </a:pPr>
-                <a:endParaRPr lang="en-US" sz="1800" dirty="0"/>
-              </a:p>
-            </p:txBody>
-          </p:sp>
-        </mc:Choice>
-        <mc:Fallback xmlns="">
-          <p:sp>
-            <p:nvSpPr>
-              <p:cNvPr id="2" name="Content Placeholder 1">
-                <a:extLst>
-                  <a:ext uri="{FF2B5EF4-FFF2-40B4-BE49-F238E27FC236}">
-                    <a16:creationId xmlns:a16="http://schemas.microsoft.com/office/drawing/2014/main" id="{769B8BC6-CE68-4C10-A6F5-8F362DBFD353}"/>
-                  </a:ext>
-                </a:extLst>
-              </p:cNvPr>
-              <p:cNvSpPr>
-                <a:spLocks noGrp="1" noRot="1" noChangeAspect="1" noMove="1" noResize="1" noEditPoints="1" noAdjustHandles="1" noChangeArrowheads="1" noChangeShapeType="1" noTextEdit="1"/>
-              </p:cNvSpPr>
-              <p:nvPr>
-                <p:ph idx="1"/>
-              </p:nvPr>
-            </p:nvSpPr>
-            <p:spPr>
-              <a:xfrm>
-                <a:off x="166680" y="1513840"/>
-                <a:ext cx="6843719" cy="3340897"/>
-              </a:xfrm>
-              <a:blipFill>
-                <a:blip r:embed="rId2"/>
-                <a:stretch>
-                  <a:fillRect l="-89"/>
-                </a:stretch>
-              </a:blipFill>
-            </p:spPr>
-            <p:txBody>
-              <a:bodyPr/>
-              <a:lstStyle/>
-              <a:p>
-                <a:r>
-                  <a:rPr lang="en-US">
-                    <a:noFill/>
-                  </a:rPr>
-                  <a:t> </a:t>
-                </a:r>
-              </a:p>
-            </p:txBody>
-          </p:sp>
-        </mc:Fallback>
-      </mc:AlternateContent>
-      <p:sp>
-        <p:nvSpPr>
-          <p:cNvPr id="3" name="Title 2">
-            <a:extLst>
-              <a:ext uri="{FF2B5EF4-FFF2-40B4-BE49-F238E27FC236}">
-                <a16:creationId xmlns:a16="http://schemas.microsoft.com/office/drawing/2014/main" id="{4BD930B3-16DB-43C8-A3D3-4CD3BAAB75AB}"/>
-              </a:ext>
-            </a:extLst>
-          </p:cNvPr>
-          <p:cNvSpPr>
-            <a:spLocks noGrp="1"/>
-          </p:cNvSpPr>
-          <p:nvPr>
-            <p:ph type="title"/>
-          </p:nvPr>
-        </p:nvSpPr>
-        <p:spPr>
-          <a:xfrm>
-            <a:off x="166680" y="430374"/>
-            <a:ext cx="10920419" cy="778828"/>
-          </a:xfrm>
-        </p:spPr>
-        <p:txBody>
-          <a:bodyPr/>
-          <a:lstStyle/>
-          <a:p>
-            <a:r>
-              <a:rPr lang="en-US" dirty="0"/>
-              <a:t>Plant: Modeled as Differential Equations</a:t>
-            </a:r>
-          </a:p>
-        </p:txBody>
-      </p:sp>
-      <p:sp>
-        <p:nvSpPr>
-          <p:cNvPr id="4" name="Slide Number Placeholder 3">
-            <a:extLst>
-              <a:ext uri="{FF2B5EF4-FFF2-40B4-BE49-F238E27FC236}">
-                <a16:creationId xmlns:a16="http://schemas.microsoft.com/office/drawing/2014/main" id="{5B3AB4E7-7B34-488B-97AC-862C6A704198}"/>
-              </a:ext>
-            </a:extLst>
-          </p:cNvPr>
-          <p:cNvSpPr>
-            <a:spLocks noGrp="1"/>
-          </p:cNvSpPr>
-          <p:nvPr>
-            <p:ph type="sldNum" sz="quarter" idx="12"/>
-          </p:nvPr>
-        </p:nvSpPr>
-        <p:spPr/>
-        <p:txBody>
-          <a:bodyPr/>
-          <a:lstStyle/>
-          <a:p>
-            <a:fld id="{29AAD378-655A-49C6-813C-9FD132EF7440}" type="slidenum">
-              <a:rPr lang="en-US" smtClean="0"/>
-              <a:pPr/>
-              <a:t>22</a:t>
-            </a:fld>
-            <a:endParaRPr lang="en-US"/>
-          </a:p>
-        </p:txBody>
-      </p:sp>
-      <mc:AlternateContent xmlns:mc="http://schemas.openxmlformats.org/markup-compatibility/2006" xmlns:a14="http://schemas.microsoft.com/office/drawing/2010/main">
-        <mc:Choice Requires="a14">
-          <p:sp>
-            <p:nvSpPr>
-              <p:cNvPr id="21" name="TextBox 20">
-                <a:extLst>
-                  <a:ext uri="{FF2B5EF4-FFF2-40B4-BE49-F238E27FC236}">
-                    <a16:creationId xmlns:a16="http://schemas.microsoft.com/office/drawing/2014/main" id="{C61BC981-FC73-4C2E-8026-E9FFFB94B852}"/>
-                  </a:ext>
-                </a:extLst>
-              </p:cNvPr>
-              <p:cNvSpPr txBox="1"/>
-              <p:nvPr/>
-            </p:nvSpPr>
-            <p:spPr>
-              <a:xfrm>
-                <a:off x="7177080" y="1838258"/>
-                <a:ext cx="4848240" cy="3449214"/>
-              </a:xfrm>
-              <a:prstGeom prst="rect">
-                <a:avLst/>
-              </a:prstGeom>
-              <a:noFill/>
-            </p:spPr>
-            <p:txBody>
-              <a:bodyPr wrap="square" rtlCol="0">
-                <a:spAutoFit/>
-              </a:bodyPr>
-              <a:lstStyle/>
-              <a:p>
-                <a14:m>
-                  <m:oMath xmlns:m="http://schemas.openxmlformats.org/officeDocument/2006/math">
-                    <m:r>
-                      <a:rPr lang="en-US" sz="2400" b="0" i="1" smtClean="0">
-                        <a:latin typeface="Cambria Math" panose="02040503050406030204" pitchFamily="18" charset="0"/>
-                      </a:rPr>
-                      <m:t>𝜃</m:t>
-                    </m:r>
-                    <m:r>
-                      <a:rPr lang="en-US" sz="2400" b="0" i="1" smtClean="0">
-                        <a:latin typeface="Cambria Math" panose="02040503050406030204" pitchFamily="18" charset="0"/>
-                      </a:rPr>
-                      <m:t>,</m:t>
-                    </m:r>
-                    <m:r>
-                      <a:rPr lang="en-US" sz="2400" b="0" i="1" smtClean="0">
-                        <a:latin typeface="Cambria Math" panose="02040503050406030204" pitchFamily="18" charset="0"/>
-                      </a:rPr>
-                      <m:t>𝑝</m:t>
-                    </m:r>
-                    <m:r>
-                      <a:rPr lang="en-US" sz="2400" b="0" i="1" smtClean="0">
-                        <a:latin typeface="Cambria Math" panose="02040503050406030204" pitchFamily="18" charset="0"/>
-                      </a:rPr>
-                      <m:t>,</m:t>
-                    </m:r>
-                    <m:sSub>
-                      <m:sSubPr>
-                        <m:ctrlPr>
-                          <a:rPr lang="en-US" sz="2400" b="0" i="1" smtClean="0">
-                            <a:latin typeface="Cambria Math" panose="02040503050406030204" pitchFamily="18" charset="0"/>
-                          </a:rPr>
-                        </m:ctrlPr>
-                      </m:sSubPr>
-                      <m:e>
-                        <m:r>
-                          <a:rPr lang="en-US" sz="2400" b="0" i="1" smtClean="0">
-                            <a:latin typeface="Cambria Math" panose="02040503050406030204" pitchFamily="18" charset="0"/>
-                          </a:rPr>
-                          <m:t>𝑚</m:t>
-                        </m:r>
-                      </m:e>
-                      <m:sub>
-                        <m:r>
-                          <a:rPr lang="en-US" sz="2400" b="0" i="1" smtClean="0">
-                            <a:latin typeface="Cambria Math" panose="02040503050406030204" pitchFamily="18" charset="0"/>
-                          </a:rPr>
-                          <m:t>𝑓</m:t>
-                        </m:r>
-                      </m:sub>
-                    </m:sSub>
-                    <m:r>
-                      <a:rPr lang="en-US" sz="2400" b="0" i="1" smtClean="0">
-                        <a:latin typeface="Cambria Math" panose="02040503050406030204" pitchFamily="18" charset="0"/>
-                      </a:rPr>
-                      <m:t>,</m:t>
-                    </m:r>
-                    <m:sSub>
-                      <m:sSubPr>
-                        <m:ctrlPr>
-                          <a:rPr lang="en-US" sz="2400" b="0" i="1" smtClean="0">
-                            <a:latin typeface="Cambria Math" panose="02040503050406030204" pitchFamily="18" charset="0"/>
-                          </a:rPr>
-                        </m:ctrlPr>
-                      </m:sSubPr>
-                      <m:e>
-                        <m:r>
-                          <a:rPr lang="en-US" sz="2400" b="0" i="1" smtClean="0">
-                            <a:latin typeface="Cambria Math" panose="02040503050406030204" pitchFamily="18" charset="0"/>
-                          </a:rPr>
-                          <m:t>𝜆</m:t>
-                        </m:r>
-                      </m:e>
-                      <m:sub>
-                        <m:r>
-                          <a:rPr lang="en-US" sz="2400" b="0" i="1" smtClean="0">
-                            <a:latin typeface="Cambria Math" panose="02040503050406030204" pitchFamily="18" charset="0"/>
-                          </a:rPr>
-                          <m:t>𝑚</m:t>
-                        </m:r>
-                      </m:sub>
-                    </m:sSub>
-                    <m:r>
-                      <a:rPr lang="en-US" sz="2400" b="0" i="1" smtClean="0">
-                        <a:latin typeface="Cambria Math" panose="02040503050406030204" pitchFamily="18" charset="0"/>
-                      </a:rPr>
-                      <m:t>,</m:t>
-                    </m:r>
-                    <m:sSub>
-                      <m:sSubPr>
-                        <m:ctrlPr>
-                          <a:rPr lang="en-US" sz="2400" b="0" i="1" smtClean="0">
-                            <a:latin typeface="Cambria Math" panose="02040503050406030204" pitchFamily="18" charset="0"/>
-                          </a:rPr>
-                        </m:ctrlPr>
-                      </m:sSubPr>
-                      <m:e>
-                        <m:r>
-                          <a:rPr lang="en-US" sz="2400" b="0" i="1" smtClean="0">
-                            <a:latin typeface="Cambria Math" panose="02040503050406030204" pitchFamily="18" charset="0"/>
-                          </a:rPr>
-                          <m:t>𝑚</m:t>
-                        </m:r>
-                      </m:e>
-                      <m:sub>
-                        <m:r>
-                          <a:rPr lang="en-US" sz="2400" b="0" i="1" smtClean="0">
-                            <a:latin typeface="Cambria Math" panose="02040503050406030204" pitchFamily="18" charset="0"/>
-                          </a:rPr>
-                          <m:t>𝜑</m:t>
-                        </m:r>
-                      </m:sub>
-                    </m:sSub>
-                  </m:oMath>
-                </a14:m>
-                <a:r>
-                  <a:rPr lang="en-US" sz="2400" dirty="0"/>
-                  <a:t> : States of the “continuous program” aka plant model</a:t>
-                </a:r>
-              </a:p>
-              <a:p>
-                <a14:m>
-                  <m:oMath xmlns:m="http://schemas.openxmlformats.org/officeDocument/2006/math">
-                    <m:sSub>
-                      <m:sSubPr>
-                        <m:ctrlPr>
-                          <a:rPr lang="en-US" sz="2400" b="0" i="1" smtClean="0">
-                            <a:latin typeface="Cambria Math" panose="02040503050406030204" pitchFamily="18" charset="0"/>
-                          </a:rPr>
-                        </m:ctrlPr>
-                      </m:sSubPr>
-                      <m:e>
-                        <m:r>
-                          <a:rPr lang="en-US" sz="2400" b="0" i="1" smtClean="0">
-                            <a:latin typeface="Cambria Math" panose="02040503050406030204" pitchFamily="18" charset="0"/>
-                          </a:rPr>
-                          <m:t>𝜃</m:t>
-                        </m:r>
-                      </m:e>
-                      <m:sub>
-                        <m:r>
-                          <m:rPr>
-                            <m:sty m:val="p"/>
-                          </m:rPr>
-                          <a:rPr lang="en-US" sz="2400" b="0" i="0" smtClean="0">
-                            <a:latin typeface="Cambria Math" panose="02040503050406030204" pitchFamily="18" charset="0"/>
-                          </a:rPr>
-                          <m:t>in</m:t>
-                        </m:r>
-                      </m:sub>
-                    </m:sSub>
-                    <m:r>
-                      <a:rPr lang="en-US" sz="2400" b="0" i="1" smtClean="0">
-                        <a:latin typeface="Cambria Math" panose="02040503050406030204" pitchFamily="18" charset="0"/>
-                      </a:rPr>
-                      <m:t>,</m:t>
-                    </m:r>
-                    <m:r>
-                      <a:rPr lang="en-US" sz="2400" b="0" i="1" smtClean="0">
-                        <a:latin typeface="Cambria Math" panose="02040503050406030204" pitchFamily="18" charset="0"/>
-                      </a:rPr>
-                      <m:t>𝜔</m:t>
-                    </m:r>
-                  </m:oMath>
-                </a14:m>
-                <a:r>
-                  <a:rPr lang="en-US" sz="2400" dirty="0"/>
-                  <a:t>: Inputs to the plant model</a:t>
-                </a:r>
-              </a:p>
-              <a:p>
-                <a:endParaRPr lang="en-US" sz="2400" dirty="0"/>
-              </a:p>
-              <a:p>
-                <a:r>
-                  <a:rPr lang="en-US" sz="2400" dirty="0"/>
-                  <a:t>Differential equations describe the transition relation of this system</a:t>
-                </a:r>
-              </a:p>
-              <a:p>
-                <a:endParaRPr lang="en-US" sz="2400" dirty="0"/>
-              </a:p>
-              <a:p>
-                <a:endParaRPr lang="en-US" sz="2400" dirty="0"/>
-              </a:p>
-            </p:txBody>
-          </p:sp>
-        </mc:Choice>
-        <mc:Fallback xmlns="">
-          <p:sp>
-            <p:nvSpPr>
-              <p:cNvPr id="21" name="TextBox 20">
-                <a:extLst>
-                  <a:ext uri="{FF2B5EF4-FFF2-40B4-BE49-F238E27FC236}">
-                    <a16:creationId xmlns:a16="http://schemas.microsoft.com/office/drawing/2014/main" id="{C61BC981-FC73-4C2E-8026-E9FFFB94B852}"/>
-                  </a:ext>
-                </a:extLst>
-              </p:cNvPr>
-              <p:cNvSpPr txBox="1">
-                <a:spLocks noRot="1" noChangeAspect="1" noMove="1" noResize="1" noEditPoints="1" noAdjustHandles="1" noChangeArrowheads="1" noChangeShapeType="1" noTextEdit="1"/>
-              </p:cNvSpPr>
-              <p:nvPr/>
-            </p:nvSpPr>
-            <p:spPr>
-              <a:xfrm>
-                <a:off x="7177080" y="1838258"/>
-                <a:ext cx="4848240" cy="3449214"/>
-              </a:xfrm>
-              <a:prstGeom prst="rect">
-                <a:avLst/>
-              </a:prstGeom>
-              <a:blipFill>
-                <a:blip r:embed="rId3"/>
-                <a:stretch>
-                  <a:fillRect l="-1884" t="-1239"/>
-                </a:stretch>
-              </a:blipFill>
-            </p:spPr>
-            <p:txBody>
-              <a:bodyPr/>
-              <a:lstStyle/>
-              <a:p>
-                <a:r>
-                  <a:rPr lang="en-US">
-                    <a:noFill/>
-                  </a:rPr>
-                  <a:t> </a:t>
-                </a:r>
-              </a:p>
-            </p:txBody>
-          </p:sp>
-        </mc:Fallback>
-      </mc:AlternateContent>
-    </p:spTree>
-    <p:extLst>
-      <p:ext uri="{BB962C8B-B14F-4D97-AF65-F5344CB8AC3E}">
-        <p14:creationId xmlns:p14="http://schemas.microsoft.com/office/powerpoint/2010/main" val="1472077045"/>
-      </p:ext>
-    </p:extLst>
-  </p:cSld>
-  <p:clrMapOvr>
-    <a:masterClrMapping/>
-  </p:clrMapOvr>
-</p:sld>
-</file>
-
-<file path=ppt/slides/slide23.xml><?xml version="1.0" encoding="utf-8"?>
-<p:sld xmlns:a="http://schemas.openxmlformats.org/drawingml/2006/main" xmlns:r="http://schemas.openxmlformats.org/officeDocument/2006/relationships" xmlns:p="http://schemas.openxmlformats.org/presentationml/2006/main">
-  <p:cSld>
-    <p:spTree>
-      <p:nvGrpSpPr>
-        <p:cNvPr id="1" name=""/>
-        <p:cNvGrpSpPr/>
-        <p:nvPr/>
-      </p:nvGrpSpPr>
-      <p:grpSpPr>
-        <a:xfrm>
-          <a:off x="0" y="0"/>
-          <a:ext cx="0" cy="0"/>
-          <a:chOff x="0" y="0"/>
-          <a:chExt cx="0" cy="0"/>
-        </a:xfrm>
-      </p:grpSpPr>
-      <p:sp>
-        <p:nvSpPr>
-          <p:cNvPr id="2" name="Content Placeholder 1">
-            <a:extLst>
-              <a:ext uri="{FF2B5EF4-FFF2-40B4-BE49-F238E27FC236}">
-                <a16:creationId xmlns:a16="http://schemas.microsoft.com/office/drawing/2014/main" id="{57CFD63E-4C3E-4BC8-BB87-EF201F3B8434}"/>
-              </a:ext>
-            </a:extLst>
-          </p:cNvPr>
-          <p:cNvSpPr>
-            <a:spLocks noGrp="1"/>
-          </p:cNvSpPr>
-          <p:nvPr>
-            <p:ph idx="1"/>
-          </p:nvPr>
-        </p:nvSpPr>
-        <p:spPr/>
-        <p:txBody>
-          <a:bodyPr/>
-          <a:lstStyle/>
-          <a:p>
-            <a:r>
-              <a:rPr lang="en-US" dirty="0"/>
-              <a:t>State variables are real-valued: </a:t>
-            </a:r>
-            <a:r>
-              <a:rPr lang="en-US" dirty="0">
-                <a:solidFill>
-                  <a:srgbClr val="FF0000"/>
-                </a:solidFill>
-              </a:rPr>
-              <a:t>set of states </a:t>
-            </a:r>
-            <a:r>
-              <a:rPr lang="en-US" dirty="0"/>
-              <a:t>may </a:t>
-            </a:r>
-            <a:r>
-              <a:rPr lang="en-US" dirty="0">
-                <a:solidFill>
-                  <a:srgbClr val="FF0000"/>
-                </a:solidFill>
-              </a:rPr>
-              <a:t>not</a:t>
-            </a:r>
-            <a:r>
-              <a:rPr lang="en-US" dirty="0"/>
-              <a:t> be </a:t>
-            </a:r>
-            <a:r>
-              <a:rPr lang="en-US" dirty="0">
-                <a:solidFill>
-                  <a:srgbClr val="FF0000"/>
-                </a:solidFill>
-              </a:rPr>
-              <a:t>countable</a:t>
-            </a:r>
-            <a:r>
-              <a:rPr lang="en-US" dirty="0"/>
-              <a:t>!</a:t>
-            </a:r>
-          </a:p>
-          <a:p>
-            <a:r>
-              <a:rPr lang="en-US" dirty="0"/>
-              <a:t>Models do not evolve in discrete time-steps: </a:t>
-            </a:r>
-            <a:r>
-              <a:rPr lang="en-US" dirty="0">
-                <a:solidFill>
-                  <a:srgbClr val="FF0000"/>
-                </a:solidFill>
-              </a:rPr>
-              <a:t>evolve continuously </a:t>
-            </a:r>
-            <a:r>
-              <a:rPr lang="en-US" dirty="0"/>
-              <a:t>in time</a:t>
-            </a:r>
-          </a:p>
-          <a:p>
-            <a:pPr lvl="1"/>
-            <a:r>
-              <a:rPr lang="en-US" dirty="0"/>
-              <a:t>Transitions are thus not finite in number or discrete in length, but continuous</a:t>
-            </a:r>
-          </a:p>
-          <a:p>
-            <a:r>
-              <a:rPr lang="en-US" dirty="0"/>
-              <a:t>Properties of interest in CPSs may involve </a:t>
-            </a:r>
-            <a:r>
-              <a:rPr lang="en-US" dirty="0">
-                <a:solidFill>
-                  <a:srgbClr val="FF0000"/>
-                </a:solidFill>
-              </a:rPr>
-              <a:t>real-time specifications</a:t>
-            </a:r>
-            <a:r>
-              <a:rPr lang="en-US" dirty="0"/>
-              <a:t> (e.g. the A/F ratio is within 10% of reference within 2 seconds)</a:t>
-            </a:r>
-          </a:p>
-          <a:p>
-            <a:r>
-              <a:rPr lang="en-US" dirty="0"/>
-              <a:t>CPSs typically have an uncertain environment (e.g. user may </a:t>
-            </a:r>
-            <a:r>
-              <a:rPr lang="en-US" dirty="0">
-                <a:solidFill>
-                  <a:srgbClr val="FF0000"/>
-                </a:solidFill>
-              </a:rPr>
-              <a:t>nondeterministically </a:t>
-            </a:r>
-            <a:r>
-              <a:rPr lang="en-US" dirty="0"/>
-              <a:t>change throttle angle), and we may also use </a:t>
-            </a:r>
-            <a:r>
-              <a:rPr lang="en-US" dirty="0">
-                <a:solidFill>
-                  <a:srgbClr val="FF0000"/>
-                </a:solidFill>
-              </a:rPr>
-              <a:t>stochastic</a:t>
-            </a:r>
-            <a:r>
-              <a:rPr lang="en-US" dirty="0"/>
-              <a:t> assumptions (e.g. user alternating between wide-open throttle and fully closed throttle may be statistically less likely)</a:t>
-            </a:r>
-          </a:p>
-        </p:txBody>
-      </p:sp>
-      <p:sp>
-        <p:nvSpPr>
-          <p:cNvPr id="3" name="Title 2">
-            <a:extLst>
-              <a:ext uri="{FF2B5EF4-FFF2-40B4-BE49-F238E27FC236}">
-                <a16:creationId xmlns:a16="http://schemas.microsoft.com/office/drawing/2014/main" id="{212B440F-3335-4673-8692-C0145D5F62C0}"/>
-              </a:ext>
-            </a:extLst>
-          </p:cNvPr>
-          <p:cNvSpPr>
-            <a:spLocks noGrp="1"/>
-          </p:cNvSpPr>
-          <p:nvPr>
-            <p:ph type="title"/>
-          </p:nvPr>
-        </p:nvSpPr>
-        <p:spPr/>
-        <p:txBody>
-          <a:bodyPr>
-            <a:normAutofit fontScale="90000"/>
-          </a:bodyPr>
-          <a:lstStyle/>
-          <a:p>
-            <a:r>
-              <a:rPr lang="en-US" dirty="0"/>
-              <a:t>Verification challenge for closed-loop CPS models</a:t>
-            </a:r>
-          </a:p>
-        </p:txBody>
-      </p:sp>
-      <p:sp>
-        <p:nvSpPr>
-          <p:cNvPr id="4" name="Slide Number Placeholder 3">
-            <a:extLst>
-              <a:ext uri="{FF2B5EF4-FFF2-40B4-BE49-F238E27FC236}">
-                <a16:creationId xmlns:a16="http://schemas.microsoft.com/office/drawing/2014/main" id="{929E8BD8-32FD-4AF0-87C9-A72B29E27E3E}"/>
-              </a:ext>
-            </a:extLst>
-          </p:cNvPr>
-          <p:cNvSpPr>
-            <a:spLocks noGrp="1"/>
-          </p:cNvSpPr>
-          <p:nvPr>
-            <p:ph type="sldNum" sz="quarter" idx="12"/>
-          </p:nvPr>
-        </p:nvSpPr>
-        <p:spPr/>
-        <p:txBody>
-          <a:bodyPr/>
-          <a:lstStyle/>
-          <a:p>
-            <a:fld id="{29AAD378-655A-49C6-813C-9FD132EF7440}" type="slidenum">
-              <a:rPr lang="en-US" smtClean="0"/>
-              <a:pPr/>
-              <a:t>23</a:t>
-            </a:fld>
-            <a:endParaRPr lang="en-US"/>
-          </a:p>
-        </p:txBody>
-      </p:sp>
-    </p:spTree>
-    <p:extLst>
-      <p:ext uri="{BB962C8B-B14F-4D97-AF65-F5344CB8AC3E}">
-        <p14:creationId xmlns:p14="http://schemas.microsoft.com/office/powerpoint/2010/main" val="4281170089"/>
-      </p:ext>
-    </p:extLst>
-  </p:cSld>
-  <p:clrMapOvr>
-    <a:masterClrMapping/>
-  </p:clrMapOvr>
-</p:sld>
-</file>
-
-<file path=ppt/slides/slide24.xml><?xml version="1.0" encoding="utf-8"?>
-<p:sld xmlns:a="http://schemas.openxmlformats.org/drawingml/2006/main" xmlns:r="http://schemas.openxmlformats.org/officeDocument/2006/relationships" xmlns:p="http://schemas.openxmlformats.org/presentationml/2006/main">
-  <p:cSld>
-    <p:spTree>
-      <p:nvGrpSpPr>
-        <p:cNvPr id="1" name=""/>
-        <p:cNvGrpSpPr/>
-        <p:nvPr/>
-      </p:nvGrpSpPr>
-      <p:grpSpPr>
-        <a:xfrm>
-          <a:off x="0" y="0"/>
-          <a:ext cx="0" cy="0"/>
-          <a:chOff x="0" y="0"/>
-          <a:chExt cx="0" cy="0"/>
-        </a:xfrm>
-      </p:grpSpPr>
-      <p:sp>
-        <p:nvSpPr>
-          <p:cNvPr id="2" name="Content Placeholder 1">
-            <a:extLst>
-              <a:ext uri="{FF2B5EF4-FFF2-40B4-BE49-F238E27FC236}">
-                <a16:creationId xmlns:a16="http://schemas.microsoft.com/office/drawing/2014/main" id="{AA869963-2A67-4B6A-B118-94BC7125C3B6}"/>
-              </a:ext>
-            </a:extLst>
-          </p:cNvPr>
-          <p:cNvSpPr>
-            <a:spLocks noGrp="1"/>
-          </p:cNvSpPr>
-          <p:nvPr>
-            <p:ph idx="1"/>
-          </p:nvPr>
-        </p:nvSpPr>
-        <p:spPr/>
-        <p:txBody>
-          <a:bodyPr/>
-          <a:lstStyle/>
-          <a:p>
-            <a:r>
-              <a:rPr lang="en-US" dirty="0"/>
-              <a:t>Some terms that may appear in papers: Reachability analysis, </a:t>
-            </a:r>
-            <a:r>
-              <a:rPr lang="en-US" dirty="0" err="1"/>
-              <a:t>Bisimulation</a:t>
-            </a:r>
-            <a:r>
-              <a:rPr lang="en-US" dirty="0"/>
-              <a:t>/Simulation Relations, Equivalence relations, Quotient structures, Product construction, Emptiness checking, Language equivalence, Undecidability, Under/Over-Approximations, ODEs, Initial Value Problem, Numerical solutions to ODEs, etc.</a:t>
-            </a:r>
-          </a:p>
-          <a:p>
-            <a:r>
-              <a:rPr lang="en-US" dirty="0"/>
-              <a:t>May be good to review these terms (independently or see me in office hours)</a:t>
-            </a:r>
-          </a:p>
-          <a:p>
-            <a:r>
-              <a:rPr lang="en-US" dirty="0"/>
-              <a:t>Think of this as a course that will connect the worlds of software verification and CPS verification: we will borrow techniques from either world to improve the state-of-the-art in the other world</a:t>
-            </a:r>
-          </a:p>
-        </p:txBody>
-      </p:sp>
-      <p:sp>
-        <p:nvSpPr>
-          <p:cNvPr id="3" name="Title 2">
-            <a:extLst>
-              <a:ext uri="{FF2B5EF4-FFF2-40B4-BE49-F238E27FC236}">
-                <a16:creationId xmlns:a16="http://schemas.microsoft.com/office/drawing/2014/main" id="{885A08AF-97E0-484B-A8CA-D26E777E3DFB}"/>
-              </a:ext>
-            </a:extLst>
-          </p:cNvPr>
-          <p:cNvSpPr>
-            <a:spLocks noGrp="1"/>
-          </p:cNvSpPr>
-          <p:nvPr>
-            <p:ph type="title"/>
-          </p:nvPr>
-        </p:nvSpPr>
-        <p:spPr/>
-        <p:txBody>
-          <a:bodyPr>
-            <a:normAutofit fontScale="90000"/>
-          </a:bodyPr>
-          <a:lstStyle/>
-          <a:p>
-            <a:r>
-              <a:rPr lang="en-US" dirty="0"/>
-              <a:t>Some concepts you may need through this course</a:t>
-            </a:r>
-          </a:p>
-        </p:txBody>
-      </p:sp>
-      <p:sp>
-        <p:nvSpPr>
-          <p:cNvPr id="4" name="Slide Number Placeholder 3">
-            <a:extLst>
-              <a:ext uri="{FF2B5EF4-FFF2-40B4-BE49-F238E27FC236}">
-                <a16:creationId xmlns:a16="http://schemas.microsoft.com/office/drawing/2014/main" id="{58C4CA6C-E75F-4131-9058-407F851D7FAE}"/>
-              </a:ext>
-            </a:extLst>
-          </p:cNvPr>
-          <p:cNvSpPr>
-            <a:spLocks noGrp="1"/>
-          </p:cNvSpPr>
-          <p:nvPr>
-            <p:ph type="sldNum" sz="quarter" idx="12"/>
-          </p:nvPr>
-        </p:nvSpPr>
-        <p:spPr/>
-        <p:txBody>
-          <a:bodyPr/>
-          <a:lstStyle/>
-          <a:p>
-            <a:fld id="{29AAD378-655A-49C6-813C-9FD132EF7440}" type="slidenum">
-              <a:rPr lang="en-US" smtClean="0"/>
-              <a:pPr/>
-              <a:t>24</a:t>
-            </a:fld>
-            <a:endParaRPr lang="en-US"/>
-          </a:p>
-        </p:txBody>
-      </p:sp>
-    </p:spTree>
-    <p:extLst>
-      <p:ext uri="{BB962C8B-B14F-4D97-AF65-F5344CB8AC3E}">
-        <p14:creationId xmlns:p14="http://schemas.microsoft.com/office/powerpoint/2010/main" val="646851477"/>
-      </p:ext>
-    </p:extLst>
-  </p:cSld>
-  <p:clrMapOvr>
-    <a:masterClrMapping/>
-  </p:clrMapOvr>
-</p:sld>
-</file>
-
-<file path=ppt/slides/slide25.xml><?xml version="1.0" encoding="utf-8"?>
-<p:sld xmlns:a="http://schemas.openxmlformats.org/drawingml/2006/main" xmlns:r="http://schemas.openxmlformats.org/officeDocument/2006/relationships" xmlns:p="http://schemas.openxmlformats.org/presentationml/2006/main">
-  <p:cSld>
-    <p:spTree>
-      <p:nvGrpSpPr>
-        <p:cNvPr id="1" name=""/>
-        <p:cNvGrpSpPr/>
-        <p:nvPr/>
-      </p:nvGrpSpPr>
-      <p:grpSpPr>
-        <a:xfrm>
-          <a:off x="0" y="0"/>
-          <a:ext cx="0" cy="0"/>
-          <a:chOff x="0" y="0"/>
-          <a:chExt cx="0" cy="0"/>
-        </a:xfrm>
-      </p:grpSpPr>
-      <p:sp>
-        <p:nvSpPr>
-          <p:cNvPr id="2" name="Content Placeholder 1">
-            <a:extLst>
-              <a:ext uri="{FF2B5EF4-FFF2-40B4-BE49-F238E27FC236}">
-                <a16:creationId xmlns:a16="http://schemas.microsoft.com/office/drawing/2014/main" id="{AC267AE9-5D6E-4E6C-B89C-C4F3DE052A21}"/>
-              </a:ext>
-            </a:extLst>
-          </p:cNvPr>
-          <p:cNvSpPr>
-            <a:spLocks noGrp="1"/>
-          </p:cNvSpPr>
-          <p:nvPr>
-            <p:ph idx="1"/>
-          </p:nvPr>
-        </p:nvSpPr>
-        <p:spPr/>
-        <p:txBody>
-          <a:bodyPr>
-            <a:normAutofit/>
-          </a:bodyPr>
-          <a:lstStyle/>
-          <a:p>
-            <a:r>
-              <a:rPr lang="en-US" sz="1400" dirty="0"/>
-              <a:t>Clarke, Edmund, </a:t>
-            </a:r>
-            <a:r>
-              <a:rPr lang="en-US" sz="1400" dirty="0" err="1"/>
-              <a:t>Orna</a:t>
-            </a:r>
-            <a:r>
-              <a:rPr lang="en-US" sz="1400" dirty="0"/>
-              <a:t> </a:t>
-            </a:r>
-            <a:r>
-              <a:rPr lang="en-US" sz="1400" dirty="0" err="1"/>
-              <a:t>Grumberg</a:t>
-            </a:r>
-            <a:r>
-              <a:rPr lang="en-US" sz="1400" dirty="0"/>
-              <a:t>, Somesh Jha, Yuan Lu, and Helmut </a:t>
-            </a:r>
-            <a:r>
-              <a:rPr lang="en-US" sz="1400" dirty="0" err="1"/>
-              <a:t>Veith</a:t>
-            </a:r>
-            <a:r>
-              <a:rPr lang="en-US" sz="1400" dirty="0"/>
-              <a:t>. "Counterexample-guided abstraction refinement for symbolic model checking." </a:t>
-            </a:r>
-            <a:r>
-              <a:rPr lang="en-US" sz="1400" i="1" dirty="0"/>
-              <a:t>Journal of the ACM (JACM)</a:t>
-            </a:r>
-            <a:r>
-              <a:rPr lang="en-US" sz="1400" dirty="0"/>
-              <a:t> 50, no. 5 (2003): 752-794.</a:t>
-            </a:r>
-          </a:p>
-          <a:p>
-            <a:r>
-              <a:rPr lang="en-US" sz="1400" dirty="0" err="1"/>
-              <a:t>Huth</a:t>
-            </a:r>
-            <a:r>
-              <a:rPr lang="en-US" sz="1400" dirty="0"/>
-              <a:t>, Michael, and Mark Ryan. </a:t>
-            </a:r>
-            <a:r>
-              <a:rPr lang="en-US" sz="1400" i="1" dirty="0"/>
-              <a:t>Logic in Computer Science: Modelling and reasoning about systems</a:t>
-            </a:r>
-            <a:r>
-              <a:rPr lang="en-US" sz="1400" dirty="0"/>
-              <a:t>. Cambridge university press, 2004.</a:t>
-            </a:r>
-          </a:p>
-          <a:p>
-            <a:r>
-              <a:rPr lang="en-US" sz="1400" dirty="0" err="1"/>
-              <a:t>Peled</a:t>
-            </a:r>
-            <a:r>
-              <a:rPr lang="en-US" sz="1400" dirty="0"/>
-              <a:t>, Doron. "Ten years of partial order reduction." In </a:t>
-            </a:r>
-            <a:r>
-              <a:rPr lang="en-US" sz="1400" i="1" dirty="0"/>
-              <a:t>International Conference on Computer Aided Verification</a:t>
-            </a:r>
-            <a:r>
-              <a:rPr lang="en-US" sz="1400" dirty="0"/>
-              <a:t>, pp. 17-28. Springer, Berlin, Heidelberg, 1998.</a:t>
-            </a:r>
-          </a:p>
-          <a:p>
-            <a:r>
-              <a:rPr lang="en-US" sz="1400" dirty="0"/>
-              <a:t>Emerson, E. Allen, and Richard J. </a:t>
-            </a:r>
-            <a:r>
-              <a:rPr lang="en-US" sz="1400" dirty="0" err="1"/>
-              <a:t>Trefler</a:t>
-            </a:r>
-            <a:r>
-              <a:rPr lang="en-US" sz="1400" dirty="0"/>
-              <a:t>. "From asymmetry to full symmetry: New techniques for symmetry reduction in model checking." In </a:t>
-            </a:r>
-            <a:r>
-              <a:rPr lang="en-US" sz="1400" i="1" dirty="0"/>
-              <a:t>Advanced Research Working Conference on Correct Hardware Design and Verification Methods</a:t>
-            </a:r>
-            <a:r>
-              <a:rPr lang="en-US" sz="1400" dirty="0"/>
-              <a:t>, pp. 142-157. Springer, Berlin, Heidelberg, 1999.</a:t>
-            </a:r>
-          </a:p>
-          <a:p>
-            <a:r>
-              <a:rPr lang="en-US" sz="1400" dirty="0"/>
-              <a:t>Ball, Thomas, </a:t>
-            </a:r>
-            <a:r>
-              <a:rPr lang="en-US" sz="1400" dirty="0" err="1"/>
-              <a:t>Rupak</a:t>
-            </a:r>
-            <a:r>
-              <a:rPr lang="en-US" sz="1400" dirty="0"/>
-              <a:t> Majumdar, Todd Millstein, and Sriram K. </a:t>
-            </a:r>
-            <a:r>
-              <a:rPr lang="en-US" sz="1400" dirty="0" err="1"/>
-              <a:t>Rajamani</a:t>
-            </a:r>
-            <a:r>
-              <a:rPr lang="en-US" sz="1400" dirty="0"/>
-              <a:t>. "Automatic predicate abstraction of C programs." In </a:t>
-            </a:r>
-            <a:r>
-              <a:rPr lang="en-US" sz="1400" i="1" dirty="0"/>
-              <a:t>ACM SIGPLAN Notices</a:t>
-            </a:r>
-            <a:r>
-              <a:rPr lang="en-US" sz="1400" dirty="0"/>
-              <a:t>, vol. 36, no. 5, pp. 203-213. ACM, 2001.</a:t>
-            </a:r>
-          </a:p>
-          <a:p>
-            <a:r>
-              <a:rPr lang="en-US" sz="1400" dirty="0"/>
-              <a:t>Graf, Susanne, and Hassen </a:t>
-            </a:r>
-            <a:r>
-              <a:rPr lang="en-US" sz="1400" dirty="0" err="1"/>
-              <a:t>Saïdi</a:t>
-            </a:r>
-            <a:r>
-              <a:rPr lang="en-US" sz="1400" dirty="0"/>
-              <a:t>. "Construction of abstract state graphs with PVS." In </a:t>
-            </a:r>
-            <a:r>
-              <a:rPr lang="en-US" sz="1400" i="1" dirty="0"/>
-              <a:t>International Conference on Computer Aided Verification</a:t>
-            </a:r>
-            <a:r>
-              <a:rPr lang="en-US" sz="1400" dirty="0"/>
-              <a:t>, pp. 72-83. Springer, Berlin, Heidelberg, 1997.</a:t>
-            </a:r>
-          </a:p>
-          <a:p>
-            <a:r>
-              <a:rPr lang="en-US" sz="1400" dirty="0" err="1"/>
-              <a:t>Cousot</a:t>
-            </a:r>
-            <a:r>
-              <a:rPr lang="en-US" sz="1400" dirty="0"/>
-              <a:t>, Patrick, and </a:t>
-            </a:r>
-            <a:r>
-              <a:rPr lang="en-US" sz="1400" dirty="0" err="1"/>
-              <a:t>Radhia</a:t>
-            </a:r>
-            <a:r>
-              <a:rPr lang="en-US" sz="1400" dirty="0"/>
-              <a:t> </a:t>
-            </a:r>
-            <a:r>
-              <a:rPr lang="en-US" sz="1400" dirty="0" err="1"/>
-              <a:t>Cousot</a:t>
-            </a:r>
-            <a:r>
-              <a:rPr lang="en-US" sz="1400" dirty="0"/>
-              <a:t>. "Abstract interpretation: a unified lattice model for static analysis of programs by construction or approximation of fixpoints." In </a:t>
-            </a:r>
-            <a:r>
-              <a:rPr lang="en-US" sz="1400" i="1" dirty="0"/>
-              <a:t>Proceedings of the 4th ACM SIGACT-SIGPLAN symposium on Principles of programming languages</a:t>
-            </a:r>
-            <a:r>
-              <a:rPr lang="en-US" sz="1400" dirty="0"/>
-              <a:t>, pp. 238-252. ACM, 1977.</a:t>
-            </a:r>
-          </a:p>
-          <a:p>
-            <a:endParaRPr lang="en-US" sz="1400" dirty="0"/>
-          </a:p>
-          <a:p>
-            <a:endParaRPr lang="en-US" sz="1400" dirty="0"/>
-          </a:p>
-        </p:txBody>
-      </p:sp>
-      <p:sp>
-        <p:nvSpPr>
-          <p:cNvPr id="3" name="Title 2">
-            <a:extLst>
-              <a:ext uri="{FF2B5EF4-FFF2-40B4-BE49-F238E27FC236}">
-                <a16:creationId xmlns:a16="http://schemas.microsoft.com/office/drawing/2014/main" id="{7EA27159-1067-4375-8190-DC7C37FE246C}"/>
-              </a:ext>
-            </a:extLst>
-          </p:cNvPr>
-          <p:cNvSpPr>
-            <a:spLocks noGrp="1"/>
-          </p:cNvSpPr>
-          <p:nvPr>
-            <p:ph type="title"/>
-          </p:nvPr>
-        </p:nvSpPr>
-        <p:spPr/>
-        <p:txBody>
-          <a:bodyPr/>
-          <a:lstStyle/>
-          <a:p>
-            <a:r>
-              <a:rPr lang="en-US" dirty="0"/>
-              <a:t>Bibliography</a:t>
-            </a:r>
-          </a:p>
-        </p:txBody>
-      </p:sp>
-      <p:sp>
-        <p:nvSpPr>
-          <p:cNvPr id="4" name="Slide Number Placeholder 3">
-            <a:extLst>
-              <a:ext uri="{FF2B5EF4-FFF2-40B4-BE49-F238E27FC236}">
-                <a16:creationId xmlns:a16="http://schemas.microsoft.com/office/drawing/2014/main" id="{A8958952-359A-49C9-83FF-63B11F820D1C}"/>
-              </a:ext>
-            </a:extLst>
-          </p:cNvPr>
-          <p:cNvSpPr>
-            <a:spLocks noGrp="1"/>
-          </p:cNvSpPr>
-          <p:nvPr>
-            <p:ph type="sldNum" sz="quarter" idx="12"/>
-          </p:nvPr>
-        </p:nvSpPr>
-        <p:spPr/>
-        <p:txBody>
-          <a:bodyPr/>
-          <a:lstStyle/>
-          <a:p>
-            <a:fld id="{29AAD378-655A-49C6-813C-9FD132EF7440}" type="slidenum">
-              <a:rPr lang="en-US" smtClean="0"/>
-              <a:pPr/>
-              <a:t>25</a:t>
-            </a:fld>
-            <a:endParaRPr lang="en-US"/>
-          </a:p>
-        </p:txBody>
-      </p:sp>
-    </p:spTree>
-    <p:extLst>
-      <p:ext uri="{BB962C8B-B14F-4D97-AF65-F5344CB8AC3E}">
-        <p14:creationId xmlns:p14="http://schemas.microsoft.com/office/powerpoint/2010/main" val="852262603"/>
       </p:ext>
     </p:extLst>
   </p:cSld>
